--- a/projects/1-CNN/presentations/Confidence Bias in Humans & Neural Networks.pptx
+++ b/projects/1-CNN/presentations/Confidence Bias in Humans & Neural Networks.pptx
@@ -6,14 +6,25 @@
   </p:sldMasterIdLst>
   <p:sldIdLst>
     <p:sldId id="256" r:id="rId2"/>
-    <p:sldId id="258" r:id="rId3"/>
-    <p:sldId id="260" r:id="rId4"/>
-    <p:sldId id="263" r:id="rId5"/>
-    <p:sldId id="262" r:id="rId6"/>
-    <p:sldId id="264" r:id="rId7"/>
-    <p:sldId id="267" r:id="rId8"/>
-    <p:sldId id="265" r:id="rId9"/>
-    <p:sldId id="266" r:id="rId10"/>
+    <p:sldId id="269" r:id="rId3"/>
+    <p:sldId id="273" r:id="rId4"/>
+    <p:sldId id="265" r:id="rId5"/>
+    <p:sldId id="266" r:id="rId6"/>
+    <p:sldId id="258" r:id="rId7"/>
+    <p:sldId id="260" r:id="rId8"/>
+    <p:sldId id="263" r:id="rId9"/>
+    <p:sldId id="262" r:id="rId10"/>
+    <p:sldId id="264" r:id="rId11"/>
+    <p:sldId id="267" r:id="rId12"/>
+    <p:sldId id="268" r:id="rId13"/>
+    <p:sldId id="276" r:id="rId14"/>
+    <p:sldId id="271" r:id="rId15"/>
+    <p:sldId id="274" r:id="rId16"/>
+    <p:sldId id="275" r:id="rId17"/>
+    <p:sldId id="277" r:id="rId18"/>
+    <p:sldId id="278" r:id="rId19"/>
+    <p:sldId id="272" r:id="rId20"/>
+    <p:sldId id="270" r:id="rId21"/>
   </p:sldIdLst>
   <p:sldSz cx="12192000" cy="6858000"/>
   <p:notesSz cx="6858000" cy="9144000"/>
@@ -112,6 +123,39 @@
       </a:defRPr>
     </a:lvl9pPr>
   </p:defaultTextStyle>
+  <p:extLst>
+    <p:ext uri="{521415D9-36F7-43E2-AB2F-B90AF26B5E84}">
+      <p14:sectionLst xmlns:p14="http://schemas.microsoft.com/office/powerpoint/2010/main">
+        <p14:section name="Default Section" id="{60952095-46CB-4DA9-997D-512E23BA9F20}">
+          <p14:sldIdLst>
+            <p14:sldId id="256"/>
+            <p14:sldId id="269"/>
+            <p14:sldId id="273"/>
+            <p14:sldId id="265"/>
+            <p14:sldId id="266"/>
+            <p14:sldId id="258"/>
+            <p14:sldId id="260"/>
+            <p14:sldId id="263"/>
+            <p14:sldId id="262"/>
+            <p14:sldId id="264"/>
+            <p14:sldId id="267"/>
+            <p14:sldId id="268"/>
+            <p14:sldId id="276"/>
+            <p14:sldId id="271"/>
+            <p14:sldId id="274"/>
+            <p14:sldId id="275"/>
+            <p14:sldId id="277"/>
+            <p14:sldId id="278"/>
+            <p14:sldId id="272"/>
+            <p14:sldId id="270"/>
+          </p14:sldIdLst>
+        </p14:section>
+      </p14:sectionLst>
+    </p:ext>
+    <p:ext uri="{EFAFB233-063F-42B5-8137-9DF3F51BA10A}">
+      <p15:sldGuideLst xmlns:p15="http://schemas.microsoft.com/office/powerpoint/2012/main"/>
+    </p:ext>
+  </p:extLst>
 </p:presentation>
 </file>
 
@@ -271,7 +315,7 @@
           <a:p>
             <a:fld id="{02AC24A9-CCB6-4F8D-B8DB-C2F3692CFA5A}" type="datetimeFigureOut">
               <a:rPr lang="en-US" smtClean="0"/>
-              <a:t>11/30/2021</a:t>
+              <a:t>12/1/2021</a:t>
             </a:fld>
             <a:endParaRPr lang="en-US" dirty="0"/>
           </a:p>
@@ -641,7 +685,7 @@
           <a:p>
             <a:fld id="{02AC24A9-CCB6-4F8D-B8DB-C2F3692CFA5A}" type="datetimeFigureOut">
               <a:rPr lang="en-US" smtClean="0"/>
-              <a:t>11/30/2021</a:t>
+              <a:t>12/1/2021</a:t>
             </a:fld>
             <a:endParaRPr lang="en-US"/>
           </a:p>
@@ -850,7 +894,7 @@
           <a:p>
             <a:fld id="{02AC24A9-CCB6-4F8D-B8DB-C2F3692CFA5A}" type="datetimeFigureOut">
               <a:rPr lang="en-US" smtClean="0"/>
-              <a:t>11/30/2021</a:t>
+              <a:t>12/1/2021</a:t>
             </a:fld>
             <a:endParaRPr lang="en-US"/>
           </a:p>
@@ -1320,7 +1364,7 @@
           <a:p>
             <a:fld id="{02AC24A9-CCB6-4F8D-B8DB-C2F3692CFA5A}" type="datetimeFigureOut">
               <a:rPr lang="en-US" smtClean="0"/>
-              <a:t>11/30/2021</a:t>
+              <a:t>12/1/2021</a:t>
             </a:fld>
             <a:endParaRPr lang="en-US"/>
           </a:p>
@@ -1774,7 +1818,7 @@
           <a:p>
             <a:fld id="{02AC24A9-CCB6-4F8D-B8DB-C2F3692CFA5A}" type="datetimeFigureOut">
               <a:rPr lang="en-US" smtClean="0"/>
-              <a:t>11/30/2021</a:t>
+              <a:t>12/1/2021</a:t>
             </a:fld>
             <a:endParaRPr lang="en-US"/>
           </a:p>
@@ -2306,7 +2350,7 @@
           <a:p>
             <a:fld id="{02AC24A9-CCB6-4F8D-B8DB-C2F3692CFA5A}" type="datetimeFigureOut">
               <a:rPr lang="en-US" smtClean="0"/>
-              <a:t>11/30/2021</a:t>
+              <a:t>12/1/2021</a:t>
             </a:fld>
             <a:endParaRPr lang="en-US"/>
           </a:p>
@@ -3005,7 +3049,7 @@
           <a:p>
             <a:fld id="{02AC24A9-CCB6-4F8D-B8DB-C2F3692CFA5A}" type="datetimeFigureOut">
               <a:rPr lang="en-US" smtClean="0"/>
-              <a:t>11/30/2021</a:t>
+              <a:t>12/1/2021</a:t>
             </a:fld>
             <a:endParaRPr lang="en-US"/>
           </a:p>
@@ -3334,7 +3378,7 @@
           <a:p>
             <a:fld id="{02AC24A9-CCB6-4F8D-B8DB-C2F3692CFA5A}" type="datetimeFigureOut">
               <a:rPr lang="en-US" smtClean="0"/>
-              <a:t>11/30/2021</a:t>
+              <a:t>12/1/2021</a:t>
             </a:fld>
             <a:endParaRPr lang="en-US"/>
           </a:p>
@@ -3447,7 +3491,7 @@
           <a:p>
             <a:fld id="{02AC24A9-CCB6-4F8D-B8DB-C2F3692CFA5A}" type="datetimeFigureOut">
               <a:rPr lang="en-US" smtClean="0"/>
-              <a:t>11/30/2021</a:t>
+              <a:t>12/1/2021</a:t>
             </a:fld>
             <a:endParaRPr lang="en-US"/>
           </a:p>
@@ -3942,7 +3986,7 @@
           <a:p>
             <a:fld id="{02AC24A9-CCB6-4F8D-B8DB-C2F3692CFA5A}" type="datetimeFigureOut">
               <a:rPr lang="en-US" smtClean="0"/>
-              <a:t>11/30/2021</a:t>
+              <a:t>12/1/2021</a:t>
             </a:fld>
             <a:endParaRPr lang="en-US" dirty="0"/>
           </a:p>
@@ -4419,7 +4463,7 @@
           <a:p>
             <a:fld id="{02AC24A9-CCB6-4F8D-B8DB-C2F3692CFA5A}" type="datetimeFigureOut">
               <a:rPr lang="en-US" smtClean="0"/>
-              <a:t>11/30/2021</a:t>
+              <a:t>12/1/2021</a:t>
             </a:fld>
             <a:endParaRPr lang="en-US"/>
           </a:p>
@@ -4662,7 +4706,7 @@
           <a:p>
             <a:fld id="{02AC24A9-CCB6-4F8D-B8DB-C2F3692CFA5A}" type="datetimeFigureOut">
               <a:rPr lang="en-US" smtClean="0"/>
-              <a:t>11/30/2021</a:t>
+              <a:t>12/1/2021</a:t>
             </a:fld>
             <a:endParaRPr lang="en-US"/>
           </a:p>
@@ -5577,8 +5621,8 @@
           <a:lstStyle/>
           <a:p>
             <a:r>
-              <a:rPr lang="en-US" sz="4400"/>
-              <a:t>Confidence Bias in Humans &amp; Neural Networks</a:t>
+              <a:rPr lang="en-US" sz="4400" dirty="0"/>
+              <a:t>Confidence Dissociation in Humans &amp; Neural Networks</a:t>
             </a:r>
           </a:p>
         </p:txBody>
@@ -5612,8 +5656,8 @@
           <a:lstStyle/>
           <a:p>
             <a:r>
-              <a:rPr lang="en-US" sz="2000"/>
-              <a:t>11-2021</a:t>
+              <a:rPr lang="en-US" sz="2000" dirty="0"/>
+              <a:t>12-2021</a:t>
             </a:r>
           </a:p>
         </p:txBody>
@@ -5819,6 +5863,2353 @@
 </p:sld>
 </file>
 
+<file path=ppt/slides/slide10.xml><?xml version="1.0" encoding="utf-8"?>
+<p:sld xmlns:a="http://schemas.openxmlformats.org/drawingml/2006/main" xmlns:r="http://schemas.openxmlformats.org/officeDocument/2006/relationships" xmlns:p="http://schemas.openxmlformats.org/presentationml/2006/main">
+  <p:cSld>
+    <p:spTree>
+      <p:nvGrpSpPr>
+        <p:cNvPr id="1" name=""/>
+        <p:cNvGrpSpPr/>
+        <p:nvPr/>
+      </p:nvGrpSpPr>
+      <p:grpSpPr>
+        <a:xfrm>
+          <a:off x="0" y="0"/>
+          <a:ext cx="0" cy="0"/>
+          <a:chOff x="0" y="0"/>
+          <a:chExt cx="0" cy="0"/>
+        </a:xfrm>
+      </p:grpSpPr>
+      <p:sp>
+        <p:nvSpPr>
+          <p:cNvPr id="2" name="Title 1">
+            <a:extLst>
+              <a:ext uri="{FF2B5EF4-FFF2-40B4-BE49-F238E27FC236}">
+                <a16:creationId xmlns:a16="http://schemas.microsoft.com/office/drawing/2014/main" id="{6076D1AF-58C9-4F89-8C55-12E9B65B1D97}"/>
+              </a:ext>
+            </a:extLst>
+          </p:cNvPr>
+          <p:cNvSpPr>
+            <a:spLocks noGrp="1"/>
+          </p:cNvSpPr>
+          <p:nvPr>
+            <p:ph type="title"/>
+          </p:nvPr>
+        </p:nvSpPr>
+        <p:spPr/>
+        <p:txBody>
+          <a:bodyPr>
+            <a:normAutofit/>
+          </a:bodyPr>
+          <a:lstStyle/>
+          <a:p>
+            <a:r>
+              <a:rPr lang="en-US" dirty="0"/>
+              <a:t>Transfer Learning</a:t>
+            </a:r>
+          </a:p>
+        </p:txBody>
+      </p:sp>
+      <p:sp>
+        <p:nvSpPr>
+          <p:cNvPr id="3" name="Content Placeholder 2">
+            <a:extLst>
+              <a:ext uri="{FF2B5EF4-FFF2-40B4-BE49-F238E27FC236}">
+                <a16:creationId xmlns:a16="http://schemas.microsoft.com/office/drawing/2014/main" id="{0B1DA794-5E92-4CCA-88A7-B32B2077C0B7}"/>
+              </a:ext>
+            </a:extLst>
+          </p:cNvPr>
+          <p:cNvSpPr>
+            <a:spLocks noGrp="1"/>
+          </p:cNvSpPr>
+          <p:nvPr>
+            <p:ph idx="1"/>
+          </p:nvPr>
+        </p:nvSpPr>
+        <p:spPr>
+          <a:xfrm>
+            <a:off x="1115567" y="2478023"/>
+            <a:ext cx="4659945" cy="3727795"/>
+          </a:xfrm>
+        </p:spPr>
+        <p:txBody>
+          <a:bodyPr>
+            <a:normAutofit/>
+          </a:bodyPr>
+          <a:lstStyle/>
+          <a:p>
+            <a:r>
+              <a:rPr lang="en-US" dirty="0"/>
+              <a:t>Step 4: Train weights between last layer on dataset from new domain (</a:t>
+            </a:r>
+            <a:r>
+              <a:rPr lang="en-US" dirty="0" err="1"/>
+              <a:t>ie</a:t>
+            </a:r>
+            <a:r>
+              <a:rPr lang="en-US" dirty="0"/>
+              <a:t>: </a:t>
+            </a:r>
+            <a:r>
+              <a:rPr lang="en-US" dirty="0" err="1"/>
+              <a:t>Gabors</a:t>
+            </a:r>
+            <a:r>
+              <a:rPr lang="en-US" dirty="0"/>
+              <a:t>)</a:t>
+            </a:r>
+          </a:p>
+        </p:txBody>
+      </p:sp>
+      <p:pic>
+        <p:nvPicPr>
+          <p:cNvPr id="22" name="Graphic 21">
+            <a:extLst>
+              <a:ext uri="{FF2B5EF4-FFF2-40B4-BE49-F238E27FC236}">
+                <a16:creationId xmlns:a16="http://schemas.microsoft.com/office/drawing/2014/main" id="{141E7829-5479-4DA3-AE10-7629A51538D8}"/>
+              </a:ext>
+            </a:extLst>
+          </p:cNvPr>
+          <p:cNvPicPr>
+            <a:picLocks noChangeAspect="1"/>
+          </p:cNvPicPr>
+          <p:nvPr/>
+        </p:nvPicPr>
+        <p:blipFill>
+          <a:blip r:embed="rId2">
+            <a:extLst>
+              <a:ext uri="{28A0092B-C50C-407E-A947-70E740481C1C}">
+                <a14:useLocalDpi xmlns:a14="http://schemas.microsoft.com/office/drawing/2010/main" val="0"/>
+              </a:ext>
+              <a:ext uri="{96DAC541-7B7A-43D3-8B79-37D633B846F1}">
+                <asvg:svgBlip xmlns:asvg="http://schemas.microsoft.com/office/drawing/2016/SVG/main" r:embed="rId3"/>
+              </a:ext>
+            </a:extLst>
+          </a:blip>
+          <a:srcRect/>
+          <a:stretch/>
+        </p:blipFill>
+        <p:spPr>
+          <a:xfrm>
+            <a:off x="6403866" y="2432158"/>
+            <a:ext cx="5343525" cy="3819525"/>
+          </a:xfrm>
+          <a:prstGeom prst="rect">
+            <a:avLst/>
+          </a:prstGeom>
+        </p:spPr>
+      </p:pic>
+      <p:sp>
+        <p:nvSpPr>
+          <p:cNvPr id="5" name="TextBox 4">
+            <a:extLst>
+              <a:ext uri="{FF2B5EF4-FFF2-40B4-BE49-F238E27FC236}">
+                <a16:creationId xmlns:a16="http://schemas.microsoft.com/office/drawing/2014/main" id="{3701D964-2EE4-4447-AB0C-A42E6CA0F4A1}"/>
+              </a:ext>
+            </a:extLst>
+          </p:cNvPr>
+          <p:cNvSpPr txBox="1"/>
+          <p:nvPr/>
+        </p:nvSpPr>
+        <p:spPr>
+          <a:xfrm>
+            <a:off x="6463632" y="6418726"/>
+            <a:ext cx="731290" cy="369332"/>
+          </a:xfrm>
+          <a:prstGeom prst="rect">
+            <a:avLst/>
+          </a:prstGeom>
+          <a:noFill/>
+        </p:spPr>
+        <p:txBody>
+          <a:bodyPr wrap="none" rtlCol="0">
+            <a:spAutoFit/>
+          </a:bodyPr>
+          <a:lstStyle/>
+          <a:p>
+            <a:r>
+              <a:rPr lang="en-US" dirty="0"/>
+              <a:t>input</a:t>
+            </a:r>
+          </a:p>
+        </p:txBody>
+      </p:sp>
+      <p:sp>
+        <p:nvSpPr>
+          <p:cNvPr id="6" name="TextBox 5">
+            <a:extLst>
+              <a:ext uri="{FF2B5EF4-FFF2-40B4-BE49-F238E27FC236}">
+                <a16:creationId xmlns:a16="http://schemas.microsoft.com/office/drawing/2014/main" id="{3DE0638A-64C6-42D5-8FB0-FC3F3B90070C}"/>
+              </a:ext>
+            </a:extLst>
+          </p:cNvPr>
+          <p:cNvSpPr txBox="1"/>
+          <p:nvPr/>
+        </p:nvSpPr>
+        <p:spPr>
+          <a:xfrm>
+            <a:off x="8606589" y="6418726"/>
+            <a:ext cx="938077" cy="369332"/>
+          </a:xfrm>
+          <a:prstGeom prst="rect">
+            <a:avLst/>
+          </a:prstGeom>
+          <a:noFill/>
+        </p:spPr>
+        <p:txBody>
+          <a:bodyPr wrap="none" rtlCol="0">
+            <a:spAutoFit/>
+          </a:bodyPr>
+          <a:lstStyle/>
+          <a:p>
+            <a:r>
+              <a:rPr lang="en-US" dirty="0"/>
+              <a:t>hidden</a:t>
+            </a:r>
+          </a:p>
+        </p:txBody>
+      </p:sp>
+      <p:sp>
+        <p:nvSpPr>
+          <p:cNvPr id="7" name="TextBox 6">
+            <a:extLst>
+              <a:ext uri="{FF2B5EF4-FFF2-40B4-BE49-F238E27FC236}">
+                <a16:creationId xmlns:a16="http://schemas.microsoft.com/office/drawing/2014/main" id="{BDC80B9B-5DFF-4BAB-A93B-228D6BF79AC5}"/>
+              </a:ext>
+            </a:extLst>
+          </p:cNvPr>
+          <p:cNvSpPr txBox="1"/>
+          <p:nvPr/>
+        </p:nvSpPr>
+        <p:spPr>
+          <a:xfrm>
+            <a:off x="10956333" y="6418726"/>
+            <a:ext cx="888385" cy="369332"/>
+          </a:xfrm>
+          <a:prstGeom prst="rect">
+            <a:avLst/>
+          </a:prstGeom>
+          <a:noFill/>
+        </p:spPr>
+        <p:txBody>
+          <a:bodyPr wrap="none" rtlCol="0">
+            <a:spAutoFit/>
+          </a:bodyPr>
+          <a:lstStyle/>
+          <a:p>
+            <a:r>
+              <a:rPr lang="en-US" dirty="0"/>
+              <a:t>output</a:t>
+            </a:r>
+          </a:p>
+        </p:txBody>
+      </p:sp>
+    </p:spTree>
+    <p:extLst>
+      <p:ext uri="{BB962C8B-B14F-4D97-AF65-F5344CB8AC3E}">
+        <p14:creationId xmlns:p14="http://schemas.microsoft.com/office/powerpoint/2010/main" val="2196142897"/>
+      </p:ext>
+    </p:extLst>
+  </p:cSld>
+  <p:clrMapOvr>
+    <a:masterClrMapping/>
+  </p:clrMapOvr>
+</p:sld>
+</file>
+
+<file path=ppt/slides/slide11.xml><?xml version="1.0" encoding="utf-8"?>
+<p:sld xmlns:a="http://schemas.openxmlformats.org/drawingml/2006/main" xmlns:r="http://schemas.openxmlformats.org/officeDocument/2006/relationships" xmlns:p="http://schemas.openxmlformats.org/presentationml/2006/main">
+  <p:cSld>
+    <p:spTree>
+      <p:nvGrpSpPr>
+        <p:cNvPr id="1" name=""/>
+        <p:cNvGrpSpPr/>
+        <p:nvPr/>
+      </p:nvGrpSpPr>
+      <p:grpSpPr>
+        <a:xfrm>
+          <a:off x="0" y="0"/>
+          <a:ext cx="0" cy="0"/>
+          <a:chOff x="0" y="0"/>
+          <a:chExt cx="0" cy="0"/>
+        </a:xfrm>
+      </p:grpSpPr>
+      <p:sp>
+        <p:nvSpPr>
+          <p:cNvPr id="2" name="Title 1">
+            <a:extLst>
+              <a:ext uri="{FF2B5EF4-FFF2-40B4-BE49-F238E27FC236}">
+                <a16:creationId xmlns:a16="http://schemas.microsoft.com/office/drawing/2014/main" id="{93F85C50-FB4E-4342-900E-07C934C69A79}"/>
+              </a:ext>
+            </a:extLst>
+          </p:cNvPr>
+          <p:cNvSpPr>
+            <a:spLocks noGrp="1"/>
+          </p:cNvSpPr>
+          <p:nvPr>
+            <p:ph type="title"/>
+          </p:nvPr>
+        </p:nvSpPr>
+        <p:spPr/>
+        <p:txBody>
+          <a:bodyPr/>
+          <a:lstStyle/>
+          <a:p>
+            <a:r>
+              <a:rPr lang="en-US" dirty="0"/>
+              <a:t>Transfer Learning</a:t>
+            </a:r>
+          </a:p>
+        </p:txBody>
+      </p:sp>
+      <p:sp>
+        <p:nvSpPr>
+          <p:cNvPr id="3" name="Content Placeholder 2">
+            <a:extLst>
+              <a:ext uri="{FF2B5EF4-FFF2-40B4-BE49-F238E27FC236}">
+                <a16:creationId xmlns:a16="http://schemas.microsoft.com/office/drawing/2014/main" id="{68039544-971D-4147-AE89-18DD26507232}"/>
+              </a:ext>
+            </a:extLst>
+          </p:cNvPr>
+          <p:cNvSpPr>
+            <a:spLocks noGrp="1"/>
+          </p:cNvSpPr>
+          <p:nvPr>
+            <p:ph idx="1"/>
+          </p:nvPr>
+        </p:nvSpPr>
+        <p:spPr>
+          <a:xfrm>
+            <a:off x="1115568" y="2478024"/>
+            <a:ext cx="10168128" cy="3831336"/>
+          </a:xfrm>
+        </p:spPr>
+        <p:txBody>
+          <a:bodyPr>
+            <a:normAutofit fontScale="92500" lnSpcReduction="10000"/>
+          </a:bodyPr>
+          <a:lstStyle/>
+          <a:p>
+            <a:r>
+              <a:rPr lang="en-US" dirty="0"/>
+              <a:t>MobileNetV2 (Sandler et al., 2018)</a:t>
+            </a:r>
+          </a:p>
+          <a:p>
+            <a:pPr lvl="1"/>
+            <a:r>
+              <a:rPr lang="en-US" dirty="0"/>
+              <a:t>Base layers trained on </a:t>
+            </a:r>
+            <a:r>
+              <a:rPr lang="en-US" dirty="0" err="1"/>
+              <a:t>Imagenet</a:t>
+            </a:r>
+            <a:endParaRPr lang="en-US" dirty="0"/>
+          </a:p>
+          <a:p>
+            <a:r>
+              <a:rPr lang="en-US" dirty="0"/>
+              <a:t>VGG16 (</a:t>
+            </a:r>
+            <a:r>
+              <a:rPr lang="en-US" dirty="0" err="1"/>
+              <a:t>Simonyan</a:t>
+            </a:r>
+            <a:r>
+              <a:rPr lang="en-US" dirty="0"/>
+              <a:t> &amp; Zisserman, 2014)</a:t>
+            </a:r>
+          </a:p>
+          <a:p>
+            <a:pPr lvl="1"/>
+            <a:r>
+              <a:rPr lang="en-US" dirty="0"/>
+              <a:t>Base layers trained on </a:t>
+            </a:r>
+            <a:r>
+              <a:rPr lang="en-US" dirty="0" err="1"/>
+              <a:t>Imagenet</a:t>
+            </a:r>
+            <a:endParaRPr lang="en-US" dirty="0"/>
+          </a:p>
+          <a:p>
+            <a:r>
+              <a:rPr lang="en-US" dirty="0"/>
+              <a:t>Vanilla CNN</a:t>
+            </a:r>
+          </a:p>
+          <a:p>
+            <a:pPr lvl="1"/>
+            <a:r>
+              <a:rPr lang="en-US" dirty="0"/>
+              <a:t>Base layers trained on CIFAR10</a:t>
+            </a:r>
+          </a:p>
+          <a:p>
+            <a:r>
+              <a:rPr lang="en-US" dirty="0"/>
+              <a:t>All are object-recognition networks</a:t>
+            </a:r>
+          </a:p>
+          <a:p>
+            <a:pPr lvl="1"/>
+            <a:r>
+              <a:rPr lang="en-US" dirty="0"/>
+              <a:t>Meant to model visual system to varying degrees</a:t>
+            </a:r>
+          </a:p>
+        </p:txBody>
+      </p:sp>
+    </p:spTree>
+    <p:extLst>
+      <p:ext uri="{BB962C8B-B14F-4D97-AF65-F5344CB8AC3E}">
+        <p14:creationId xmlns:p14="http://schemas.microsoft.com/office/powerpoint/2010/main" val="1965114540"/>
+      </p:ext>
+    </p:extLst>
+  </p:cSld>
+  <p:clrMapOvr>
+    <a:masterClrMapping/>
+  </p:clrMapOvr>
+  <p:timing>
+    <p:tnLst>
+      <p:par>
+        <p:cTn id="1" dur="indefinite" restart="never" nodeType="tmRoot">
+          <p:childTnLst>
+            <p:seq concurrent="1" nextAc="seek">
+              <p:cTn id="2" dur="indefinite" nodeType="mainSeq">
+                <p:childTnLst>
+                  <p:par>
+                    <p:cTn id="3" fill="hold">
+                      <p:stCondLst>
+                        <p:cond delay="indefinite"/>
+                      </p:stCondLst>
+                      <p:childTnLst>
+                        <p:par>
+                          <p:cTn id="4" fill="hold">
+                            <p:stCondLst>
+                              <p:cond delay="0"/>
+                            </p:stCondLst>
+                            <p:childTnLst>
+                              <p:par>
+                                <p:cTn id="5" presetID="1" presetClass="entr" presetSubtype="0" fill="hold" nodeType="clickEffect">
+                                  <p:stCondLst>
+                                    <p:cond delay="0"/>
+                                  </p:stCondLst>
+                                  <p:childTnLst>
+                                    <p:set>
+                                      <p:cBhvr>
+                                        <p:cTn id="6" dur="1" fill="hold">
+                                          <p:stCondLst>
+                                            <p:cond delay="0"/>
+                                          </p:stCondLst>
+                                        </p:cTn>
+                                        <p:tgtEl>
+                                          <p:spTgt spid="3">
+                                            <p:txEl>
+                                              <p:pRg st="6" end="6"/>
+                                            </p:txEl>
+                                          </p:spTgt>
+                                        </p:tgtEl>
+                                        <p:attrNameLst>
+                                          <p:attrName>style.visibility</p:attrName>
+                                        </p:attrNameLst>
+                                      </p:cBhvr>
+                                      <p:to>
+                                        <p:strVal val="visible"/>
+                                      </p:to>
+                                    </p:set>
+                                  </p:childTnLst>
+                                </p:cTn>
+                              </p:par>
+                              <p:par>
+                                <p:cTn id="7" presetID="1" presetClass="entr" presetSubtype="0" fill="hold" nodeType="withEffect">
+                                  <p:stCondLst>
+                                    <p:cond delay="0"/>
+                                  </p:stCondLst>
+                                  <p:childTnLst>
+                                    <p:set>
+                                      <p:cBhvr>
+                                        <p:cTn id="8" dur="1" fill="hold">
+                                          <p:stCondLst>
+                                            <p:cond delay="0"/>
+                                          </p:stCondLst>
+                                        </p:cTn>
+                                        <p:tgtEl>
+                                          <p:spTgt spid="3">
+                                            <p:txEl>
+                                              <p:pRg st="7" end="7"/>
+                                            </p:txEl>
+                                          </p:spTgt>
+                                        </p:tgtEl>
+                                        <p:attrNameLst>
+                                          <p:attrName>style.visibility</p:attrName>
+                                        </p:attrNameLst>
+                                      </p:cBhvr>
+                                      <p:to>
+                                        <p:strVal val="visible"/>
+                                      </p:to>
+                                    </p:set>
+                                  </p:childTnLst>
+                                </p:cTn>
+                              </p:par>
+                            </p:childTnLst>
+                          </p:cTn>
+                        </p:par>
+                      </p:childTnLst>
+                    </p:cTn>
+                  </p:par>
+                </p:childTnLst>
+              </p:cTn>
+              <p:prevCondLst>
+                <p:cond evt="onPrev" delay="0">
+                  <p:tgtEl>
+                    <p:sldTgt/>
+                  </p:tgtEl>
+                </p:cond>
+              </p:prevCondLst>
+              <p:nextCondLst>
+                <p:cond evt="onNext" delay="0">
+                  <p:tgtEl>
+                    <p:sldTgt/>
+                  </p:tgtEl>
+                </p:cond>
+              </p:nextCondLst>
+            </p:seq>
+          </p:childTnLst>
+        </p:cTn>
+      </p:par>
+    </p:tnLst>
+  </p:timing>
+</p:sld>
+</file>
+
+<file path=ppt/slides/slide12.xml><?xml version="1.0" encoding="utf-8"?>
+<p:sld xmlns:a="http://schemas.openxmlformats.org/drawingml/2006/main" xmlns:r="http://schemas.openxmlformats.org/officeDocument/2006/relationships" xmlns:p="http://schemas.openxmlformats.org/presentationml/2006/main">
+  <p:cSld>
+    <p:spTree>
+      <p:nvGrpSpPr>
+        <p:cNvPr id="1" name=""/>
+        <p:cNvGrpSpPr/>
+        <p:nvPr/>
+      </p:nvGrpSpPr>
+      <p:grpSpPr>
+        <a:xfrm>
+          <a:off x="0" y="0"/>
+          <a:ext cx="0" cy="0"/>
+          <a:chOff x="0" y="0"/>
+          <a:chExt cx="0" cy="0"/>
+        </a:xfrm>
+      </p:grpSpPr>
+      <p:sp>
+        <p:nvSpPr>
+          <p:cNvPr id="2" name="Title 1">
+            <a:extLst>
+              <a:ext uri="{FF2B5EF4-FFF2-40B4-BE49-F238E27FC236}">
+                <a16:creationId xmlns:a16="http://schemas.microsoft.com/office/drawing/2014/main" id="{4AB38910-E198-4B22-A305-15E9D7B3FCF4}"/>
+              </a:ext>
+            </a:extLst>
+          </p:cNvPr>
+          <p:cNvSpPr>
+            <a:spLocks noGrp="1"/>
+          </p:cNvSpPr>
+          <p:nvPr>
+            <p:ph type="title"/>
+          </p:nvPr>
+        </p:nvSpPr>
+        <p:spPr/>
+        <p:txBody>
+          <a:bodyPr/>
+          <a:lstStyle/>
+          <a:p>
+            <a:r>
+              <a:rPr lang="en-US" dirty="0"/>
+              <a:t>Model Details</a:t>
+            </a:r>
+          </a:p>
+        </p:txBody>
+      </p:sp>
+      <p:sp>
+        <p:nvSpPr>
+          <p:cNvPr id="4" name="Text Placeholder 3">
+            <a:extLst>
+              <a:ext uri="{FF2B5EF4-FFF2-40B4-BE49-F238E27FC236}">
+                <a16:creationId xmlns:a16="http://schemas.microsoft.com/office/drawing/2014/main" id="{9C2262CA-E6BD-4DE7-B02B-37B13B69A63D}"/>
+              </a:ext>
+            </a:extLst>
+          </p:cNvPr>
+          <p:cNvSpPr>
+            <a:spLocks noGrp="1"/>
+          </p:cNvSpPr>
+          <p:nvPr>
+            <p:ph type="body" idx="1"/>
+          </p:nvPr>
+        </p:nvSpPr>
+        <p:spPr>
+          <a:xfrm>
+            <a:off x="1115568" y="2032548"/>
+            <a:ext cx="4937760" cy="823912"/>
+          </a:xfrm>
+        </p:spPr>
+        <p:txBody>
+          <a:bodyPr/>
+          <a:lstStyle/>
+          <a:p>
+            <a:r>
+              <a:rPr lang="en-US" dirty="0"/>
+              <a:t>VGG 16</a:t>
+            </a:r>
+          </a:p>
+        </p:txBody>
+      </p:sp>
+      <p:pic>
+        <p:nvPicPr>
+          <p:cNvPr id="11" name="Content Placeholder 10">
+            <a:extLst>
+              <a:ext uri="{FF2B5EF4-FFF2-40B4-BE49-F238E27FC236}">
+                <a16:creationId xmlns:a16="http://schemas.microsoft.com/office/drawing/2014/main" id="{23E7135F-DF49-47B4-AA2D-6E17EA176551}"/>
+              </a:ext>
+            </a:extLst>
+          </p:cNvPr>
+          <p:cNvPicPr>
+            <a:picLocks noGrp="1" noChangeAspect="1"/>
+          </p:cNvPicPr>
+          <p:nvPr>
+            <p:ph sz="half" idx="2"/>
+          </p:nvPr>
+        </p:nvPicPr>
+        <p:blipFill>
+          <a:blip r:embed="rId2"/>
+          <a:stretch>
+            <a:fillRect/>
+          </a:stretch>
+        </p:blipFill>
+        <p:spPr>
+          <a:xfrm>
+            <a:off x="1721049" y="2867655"/>
+            <a:ext cx="2634159" cy="3951241"/>
+          </a:xfrm>
+        </p:spPr>
+      </p:pic>
+      <p:sp>
+        <p:nvSpPr>
+          <p:cNvPr id="6" name="Text Placeholder 5">
+            <a:extLst>
+              <a:ext uri="{FF2B5EF4-FFF2-40B4-BE49-F238E27FC236}">
+                <a16:creationId xmlns:a16="http://schemas.microsoft.com/office/drawing/2014/main" id="{25C4F9B8-9E3B-44D9-9914-321E8A9AE6B9}"/>
+              </a:ext>
+            </a:extLst>
+          </p:cNvPr>
+          <p:cNvSpPr>
+            <a:spLocks noGrp="1"/>
+          </p:cNvSpPr>
+          <p:nvPr>
+            <p:ph type="body" sz="quarter" idx="3"/>
+          </p:nvPr>
+        </p:nvSpPr>
+        <p:spPr>
+          <a:xfrm>
+            <a:off x="6345936" y="2053939"/>
+            <a:ext cx="4937760" cy="823912"/>
+          </a:xfrm>
+        </p:spPr>
+        <p:txBody>
+          <a:bodyPr/>
+          <a:lstStyle/>
+          <a:p>
+            <a:r>
+              <a:rPr lang="en-US" dirty="0"/>
+              <a:t>Vanilla CNN</a:t>
+            </a:r>
+          </a:p>
+        </p:txBody>
+      </p:sp>
+      <p:pic>
+        <p:nvPicPr>
+          <p:cNvPr id="13" name="Content Placeholder 12">
+            <a:extLst>
+              <a:ext uri="{FF2B5EF4-FFF2-40B4-BE49-F238E27FC236}">
+                <a16:creationId xmlns:a16="http://schemas.microsoft.com/office/drawing/2014/main" id="{2C1A22F3-899A-480D-BFC4-AEE097118C5C}"/>
+              </a:ext>
+            </a:extLst>
+          </p:cNvPr>
+          <p:cNvPicPr>
+            <a:picLocks noGrp="1" noChangeAspect="1"/>
+          </p:cNvPicPr>
+          <p:nvPr>
+            <p:ph sz="quarter" idx="4"/>
+          </p:nvPr>
+        </p:nvPicPr>
+        <p:blipFill>
+          <a:blip r:embed="rId3">
+            <a:extLst>
+              <a:ext uri="{28A0092B-C50C-407E-A947-70E740481C1C}">
+                <a14:useLocalDpi xmlns:a14="http://schemas.microsoft.com/office/drawing/2010/main" val="0"/>
+              </a:ext>
+            </a:extLst>
+          </a:blip>
+          <a:srcRect/>
+          <a:stretch/>
+        </p:blipFill>
+        <p:spPr>
+          <a:xfrm>
+            <a:off x="7277971" y="3455354"/>
+            <a:ext cx="3073246" cy="2465066"/>
+          </a:xfrm>
+        </p:spPr>
+      </p:pic>
+    </p:spTree>
+    <p:extLst>
+      <p:ext uri="{BB962C8B-B14F-4D97-AF65-F5344CB8AC3E}">
+        <p14:creationId xmlns:p14="http://schemas.microsoft.com/office/powerpoint/2010/main" val="2531807181"/>
+      </p:ext>
+    </p:extLst>
+  </p:cSld>
+  <p:clrMapOvr>
+    <a:masterClrMapping/>
+  </p:clrMapOvr>
+</p:sld>
+</file>
+
+<file path=ppt/slides/slide13.xml><?xml version="1.0" encoding="utf-8"?>
+<p:sld xmlns:a="http://schemas.openxmlformats.org/drawingml/2006/main" xmlns:r="http://schemas.openxmlformats.org/officeDocument/2006/relationships" xmlns:p="http://schemas.openxmlformats.org/presentationml/2006/main">
+  <p:cSld>
+    <p:bg>
+      <p:bgPr>
+        <a:solidFill>
+          <a:schemeClr val="bg1"/>
+        </a:solidFill>
+        <a:effectLst/>
+      </p:bgPr>
+    </p:bg>
+    <p:spTree>
+      <p:nvGrpSpPr>
+        <p:cNvPr id="1" name=""/>
+        <p:cNvGrpSpPr/>
+        <p:nvPr/>
+      </p:nvGrpSpPr>
+      <p:grpSpPr>
+        <a:xfrm>
+          <a:off x="0" y="0"/>
+          <a:ext cx="0" cy="0"/>
+          <a:chOff x="0" y="0"/>
+          <a:chExt cx="0" cy="0"/>
+        </a:xfrm>
+      </p:grpSpPr>
+      <p:sp>
+        <p:nvSpPr>
+          <p:cNvPr id="19" name="Rectangle 18">
+            <a:extLst>
+              <a:ext uri="{FF2B5EF4-FFF2-40B4-BE49-F238E27FC236}">
+                <a16:creationId xmlns:a16="http://schemas.microsoft.com/office/drawing/2014/main" id="{8D06CE56-3881-4ADA-8CEF-D18B02C242A3}"/>
+              </a:ext>
+              <a:ext uri="{C183D7F6-B498-43B3-948B-1728B52AA6E4}">
+                <adec:decorative xmlns:adec="http://schemas.microsoft.com/office/drawing/2017/decorative" val="1"/>
+              </a:ext>
+            </a:extLst>
+          </p:cNvPr>
+          <p:cNvSpPr>
+            <a:spLocks noGrp="1" noRot="1" noChangeAspect="1" noMove="1" noResize="1" noEditPoints="1" noAdjustHandles="1" noChangeArrowheads="1" noChangeShapeType="1" noTextEdit="1"/>
+          </p:cNvSpPr>
+          <p:nvPr>
+            <p:extLst>
+              <p:ext uri="{386F3935-93C4-4BCD-93E2-E3B085C9AB24}">
+                <p16:designElem xmlns:p16="http://schemas.microsoft.com/office/powerpoint/2015/main" val="1"/>
+              </p:ext>
+            </p:extLst>
+          </p:nvPr>
+        </p:nvSpPr>
+        <p:spPr>
+          <a:xfrm rot="5400000">
+            <a:off x="857544" y="346791"/>
+            <a:ext cx="146304" cy="704088"/>
+          </a:xfrm>
+          <a:prstGeom prst="rect">
+            <a:avLst/>
+          </a:prstGeom>
+          <a:solidFill>
+            <a:schemeClr val="accent1"/>
+          </a:solidFill>
+          <a:ln>
+            <a:noFill/>
+          </a:ln>
+        </p:spPr>
+        <p:style>
+          <a:lnRef idx="2">
+            <a:schemeClr val="accent1">
+              <a:shade val="50000"/>
+            </a:schemeClr>
+          </a:lnRef>
+          <a:fillRef idx="1">
+            <a:schemeClr val="accent1"/>
+          </a:fillRef>
+          <a:effectRef idx="0">
+            <a:schemeClr val="accent1"/>
+          </a:effectRef>
+          <a:fontRef idx="minor">
+            <a:schemeClr val="lt1"/>
+          </a:fontRef>
+        </p:style>
+        <p:txBody>
+          <a:bodyPr rtlCol="0" anchor="ctr"/>
+          <a:lstStyle/>
+          <a:p>
+            <a:pPr marL="0" marR="0" lvl="0" indent="0" algn="ctr" defTabSz="914400" rtl="0" eaLnBrk="1" fontAlgn="auto" latinLnBrk="0" hangingPunct="1">
+              <a:lnSpc>
+                <a:spcPct val="100000"/>
+              </a:lnSpc>
+              <a:spcBef>
+                <a:spcPts val="0"/>
+              </a:spcBef>
+              <a:spcAft>
+                <a:spcPts val="0"/>
+              </a:spcAft>
+              <a:buClrTx/>
+              <a:buSzTx/>
+              <a:buFontTx/>
+              <a:buNone/>
+              <a:tabLst/>
+              <a:defRPr/>
+            </a:pPr>
+            <a:endParaRPr kumimoji="0" lang="en-US" sz="1800" b="0" i="0" u="none" strike="noStrike" kern="1200" cap="none" spc="0" normalizeH="0" baseline="0" noProof="0">
+              <a:ln>
+                <a:noFill/>
+              </a:ln>
+              <a:solidFill>
+                <a:prstClr val="white"/>
+              </a:solidFill>
+              <a:effectLst/>
+              <a:uLnTx/>
+              <a:uFillTx/>
+              <a:latin typeface="Calibri" panose="020F0502020204030204"/>
+              <a:ea typeface="+mn-ea"/>
+              <a:cs typeface="+mn-cs"/>
+            </a:endParaRPr>
+          </a:p>
+        </p:txBody>
+      </p:sp>
+      <p:sp>
+        <p:nvSpPr>
+          <p:cNvPr id="21" name="Rectangle 20">
+            <a:extLst>
+              <a:ext uri="{FF2B5EF4-FFF2-40B4-BE49-F238E27FC236}">
+                <a16:creationId xmlns:a16="http://schemas.microsoft.com/office/drawing/2014/main" id="{79F3C543-62EC-4433-9C93-A2CD8764E9B4}"/>
+              </a:ext>
+              <a:ext uri="{C183D7F6-B498-43B3-948B-1728B52AA6E4}">
+                <adec:decorative xmlns:adec="http://schemas.microsoft.com/office/drawing/2017/decorative" val="1"/>
+              </a:ext>
+            </a:extLst>
+          </p:cNvPr>
+          <p:cNvSpPr>
+            <a:spLocks noGrp="1" noRot="1" noChangeAspect="1" noMove="1" noResize="1" noEditPoints="1" noAdjustHandles="1" noChangeArrowheads="1" noChangeShapeType="1" noTextEdit="1"/>
+          </p:cNvSpPr>
+          <p:nvPr>
+            <p:extLst>
+              <p:ext uri="{386F3935-93C4-4BCD-93E2-E3B085C9AB24}">
+                <p16:designElem xmlns:p16="http://schemas.microsoft.com/office/powerpoint/2015/main" val="1"/>
+              </p:ext>
+            </p:extLst>
+          </p:nvPr>
+        </p:nvSpPr>
+        <p:spPr>
+          <a:xfrm flipV="1">
+            <a:off x="578652" y="4501201"/>
+            <a:ext cx="11034696" cy="18288"/>
+          </a:xfrm>
+          <a:prstGeom prst="rect">
+            <a:avLst/>
+          </a:prstGeom>
+          <a:solidFill>
+            <a:schemeClr val="tx2">
+              <a:lumMod val="25000"/>
+              <a:lumOff val="75000"/>
+            </a:schemeClr>
+          </a:solidFill>
+          <a:ln w="3175">
+            <a:noFill/>
+          </a:ln>
+          <a:effectLst/>
+        </p:spPr>
+        <p:style>
+          <a:lnRef idx="2">
+            <a:schemeClr val="accent1">
+              <a:shade val="50000"/>
+            </a:schemeClr>
+          </a:lnRef>
+          <a:fillRef idx="1">
+            <a:schemeClr val="accent1"/>
+          </a:fillRef>
+          <a:effectRef idx="0">
+            <a:schemeClr val="accent1"/>
+          </a:effectRef>
+          <a:fontRef idx="minor">
+            <a:schemeClr val="lt1"/>
+          </a:fontRef>
+        </p:style>
+        <p:txBody>
+          <a:bodyPr rtlCol="0" anchor="ctr"/>
+          <a:lstStyle/>
+          <a:p>
+            <a:pPr marL="0" marR="0" lvl="0" indent="0" algn="ctr" defTabSz="914400" rtl="0" eaLnBrk="1" fontAlgn="auto" latinLnBrk="0" hangingPunct="1">
+              <a:lnSpc>
+                <a:spcPct val="100000"/>
+              </a:lnSpc>
+              <a:spcBef>
+                <a:spcPts val="0"/>
+              </a:spcBef>
+              <a:spcAft>
+                <a:spcPts val="0"/>
+              </a:spcAft>
+              <a:buClrTx/>
+              <a:buSzTx/>
+              <a:buFontTx/>
+              <a:buNone/>
+              <a:tabLst/>
+              <a:defRPr/>
+            </a:pPr>
+            <a:endParaRPr kumimoji="0" lang="en-US" sz="1800" b="0" i="0" u="none" strike="noStrike" kern="1200" cap="none" spc="0" normalizeH="0" baseline="0" noProof="0">
+              <a:ln>
+                <a:noFill/>
+              </a:ln>
+              <a:solidFill>
+                <a:prstClr val="white"/>
+              </a:solidFill>
+              <a:effectLst/>
+              <a:uLnTx/>
+              <a:uFillTx/>
+              <a:latin typeface="Calibri" panose="020F0502020204030204"/>
+              <a:ea typeface="+mn-ea"/>
+              <a:cs typeface="+mn-cs"/>
+            </a:endParaRPr>
+          </a:p>
+        </p:txBody>
+      </p:sp>
+      <p:sp useBgFill="1">
+        <p:nvSpPr>
+          <p:cNvPr id="23" name="Rectangle 22">
+            <a:extLst>
+              <a:ext uri="{FF2B5EF4-FFF2-40B4-BE49-F238E27FC236}">
+                <a16:creationId xmlns:a16="http://schemas.microsoft.com/office/drawing/2014/main" id="{D7D12574-25F0-4BB1-AA48-9DE7527AF5F4}"/>
+              </a:ext>
+              <a:ext uri="{C183D7F6-B498-43B3-948B-1728B52AA6E4}">
+                <adec:decorative xmlns:adec="http://schemas.microsoft.com/office/drawing/2017/decorative" val="1"/>
+              </a:ext>
+            </a:extLst>
+          </p:cNvPr>
+          <p:cNvSpPr>
+            <a:spLocks noGrp="1" noRot="1" noChangeAspect="1" noMove="1" noResize="1" noEditPoints="1" noAdjustHandles="1" noChangeArrowheads="1" noChangeShapeType="1" noTextEdit="1"/>
+          </p:cNvSpPr>
+          <p:nvPr>
+            <p:extLst>
+              <p:ext uri="{386F3935-93C4-4BCD-93E2-E3B085C9AB24}">
+                <p16:designElem xmlns:p16="http://schemas.microsoft.com/office/powerpoint/2015/main" val="1"/>
+              </p:ext>
+            </p:extLst>
+          </p:nvPr>
+        </p:nvSpPr>
+        <p:spPr>
+          <a:xfrm>
+            <a:off x="0" y="0"/>
+            <a:ext cx="12192000" cy="6858000"/>
+          </a:xfrm>
+          <a:prstGeom prst="rect">
+            <a:avLst/>
+          </a:prstGeom>
+          <a:ln>
+            <a:noFill/>
+          </a:ln>
+        </p:spPr>
+        <p:style>
+          <a:lnRef idx="2">
+            <a:schemeClr val="accent1">
+              <a:shade val="50000"/>
+            </a:schemeClr>
+          </a:lnRef>
+          <a:fillRef idx="1">
+            <a:schemeClr val="accent1"/>
+          </a:fillRef>
+          <a:effectRef idx="0">
+            <a:schemeClr val="accent1"/>
+          </a:effectRef>
+          <a:fontRef idx="minor">
+            <a:schemeClr val="lt1"/>
+          </a:fontRef>
+        </p:style>
+        <p:txBody>
+          <a:bodyPr rtlCol="0" anchor="ctr"/>
+          <a:lstStyle/>
+          <a:p>
+            <a:pPr algn="ctr"/>
+            <a:endParaRPr lang="en-US"/>
+          </a:p>
+        </p:txBody>
+      </p:sp>
+      <p:sp useBgFill="1">
+        <p:nvSpPr>
+          <p:cNvPr id="25" name="Rectangle 24">
+            <a:extLst>
+              <a:ext uri="{FF2B5EF4-FFF2-40B4-BE49-F238E27FC236}">
+                <a16:creationId xmlns:a16="http://schemas.microsoft.com/office/drawing/2014/main" id="{A3473CF9-37EB-43E7-89EF-D2D1C53D1DAC}"/>
+              </a:ext>
+              <a:ext uri="{C183D7F6-B498-43B3-948B-1728B52AA6E4}">
+                <adec:decorative xmlns:adec="http://schemas.microsoft.com/office/drawing/2017/decorative" val="1"/>
+              </a:ext>
+            </a:extLst>
+          </p:cNvPr>
+          <p:cNvSpPr>
+            <a:spLocks noGrp="1" noRot="1" noChangeAspect="1" noMove="1" noResize="1" noEditPoints="1" noAdjustHandles="1" noChangeArrowheads="1" noChangeShapeType="1" noTextEdit="1"/>
+          </p:cNvSpPr>
+          <p:nvPr>
+            <p:extLst>
+              <p:ext uri="{386F3935-93C4-4BCD-93E2-E3B085C9AB24}">
+                <p16:designElem xmlns:p16="http://schemas.microsoft.com/office/powerpoint/2015/main" val="1"/>
+              </p:ext>
+            </p:extLst>
+          </p:nvPr>
+        </p:nvSpPr>
+        <p:spPr>
+          <a:xfrm>
+            <a:off x="1903615" y="221673"/>
+            <a:ext cx="8384770" cy="1332634"/>
+          </a:xfrm>
+          <a:prstGeom prst="rect">
+            <a:avLst/>
+          </a:prstGeom>
+          <a:ln w="12700">
+            <a:solidFill>
+              <a:schemeClr val="tx2">
+                <a:lumMod val="10000"/>
+                <a:lumOff val="90000"/>
+              </a:schemeClr>
+            </a:solidFill>
+          </a:ln>
+          <a:effectLst>
+            <a:outerShdw blurRad="50800" dist="38100" dir="2700000" algn="tl" rotWithShape="0">
+              <a:schemeClr val="bg2">
+                <a:lumMod val="85000"/>
+                <a:alpha val="30000"/>
+              </a:schemeClr>
+            </a:outerShdw>
+          </a:effectLst>
+        </p:spPr>
+        <p:style>
+          <a:lnRef idx="2">
+            <a:schemeClr val="accent1">
+              <a:shade val="50000"/>
+            </a:schemeClr>
+          </a:lnRef>
+          <a:fillRef idx="1">
+            <a:schemeClr val="accent1"/>
+          </a:fillRef>
+          <a:effectRef idx="0">
+            <a:schemeClr val="accent1"/>
+          </a:effectRef>
+          <a:fontRef idx="minor">
+            <a:schemeClr val="lt1"/>
+          </a:fontRef>
+        </p:style>
+        <p:txBody>
+          <a:bodyPr rtlCol="0" anchor="ctr"/>
+          <a:lstStyle/>
+          <a:p>
+            <a:pPr marL="0" marR="0" lvl="0" indent="0" algn="ctr" defTabSz="914400" rtl="0" eaLnBrk="1" fontAlgn="auto" latinLnBrk="0" hangingPunct="1">
+              <a:lnSpc>
+                <a:spcPct val="100000"/>
+              </a:lnSpc>
+              <a:spcBef>
+                <a:spcPts val="0"/>
+              </a:spcBef>
+              <a:spcAft>
+                <a:spcPts val="0"/>
+              </a:spcAft>
+              <a:buClrTx/>
+              <a:buSzTx/>
+              <a:buFontTx/>
+              <a:buNone/>
+              <a:tabLst/>
+              <a:defRPr/>
+            </a:pPr>
+            <a:endParaRPr kumimoji="0" lang="en-US" sz="1800" b="0" i="0" u="none" strike="noStrike" kern="1200" cap="none" spc="0" normalizeH="0" baseline="0" noProof="0">
+              <a:ln>
+                <a:noFill/>
+              </a:ln>
+              <a:solidFill>
+                <a:prstClr val="white"/>
+              </a:solidFill>
+              <a:effectLst/>
+              <a:uLnTx/>
+              <a:uFillTx/>
+              <a:latin typeface="Calibri" panose="020F0502020204030204"/>
+              <a:ea typeface="+mn-ea"/>
+              <a:cs typeface="+mn-cs"/>
+            </a:endParaRPr>
+          </a:p>
+        </p:txBody>
+      </p:sp>
+      <p:sp>
+        <p:nvSpPr>
+          <p:cNvPr id="7" name="Title 6">
+            <a:extLst>
+              <a:ext uri="{FF2B5EF4-FFF2-40B4-BE49-F238E27FC236}">
+                <a16:creationId xmlns:a16="http://schemas.microsoft.com/office/drawing/2014/main" id="{40615E38-26FE-40A8-9AEF-9DED33AD2813}"/>
+              </a:ext>
+            </a:extLst>
+          </p:cNvPr>
+          <p:cNvSpPr>
+            <a:spLocks noGrp="1"/>
+          </p:cNvSpPr>
+          <p:nvPr>
+            <p:ph type="title"/>
+          </p:nvPr>
+        </p:nvSpPr>
+        <p:spPr>
+          <a:xfrm>
+            <a:off x="2103121" y="310343"/>
+            <a:ext cx="7985759" cy="868823"/>
+          </a:xfrm>
+        </p:spPr>
+        <p:txBody>
+          <a:bodyPr vert="horz" lIns="91440" tIns="45720" rIns="91440" bIns="45720" rtlCol="0" anchor="ctr">
+            <a:normAutofit/>
+          </a:bodyPr>
+          <a:lstStyle/>
+          <a:p>
+            <a:pPr algn="ctr"/>
+            <a:r>
+              <a:rPr lang="en-US" dirty="0"/>
+              <a:t>Model Prediction Distributions</a:t>
+            </a:r>
+            <a:endParaRPr lang="en-US"/>
+          </a:p>
+        </p:txBody>
+      </p:sp>
+      <p:sp>
+        <p:nvSpPr>
+          <p:cNvPr id="27" name="Rectangle: Rounded Corners 26">
+            <a:extLst>
+              <a:ext uri="{FF2B5EF4-FFF2-40B4-BE49-F238E27FC236}">
+                <a16:creationId xmlns:a16="http://schemas.microsoft.com/office/drawing/2014/main" id="{586B4EF9-43BA-4655-A6FF-1D8E21574C95}"/>
+              </a:ext>
+              <a:ext uri="{C183D7F6-B498-43B3-948B-1728B52AA6E4}">
+                <adec:decorative xmlns:adec="http://schemas.microsoft.com/office/drawing/2017/decorative" val="1"/>
+              </a:ext>
+            </a:extLst>
+          </p:cNvPr>
+          <p:cNvSpPr>
+            <a:spLocks noGrp="1" noRot="1" noChangeAspect="1" noMove="1" noResize="1" noEditPoints="1" noAdjustHandles="1" noChangeArrowheads="1" noChangeShapeType="1" noTextEdit="1"/>
+          </p:cNvSpPr>
+          <p:nvPr>
+            <p:extLst>
+              <p:ext uri="{386F3935-93C4-4BCD-93E2-E3B085C9AB24}">
+                <p16:designElem xmlns:p16="http://schemas.microsoft.com/office/powerpoint/2015/main" val="1"/>
+              </p:ext>
+            </p:extLst>
+          </p:nvPr>
+        </p:nvSpPr>
+        <p:spPr>
+          <a:xfrm>
+            <a:off x="2483110" y="1211407"/>
+            <a:ext cx="7225780" cy="685800"/>
+          </a:xfrm>
+          <a:prstGeom prst="roundRect">
+            <a:avLst>
+              <a:gd name="adj" fmla="val 0"/>
+            </a:avLst>
+          </a:prstGeom>
+          <a:solidFill>
+            <a:schemeClr val="accent1"/>
+          </a:solidFill>
+          <a:ln>
+            <a:noFill/>
+          </a:ln>
+        </p:spPr>
+        <p:style>
+          <a:lnRef idx="2">
+            <a:schemeClr val="accent1">
+              <a:shade val="50000"/>
+            </a:schemeClr>
+          </a:lnRef>
+          <a:fillRef idx="1">
+            <a:schemeClr val="accent1"/>
+          </a:fillRef>
+          <a:effectRef idx="0">
+            <a:schemeClr val="accent1"/>
+          </a:effectRef>
+          <a:fontRef idx="minor">
+            <a:schemeClr val="lt1"/>
+          </a:fontRef>
+        </p:style>
+        <p:txBody>
+          <a:bodyPr rtlCol="0" anchor="ctr"/>
+          <a:lstStyle/>
+          <a:p>
+            <a:pPr marL="0" marR="0" lvl="0" indent="0" algn="ctr" defTabSz="914400" rtl="0" eaLnBrk="1" fontAlgn="auto" latinLnBrk="0" hangingPunct="1">
+              <a:lnSpc>
+                <a:spcPct val="100000"/>
+              </a:lnSpc>
+              <a:spcBef>
+                <a:spcPts val="0"/>
+              </a:spcBef>
+              <a:spcAft>
+                <a:spcPts val="0"/>
+              </a:spcAft>
+              <a:buClrTx/>
+              <a:buSzTx/>
+              <a:buFontTx/>
+              <a:buNone/>
+              <a:tabLst/>
+              <a:defRPr/>
+            </a:pPr>
+            <a:endParaRPr kumimoji="0" lang="en-US" sz="1800" b="0" i="0" u="none" strike="noStrike" kern="1200" cap="none" spc="0" normalizeH="0" baseline="0" noProof="0">
+              <a:ln>
+                <a:noFill/>
+              </a:ln>
+              <a:solidFill>
+                <a:prstClr val="white"/>
+              </a:solidFill>
+              <a:effectLst/>
+              <a:uLnTx/>
+              <a:uFillTx/>
+              <a:latin typeface="Avenir Next LT Pro"/>
+              <a:ea typeface="+mn-ea"/>
+              <a:cs typeface="+mn-cs"/>
+            </a:endParaRPr>
+          </a:p>
+        </p:txBody>
+      </p:sp>
+      <p:pic>
+        <p:nvPicPr>
+          <p:cNvPr id="14" name="Picture 13" descr="Chart, histogram&#10;&#10;Description automatically generated">
+            <a:extLst>
+              <a:ext uri="{FF2B5EF4-FFF2-40B4-BE49-F238E27FC236}">
+                <a16:creationId xmlns:a16="http://schemas.microsoft.com/office/drawing/2014/main" id="{B200FF45-D181-4C12-9A93-427BDF1CDA86}"/>
+              </a:ext>
+            </a:extLst>
+          </p:cNvPr>
+          <p:cNvPicPr>
+            <a:picLocks noChangeAspect="1"/>
+          </p:cNvPicPr>
+          <p:nvPr/>
+        </p:nvPicPr>
+        <p:blipFill>
+          <a:blip r:embed="rId2">
+            <a:extLst>
+              <a:ext uri="{28A0092B-C50C-407E-A947-70E740481C1C}">
+                <a14:useLocalDpi xmlns:a14="http://schemas.microsoft.com/office/drawing/2010/main" val="0"/>
+              </a:ext>
+            </a:extLst>
+          </a:blip>
+          <a:stretch>
+            <a:fillRect/>
+          </a:stretch>
+        </p:blipFill>
+        <p:spPr>
+          <a:xfrm>
+            <a:off x="-65760" y="1923518"/>
+            <a:ext cx="4481017" cy="2240509"/>
+          </a:xfrm>
+          <a:prstGeom prst="rect">
+            <a:avLst/>
+          </a:prstGeom>
+        </p:spPr>
+      </p:pic>
+      <p:pic>
+        <p:nvPicPr>
+          <p:cNvPr id="10" name="Picture 9" descr="Chart, histogram&#10;&#10;Description automatically generated">
+            <a:extLst>
+              <a:ext uri="{FF2B5EF4-FFF2-40B4-BE49-F238E27FC236}">
+                <a16:creationId xmlns:a16="http://schemas.microsoft.com/office/drawing/2014/main" id="{3D6868D3-F229-46DA-ADA0-1F3A8E42223C}"/>
+              </a:ext>
+            </a:extLst>
+          </p:cNvPr>
+          <p:cNvPicPr>
+            <a:picLocks noChangeAspect="1"/>
+          </p:cNvPicPr>
+          <p:nvPr/>
+        </p:nvPicPr>
+        <p:blipFill>
+          <a:blip r:embed="rId3">
+            <a:extLst>
+              <a:ext uri="{28A0092B-C50C-407E-A947-70E740481C1C}">
+                <a14:useLocalDpi xmlns:a14="http://schemas.microsoft.com/office/drawing/2010/main" val="0"/>
+              </a:ext>
+            </a:extLst>
+          </a:blip>
+          <a:stretch>
+            <a:fillRect/>
+          </a:stretch>
+        </p:blipFill>
+        <p:spPr>
+          <a:xfrm>
+            <a:off x="3543072" y="2700470"/>
+            <a:ext cx="4481017" cy="2240509"/>
+          </a:xfrm>
+          <a:prstGeom prst="rect">
+            <a:avLst/>
+          </a:prstGeom>
+        </p:spPr>
+      </p:pic>
+      <p:pic>
+        <p:nvPicPr>
+          <p:cNvPr id="12" name="Picture 11" descr="Chart, histogram&#10;&#10;Description automatically generated">
+            <a:extLst>
+              <a:ext uri="{FF2B5EF4-FFF2-40B4-BE49-F238E27FC236}">
+                <a16:creationId xmlns:a16="http://schemas.microsoft.com/office/drawing/2014/main" id="{884CE033-B2D6-4C19-9B3F-0D7279C0365C}"/>
+              </a:ext>
+            </a:extLst>
+          </p:cNvPr>
+          <p:cNvPicPr>
+            <a:picLocks noChangeAspect="1"/>
+          </p:cNvPicPr>
+          <p:nvPr/>
+        </p:nvPicPr>
+        <p:blipFill>
+          <a:blip r:embed="rId4">
+            <a:extLst>
+              <a:ext uri="{28A0092B-C50C-407E-A947-70E740481C1C}">
+                <a14:useLocalDpi xmlns:a14="http://schemas.microsoft.com/office/drawing/2010/main" val="0"/>
+              </a:ext>
+            </a:extLst>
+          </a:blip>
+          <a:stretch>
+            <a:fillRect/>
+          </a:stretch>
+        </p:blipFill>
+        <p:spPr>
+          <a:xfrm>
+            <a:off x="7421657" y="4248586"/>
+            <a:ext cx="4481017" cy="2240509"/>
+          </a:xfrm>
+          <a:prstGeom prst="rect">
+            <a:avLst/>
+          </a:prstGeom>
+        </p:spPr>
+      </p:pic>
+      <p:sp>
+        <p:nvSpPr>
+          <p:cNvPr id="15" name="TextBox 14">
+            <a:extLst>
+              <a:ext uri="{FF2B5EF4-FFF2-40B4-BE49-F238E27FC236}">
+                <a16:creationId xmlns:a16="http://schemas.microsoft.com/office/drawing/2014/main" id="{ADB7E751-94A9-46B9-B552-04EB3F902F53}"/>
+              </a:ext>
+            </a:extLst>
+          </p:cNvPr>
+          <p:cNvSpPr txBox="1"/>
+          <p:nvPr/>
+        </p:nvSpPr>
+        <p:spPr>
+          <a:xfrm>
+            <a:off x="339798" y="4079711"/>
+            <a:ext cx="954492" cy="369332"/>
+          </a:xfrm>
+          <a:prstGeom prst="rect">
+            <a:avLst/>
+          </a:prstGeom>
+          <a:noFill/>
+        </p:spPr>
+        <p:txBody>
+          <a:bodyPr wrap="none" rtlCol="0">
+            <a:spAutoFit/>
+          </a:bodyPr>
+          <a:lstStyle/>
+          <a:p>
+            <a:r>
+              <a:rPr lang="en-US" dirty="0"/>
+              <a:t>VGG16</a:t>
+            </a:r>
+          </a:p>
+        </p:txBody>
+      </p:sp>
+      <p:sp>
+        <p:nvSpPr>
+          <p:cNvPr id="22" name="TextBox 21">
+            <a:extLst>
+              <a:ext uri="{FF2B5EF4-FFF2-40B4-BE49-F238E27FC236}">
+                <a16:creationId xmlns:a16="http://schemas.microsoft.com/office/drawing/2014/main" id="{8CD114A8-0C18-47E0-A2C4-5573FC379AB2}"/>
+              </a:ext>
+            </a:extLst>
+          </p:cNvPr>
+          <p:cNvSpPr txBox="1"/>
+          <p:nvPr/>
+        </p:nvSpPr>
+        <p:spPr>
+          <a:xfrm>
+            <a:off x="3938011" y="4824262"/>
+            <a:ext cx="1981889" cy="369332"/>
+          </a:xfrm>
+          <a:prstGeom prst="rect">
+            <a:avLst/>
+          </a:prstGeom>
+          <a:noFill/>
+        </p:spPr>
+        <p:txBody>
+          <a:bodyPr wrap="none" rtlCol="0">
+            <a:spAutoFit/>
+          </a:bodyPr>
+          <a:lstStyle/>
+          <a:p>
+            <a:r>
+              <a:rPr lang="en-US" dirty="0"/>
+              <a:t>CIFAR10 (Vanilla)</a:t>
+            </a:r>
+          </a:p>
+        </p:txBody>
+      </p:sp>
+      <p:sp>
+        <p:nvSpPr>
+          <p:cNvPr id="24" name="TextBox 23">
+            <a:extLst>
+              <a:ext uri="{FF2B5EF4-FFF2-40B4-BE49-F238E27FC236}">
+                <a16:creationId xmlns:a16="http://schemas.microsoft.com/office/drawing/2014/main" id="{C5FD2E75-4668-487F-81DD-7BE2F87F1A21}"/>
+              </a:ext>
+            </a:extLst>
+          </p:cNvPr>
+          <p:cNvSpPr txBox="1"/>
+          <p:nvPr/>
+        </p:nvSpPr>
+        <p:spPr>
+          <a:xfrm>
+            <a:off x="7732771" y="6382674"/>
+            <a:ext cx="1846916" cy="369332"/>
+          </a:xfrm>
+          <a:prstGeom prst="rect">
+            <a:avLst/>
+          </a:prstGeom>
+          <a:noFill/>
+        </p:spPr>
+        <p:txBody>
+          <a:bodyPr wrap="none" rtlCol="0">
+            <a:spAutoFit/>
+          </a:bodyPr>
+          <a:lstStyle/>
+          <a:p>
+            <a:r>
+              <a:rPr lang="en-US" dirty="0" err="1"/>
+              <a:t>Gabors</a:t>
+            </a:r>
+            <a:r>
+              <a:rPr lang="en-US" dirty="0"/>
+              <a:t> (Vanilla)</a:t>
+            </a:r>
+          </a:p>
+        </p:txBody>
+      </p:sp>
+    </p:spTree>
+    <p:extLst>
+      <p:ext uri="{BB962C8B-B14F-4D97-AF65-F5344CB8AC3E}">
+        <p14:creationId xmlns:p14="http://schemas.microsoft.com/office/powerpoint/2010/main" val="1971184339"/>
+      </p:ext>
+    </p:extLst>
+  </p:cSld>
+  <p:clrMapOvr>
+    <a:masterClrMapping/>
+  </p:clrMapOvr>
+</p:sld>
+</file>
+
+<file path=ppt/slides/slide14.xml><?xml version="1.0" encoding="utf-8"?>
+<p:sld xmlns:a="http://schemas.openxmlformats.org/drawingml/2006/main" xmlns:r="http://schemas.openxmlformats.org/officeDocument/2006/relationships" xmlns:p="http://schemas.openxmlformats.org/presentationml/2006/main">
+  <p:cSld>
+    <p:spTree>
+      <p:nvGrpSpPr>
+        <p:cNvPr id="1" name=""/>
+        <p:cNvGrpSpPr/>
+        <p:nvPr/>
+      </p:nvGrpSpPr>
+      <p:grpSpPr>
+        <a:xfrm>
+          <a:off x="0" y="0"/>
+          <a:ext cx="0" cy="0"/>
+          <a:chOff x="0" y="0"/>
+          <a:chExt cx="0" cy="0"/>
+        </a:xfrm>
+      </p:grpSpPr>
+      <p:sp>
+        <p:nvSpPr>
+          <p:cNvPr id="2" name="Title 1">
+            <a:extLst>
+              <a:ext uri="{FF2B5EF4-FFF2-40B4-BE49-F238E27FC236}">
+                <a16:creationId xmlns:a16="http://schemas.microsoft.com/office/drawing/2014/main" id="{91E0C413-D19A-496E-BB71-1DDB8CDCAA49}"/>
+              </a:ext>
+            </a:extLst>
+          </p:cNvPr>
+          <p:cNvSpPr>
+            <a:spLocks noGrp="1"/>
+          </p:cNvSpPr>
+          <p:nvPr>
+            <p:ph type="title"/>
+          </p:nvPr>
+        </p:nvSpPr>
+        <p:spPr/>
+        <p:txBody>
+          <a:bodyPr>
+            <a:normAutofit fontScale="90000"/>
+          </a:bodyPr>
+          <a:lstStyle/>
+          <a:p>
+            <a:r>
+              <a:rPr lang="en-US" dirty="0"/>
+              <a:t>CIFAR10 Results (Vanilla) * Multiple Dissociations*</a:t>
+            </a:r>
+          </a:p>
+        </p:txBody>
+      </p:sp>
+      <p:pic>
+        <p:nvPicPr>
+          <p:cNvPr id="5" name="Content Placeholder 4" descr="A picture containing graphical user interface&#10;&#10;Description automatically generated">
+            <a:extLst>
+              <a:ext uri="{FF2B5EF4-FFF2-40B4-BE49-F238E27FC236}">
+                <a16:creationId xmlns:a16="http://schemas.microsoft.com/office/drawing/2014/main" id="{4733DAD1-84BD-46CB-BE00-EB252AEA135F}"/>
+              </a:ext>
+            </a:extLst>
+          </p:cNvPr>
+          <p:cNvPicPr>
+            <a:picLocks noGrp="1" noChangeAspect="1"/>
+          </p:cNvPicPr>
+          <p:nvPr>
+            <p:ph idx="1"/>
+          </p:nvPr>
+        </p:nvPicPr>
+        <p:blipFill>
+          <a:blip r:embed="rId2">
+            <a:extLst>
+              <a:ext uri="{28A0092B-C50C-407E-A947-70E740481C1C}">
+                <a14:useLocalDpi xmlns:a14="http://schemas.microsoft.com/office/drawing/2010/main" val="0"/>
+              </a:ext>
+            </a:extLst>
+          </a:blip>
+          <a:stretch>
+            <a:fillRect/>
+          </a:stretch>
+        </p:blipFill>
+        <p:spPr>
+          <a:xfrm>
+            <a:off x="791432" y="1544670"/>
+            <a:ext cx="10817098" cy="5408549"/>
+          </a:xfrm>
+        </p:spPr>
+      </p:pic>
+    </p:spTree>
+    <p:extLst>
+      <p:ext uri="{BB962C8B-B14F-4D97-AF65-F5344CB8AC3E}">
+        <p14:creationId xmlns:p14="http://schemas.microsoft.com/office/powerpoint/2010/main" val="2923768811"/>
+      </p:ext>
+    </p:extLst>
+  </p:cSld>
+  <p:clrMapOvr>
+    <a:masterClrMapping/>
+  </p:clrMapOvr>
+</p:sld>
+</file>
+
+<file path=ppt/slides/slide15.xml><?xml version="1.0" encoding="utf-8"?>
+<p:sld xmlns:a="http://schemas.openxmlformats.org/drawingml/2006/main" xmlns:r="http://schemas.openxmlformats.org/officeDocument/2006/relationships" xmlns:p="http://schemas.openxmlformats.org/presentationml/2006/main">
+  <p:cSld>
+    <p:spTree>
+      <p:nvGrpSpPr>
+        <p:cNvPr id="1" name=""/>
+        <p:cNvGrpSpPr/>
+        <p:nvPr/>
+      </p:nvGrpSpPr>
+      <p:grpSpPr>
+        <a:xfrm>
+          <a:off x="0" y="0"/>
+          <a:ext cx="0" cy="0"/>
+          <a:chOff x="0" y="0"/>
+          <a:chExt cx="0" cy="0"/>
+        </a:xfrm>
+      </p:grpSpPr>
+      <p:sp>
+        <p:nvSpPr>
+          <p:cNvPr id="2" name="Title 1">
+            <a:extLst>
+              <a:ext uri="{FF2B5EF4-FFF2-40B4-BE49-F238E27FC236}">
+                <a16:creationId xmlns:a16="http://schemas.microsoft.com/office/drawing/2014/main" id="{8539E7DC-80B7-49B3-8709-D90BFE55E24A}"/>
+              </a:ext>
+            </a:extLst>
+          </p:cNvPr>
+          <p:cNvSpPr>
+            <a:spLocks noGrp="1"/>
+          </p:cNvSpPr>
+          <p:nvPr>
+            <p:ph type="title"/>
+          </p:nvPr>
+        </p:nvSpPr>
+        <p:spPr/>
+        <p:txBody>
+          <a:bodyPr/>
+          <a:lstStyle/>
+          <a:p>
+            <a:r>
+              <a:rPr lang="en-US" dirty="0"/>
+              <a:t>Gabor Results (Vanilla) *No Dissociations*</a:t>
+            </a:r>
+          </a:p>
+        </p:txBody>
+      </p:sp>
+      <p:pic>
+        <p:nvPicPr>
+          <p:cNvPr id="5" name="Content Placeholder 4" descr="A picture containing table&#10;&#10;Description automatically generated">
+            <a:extLst>
+              <a:ext uri="{FF2B5EF4-FFF2-40B4-BE49-F238E27FC236}">
+                <a16:creationId xmlns:a16="http://schemas.microsoft.com/office/drawing/2014/main" id="{E8EE7BF5-F427-4023-A36F-A83AB673974E}"/>
+              </a:ext>
+            </a:extLst>
+          </p:cNvPr>
+          <p:cNvPicPr>
+            <a:picLocks noGrp="1" noChangeAspect="1"/>
+          </p:cNvPicPr>
+          <p:nvPr>
+            <p:ph idx="1"/>
+          </p:nvPr>
+        </p:nvPicPr>
+        <p:blipFill>
+          <a:blip r:embed="rId2">
+            <a:extLst>
+              <a:ext uri="{28A0092B-C50C-407E-A947-70E740481C1C}">
+                <a14:useLocalDpi xmlns:a14="http://schemas.microsoft.com/office/drawing/2010/main" val="0"/>
+              </a:ext>
+            </a:extLst>
+          </a:blip>
+          <a:stretch>
+            <a:fillRect/>
+          </a:stretch>
+        </p:blipFill>
+        <p:spPr>
+          <a:xfrm>
+            <a:off x="791432" y="1521810"/>
+            <a:ext cx="10817098" cy="5408549"/>
+          </a:xfrm>
+        </p:spPr>
+      </p:pic>
+    </p:spTree>
+    <p:extLst>
+      <p:ext uri="{BB962C8B-B14F-4D97-AF65-F5344CB8AC3E}">
+        <p14:creationId xmlns:p14="http://schemas.microsoft.com/office/powerpoint/2010/main" val="3192324248"/>
+      </p:ext>
+    </p:extLst>
+  </p:cSld>
+  <p:clrMapOvr>
+    <a:masterClrMapping/>
+  </p:clrMapOvr>
+</p:sld>
+</file>
+
+<file path=ppt/slides/slide16.xml><?xml version="1.0" encoding="utf-8"?>
+<p:sld xmlns:a="http://schemas.openxmlformats.org/drawingml/2006/main" xmlns:r="http://schemas.openxmlformats.org/officeDocument/2006/relationships" xmlns:p="http://schemas.openxmlformats.org/presentationml/2006/main">
+  <p:cSld>
+    <p:spTree>
+      <p:nvGrpSpPr>
+        <p:cNvPr id="1" name=""/>
+        <p:cNvGrpSpPr/>
+        <p:nvPr/>
+      </p:nvGrpSpPr>
+      <p:grpSpPr>
+        <a:xfrm>
+          <a:off x="0" y="0"/>
+          <a:ext cx="0" cy="0"/>
+          <a:chOff x="0" y="0"/>
+          <a:chExt cx="0" cy="0"/>
+        </a:xfrm>
+      </p:grpSpPr>
+      <p:sp>
+        <p:nvSpPr>
+          <p:cNvPr id="2" name="Title 1">
+            <a:extLst>
+              <a:ext uri="{FF2B5EF4-FFF2-40B4-BE49-F238E27FC236}">
+                <a16:creationId xmlns:a16="http://schemas.microsoft.com/office/drawing/2014/main" id="{FC4D6E18-4897-4F9E-8E42-F9A315C163A1}"/>
+              </a:ext>
+            </a:extLst>
+          </p:cNvPr>
+          <p:cNvSpPr>
+            <a:spLocks noGrp="1"/>
+          </p:cNvSpPr>
+          <p:nvPr>
+            <p:ph type="title"/>
+          </p:nvPr>
+        </p:nvSpPr>
+        <p:spPr/>
+        <p:txBody>
+          <a:bodyPr/>
+          <a:lstStyle/>
+          <a:p>
+            <a:r>
+              <a:rPr lang="en-US" dirty="0"/>
+              <a:t>VGG16 Results *Multiple Dissociations*</a:t>
+            </a:r>
+          </a:p>
+        </p:txBody>
+      </p:sp>
+      <p:pic>
+        <p:nvPicPr>
+          <p:cNvPr id="5" name="Content Placeholder 4" descr="A picture containing graphical user interface&#10;&#10;Description automatically generated">
+            <a:extLst>
+              <a:ext uri="{FF2B5EF4-FFF2-40B4-BE49-F238E27FC236}">
+                <a16:creationId xmlns:a16="http://schemas.microsoft.com/office/drawing/2014/main" id="{59E14362-623C-499A-9CB9-853C0D8F58E8}"/>
+              </a:ext>
+            </a:extLst>
+          </p:cNvPr>
+          <p:cNvPicPr>
+            <a:picLocks noGrp="1" noChangeAspect="1"/>
+          </p:cNvPicPr>
+          <p:nvPr>
+            <p:ph idx="1"/>
+          </p:nvPr>
+        </p:nvPicPr>
+        <p:blipFill>
+          <a:blip r:embed="rId2">
+            <a:extLst>
+              <a:ext uri="{28A0092B-C50C-407E-A947-70E740481C1C}">
+                <a14:useLocalDpi xmlns:a14="http://schemas.microsoft.com/office/drawing/2010/main" val="0"/>
+              </a:ext>
+            </a:extLst>
+          </a:blip>
+          <a:stretch>
+            <a:fillRect/>
+          </a:stretch>
+        </p:blipFill>
+        <p:spPr>
+          <a:xfrm>
+            <a:off x="791432" y="1544670"/>
+            <a:ext cx="10817098" cy="5408549"/>
+          </a:xfrm>
+        </p:spPr>
+      </p:pic>
+    </p:spTree>
+    <p:extLst>
+      <p:ext uri="{BB962C8B-B14F-4D97-AF65-F5344CB8AC3E}">
+        <p14:creationId xmlns:p14="http://schemas.microsoft.com/office/powerpoint/2010/main" val="3739365696"/>
+      </p:ext>
+    </p:extLst>
+  </p:cSld>
+  <p:clrMapOvr>
+    <a:masterClrMapping/>
+  </p:clrMapOvr>
+</p:sld>
+</file>
+
+<file path=ppt/slides/slide17.xml><?xml version="1.0" encoding="utf-8"?>
+<p:sld xmlns:a="http://schemas.openxmlformats.org/drawingml/2006/main" xmlns:r="http://schemas.openxmlformats.org/officeDocument/2006/relationships" xmlns:p="http://schemas.openxmlformats.org/presentationml/2006/main">
+  <p:cSld>
+    <p:spTree>
+      <p:nvGrpSpPr>
+        <p:cNvPr id="1" name=""/>
+        <p:cNvGrpSpPr/>
+        <p:nvPr/>
+      </p:nvGrpSpPr>
+      <p:grpSpPr>
+        <a:xfrm>
+          <a:off x="0" y="0"/>
+          <a:ext cx="0" cy="0"/>
+          <a:chOff x="0" y="0"/>
+          <a:chExt cx="0" cy="0"/>
+        </a:xfrm>
+      </p:grpSpPr>
+      <p:sp>
+        <p:nvSpPr>
+          <p:cNvPr id="2" name="Title 1">
+            <a:extLst>
+              <a:ext uri="{FF2B5EF4-FFF2-40B4-BE49-F238E27FC236}">
+                <a16:creationId xmlns:a16="http://schemas.microsoft.com/office/drawing/2014/main" id="{112BD8AF-B445-4817-8FA3-73C9E5EBF82E}"/>
+              </a:ext>
+            </a:extLst>
+          </p:cNvPr>
+          <p:cNvSpPr>
+            <a:spLocks noGrp="1"/>
+          </p:cNvSpPr>
+          <p:nvPr>
+            <p:ph type="title"/>
+          </p:nvPr>
+        </p:nvSpPr>
+        <p:spPr/>
+        <p:txBody>
+          <a:bodyPr/>
+          <a:lstStyle/>
+          <a:p>
+            <a:r>
+              <a:rPr lang="en-US" dirty="0"/>
+              <a:t>Observations Thus Far</a:t>
+            </a:r>
+          </a:p>
+        </p:txBody>
+      </p:sp>
+      <p:sp>
+        <p:nvSpPr>
+          <p:cNvPr id="3" name="Content Placeholder 2">
+            <a:extLst>
+              <a:ext uri="{FF2B5EF4-FFF2-40B4-BE49-F238E27FC236}">
+                <a16:creationId xmlns:a16="http://schemas.microsoft.com/office/drawing/2014/main" id="{6715A74C-1909-485A-9B70-B2C6C048B87F}"/>
+              </a:ext>
+            </a:extLst>
+          </p:cNvPr>
+          <p:cNvSpPr>
+            <a:spLocks noGrp="1"/>
+          </p:cNvSpPr>
+          <p:nvPr>
+            <p:ph idx="1"/>
+          </p:nvPr>
+        </p:nvSpPr>
+        <p:spPr/>
+        <p:txBody>
+          <a:bodyPr/>
+          <a:lstStyle/>
+          <a:p>
+            <a:r>
+              <a:rPr lang="en-US" dirty="0"/>
+              <a:t>Tilt drives accuracy and contrast drives confidence</a:t>
+            </a:r>
+          </a:p>
+          <a:p>
+            <a:r>
+              <a:rPr lang="en-US" dirty="0"/>
+              <a:t>Transferring learning from generalized object recognition networks results in a confidence/accuracy dissociation</a:t>
+            </a:r>
+          </a:p>
+          <a:p>
+            <a:r>
+              <a:rPr lang="en-US" dirty="0"/>
+              <a:t>This matches empirical findings</a:t>
+            </a:r>
+          </a:p>
+        </p:txBody>
+      </p:sp>
+    </p:spTree>
+    <p:extLst>
+      <p:ext uri="{BB962C8B-B14F-4D97-AF65-F5344CB8AC3E}">
+        <p14:creationId xmlns:p14="http://schemas.microsoft.com/office/powerpoint/2010/main" val="3649253597"/>
+      </p:ext>
+    </p:extLst>
+  </p:cSld>
+  <p:clrMapOvr>
+    <a:masterClrMapping/>
+  </p:clrMapOvr>
+  <p:timing>
+    <p:tnLst>
+      <p:par>
+        <p:cTn id="1" dur="indefinite" restart="never" nodeType="tmRoot">
+          <p:childTnLst>
+            <p:seq concurrent="1" nextAc="seek">
+              <p:cTn id="2" dur="indefinite" nodeType="mainSeq">
+                <p:childTnLst>
+                  <p:par>
+                    <p:cTn id="3" fill="hold">
+                      <p:stCondLst>
+                        <p:cond delay="indefinite"/>
+                      </p:stCondLst>
+                      <p:childTnLst>
+                        <p:par>
+                          <p:cTn id="4" fill="hold">
+                            <p:stCondLst>
+                              <p:cond delay="0"/>
+                            </p:stCondLst>
+                            <p:childTnLst>
+                              <p:par>
+                                <p:cTn id="5" presetID="1" presetClass="entr" presetSubtype="0" fill="hold" grpId="0" nodeType="clickEffect">
+                                  <p:stCondLst>
+                                    <p:cond delay="0"/>
+                                  </p:stCondLst>
+                                  <p:childTnLst>
+                                    <p:set>
+                                      <p:cBhvr>
+                                        <p:cTn id="6" dur="1" fill="hold">
+                                          <p:stCondLst>
+                                            <p:cond delay="0"/>
+                                          </p:stCondLst>
+                                        </p:cTn>
+                                        <p:tgtEl>
+                                          <p:spTgt spid="3">
+                                            <p:txEl>
+                                              <p:pRg st="0" end="0"/>
+                                            </p:txEl>
+                                          </p:spTgt>
+                                        </p:tgtEl>
+                                        <p:attrNameLst>
+                                          <p:attrName>style.visibility</p:attrName>
+                                        </p:attrNameLst>
+                                      </p:cBhvr>
+                                      <p:to>
+                                        <p:strVal val="visible"/>
+                                      </p:to>
+                                    </p:set>
+                                  </p:childTnLst>
+                                </p:cTn>
+                              </p:par>
+                            </p:childTnLst>
+                          </p:cTn>
+                        </p:par>
+                      </p:childTnLst>
+                    </p:cTn>
+                  </p:par>
+                  <p:par>
+                    <p:cTn id="7" fill="hold">
+                      <p:stCondLst>
+                        <p:cond delay="indefinite"/>
+                      </p:stCondLst>
+                      <p:childTnLst>
+                        <p:par>
+                          <p:cTn id="8" fill="hold">
+                            <p:stCondLst>
+                              <p:cond delay="0"/>
+                            </p:stCondLst>
+                            <p:childTnLst>
+                              <p:par>
+                                <p:cTn id="9" presetID="1" presetClass="entr" presetSubtype="0" fill="hold" grpId="0" nodeType="clickEffect">
+                                  <p:stCondLst>
+                                    <p:cond delay="0"/>
+                                  </p:stCondLst>
+                                  <p:childTnLst>
+                                    <p:set>
+                                      <p:cBhvr>
+                                        <p:cTn id="10" dur="1" fill="hold">
+                                          <p:stCondLst>
+                                            <p:cond delay="0"/>
+                                          </p:stCondLst>
+                                        </p:cTn>
+                                        <p:tgtEl>
+                                          <p:spTgt spid="3">
+                                            <p:txEl>
+                                              <p:pRg st="1" end="1"/>
+                                            </p:txEl>
+                                          </p:spTgt>
+                                        </p:tgtEl>
+                                        <p:attrNameLst>
+                                          <p:attrName>style.visibility</p:attrName>
+                                        </p:attrNameLst>
+                                      </p:cBhvr>
+                                      <p:to>
+                                        <p:strVal val="visible"/>
+                                      </p:to>
+                                    </p:set>
+                                  </p:childTnLst>
+                                </p:cTn>
+                              </p:par>
+                            </p:childTnLst>
+                          </p:cTn>
+                        </p:par>
+                      </p:childTnLst>
+                    </p:cTn>
+                  </p:par>
+                  <p:par>
+                    <p:cTn id="11" fill="hold">
+                      <p:stCondLst>
+                        <p:cond delay="indefinite"/>
+                      </p:stCondLst>
+                      <p:childTnLst>
+                        <p:par>
+                          <p:cTn id="12" fill="hold">
+                            <p:stCondLst>
+                              <p:cond delay="0"/>
+                            </p:stCondLst>
+                            <p:childTnLst>
+                              <p:par>
+                                <p:cTn id="13" presetID="1" presetClass="entr" presetSubtype="0" fill="hold" grpId="0" nodeType="clickEffect">
+                                  <p:stCondLst>
+                                    <p:cond delay="0"/>
+                                  </p:stCondLst>
+                                  <p:childTnLst>
+                                    <p:set>
+                                      <p:cBhvr>
+                                        <p:cTn id="14" dur="1" fill="hold">
+                                          <p:stCondLst>
+                                            <p:cond delay="0"/>
+                                          </p:stCondLst>
+                                        </p:cTn>
+                                        <p:tgtEl>
+                                          <p:spTgt spid="3">
+                                            <p:txEl>
+                                              <p:pRg st="2" end="2"/>
+                                            </p:txEl>
+                                          </p:spTgt>
+                                        </p:tgtEl>
+                                        <p:attrNameLst>
+                                          <p:attrName>style.visibility</p:attrName>
+                                        </p:attrNameLst>
+                                      </p:cBhvr>
+                                      <p:to>
+                                        <p:strVal val="visible"/>
+                                      </p:to>
+                                    </p:set>
+                                  </p:childTnLst>
+                                </p:cTn>
+                              </p:par>
+                            </p:childTnLst>
+                          </p:cTn>
+                        </p:par>
+                      </p:childTnLst>
+                    </p:cTn>
+                  </p:par>
+                </p:childTnLst>
+              </p:cTn>
+              <p:prevCondLst>
+                <p:cond evt="onPrev" delay="0">
+                  <p:tgtEl>
+                    <p:sldTgt/>
+                  </p:tgtEl>
+                </p:cond>
+              </p:prevCondLst>
+              <p:nextCondLst>
+                <p:cond evt="onNext" delay="0">
+                  <p:tgtEl>
+                    <p:sldTgt/>
+                  </p:tgtEl>
+                </p:cond>
+              </p:nextCondLst>
+            </p:seq>
+          </p:childTnLst>
+        </p:cTn>
+      </p:par>
+    </p:tnLst>
+    <p:bldLst>
+      <p:bldP spid="3" grpId="0" build="p"/>
+    </p:bldLst>
+  </p:timing>
+</p:sld>
+</file>
+
+<file path=ppt/slides/slide18.xml><?xml version="1.0" encoding="utf-8"?>
+<p:sld xmlns:a="http://schemas.openxmlformats.org/drawingml/2006/main" xmlns:r="http://schemas.openxmlformats.org/officeDocument/2006/relationships" xmlns:p="http://schemas.openxmlformats.org/presentationml/2006/main">
+  <p:cSld>
+    <p:spTree>
+      <p:nvGrpSpPr>
+        <p:cNvPr id="1" name=""/>
+        <p:cNvGrpSpPr/>
+        <p:nvPr/>
+      </p:nvGrpSpPr>
+      <p:grpSpPr>
+        <a:xfrm>
+          <a:off x="0" y="0"/>
+          <a:ext cx="0" cy="0"/>
+          <a:chOff x="0" y="0"/>
+          <a:chExt cx="0" cy="0"/>
+        </a:xfrm>
+      </p:grpSpPr>
+      <p:sp>
+        <p:nvSpPr>
+          <p:cNvPr id="2" name="Title 1">
+            <a:extLst>
+              <a:ext uri="{FF2B5EF4-FFF2-40B4-BE49-F238E27FC236}">
+                <a16:creationId xmlns:a16="http://schemas.microsoft.com/office/drawing/2014/main" id="{ADEA4431-6C1E-4A1C-A0C7-D15A0987A0E5}"/>
+              </a:ext>
+            </a:extLst>
+          </p:cNvPr>
+          <p:cNvSpPr>
+            <a:spLocks noGrp="1"/>
+          </p:cNvSpPr>
+          <p:nvPr>
+            <p:ph type="title"/>
+          </p:nvPr>
+        </p:nvSpPr>
+        <p:spPr/>
+        <p:txBody>
+          <a:bodyPr/>
+          <a:lstStyle/>
+          <a:p>
+            <a:r>
+              <a:rPr lang="en-US" dirty="0"/>
+              <a:t>Next Steps</a:t>
+            </a:r>
+          </a:p>
+        </p:txBody>
+      </p:sp>
+      <p:sp>
+        <p:nvSpPr>
+          <p:cNvPr id="3" name="Content Placeholder 2">
+            <a:extLst>
+              <a:ext uri="{FF2B5EF4-FFF2-40B4-BE49-F238E27FC236}">
+                <a16:creationId xmlns:a16="http://schemas.microsoft.com/office/drawing/2014/main" id="{9BE63D40-7417-47AC-9FA3-18371B8445B6}"/>
+              </a:ext>
+            </a:extLst>
+          </p:cNvPr>
+          <p:cNvSpPr>
+            <a:spLocks noGrp="1"/>
+          </p:cNvSpPr>
+          <p:nvPr>
+            <p:ph idx="1"/>
+          </p:nvPr>
+        </p:nvSpPr>
+        <p:spPr/>
+        <p:txBody>
+          <a:bodyPr/>
+          <a:lstStyle/>
+          <a:p>
+            <a:r>
+              <a:rPr lang="en-US" dirty="0"/>
+              <a:t>Hypothesis: Activation may be stronger in early layers for high contrast in CIFAR10 network, regardless of accuracy</a:t>
+            </a:r>
+          </a:p>
+          <a:p>
+            <a:r>
+              <a:rPr lang="en-US" dirty="0"/>
+              <a:t>Analyze CIFAR10 Vanilla network VS Gabor Vanilla network</a:t>
+            </a:r>
+          </a:p>
+          <a:p>
+            <a:pPr lvl="1"/>
+            <a:r>
+              <a:rPr lang="en-US" dirty="0"/>
+              <a:t>Look at activation level &amp; variance of each layer for contrast/tilt combinations which showed dissociation</a:t>
+            </a:r>
+          </a:p>
+        </p:txBody>
+      </p:sp>
+    </p:spTree>
+    <p:extLst>
+      <p:ext uri="{BB962C8B-B14F-4D97-AF65-F5344CB8AC3E}">
+        <p14:creationId xmlns:p14="http://schemas.microsoft.com/office/powerpoint/2010/main" val="3375443398"/>
+      </p:ext>
+    </p:extLst>
+  </p:cSld>
+  <p:clrMapOvr>
+    <a:masterClrMapping/>
+  </p:clrMapOvr>
+  <p:timing>
+    <p:tnLst>
+      <p:par>
+        <p:cTn id="1" dur="indefinite" restart="never" nodeType="tmRoot">
+          <p:childTnLst>
+            <p:seq concurrent="1" nextAc="seek">
+              <p:cTn id="2" dur="indefinite" nodeType="mainSeq">
+                <p:childTnLst>
+                  <p:par>
+                    <p:cTn id="3" fill="hold">
+                      <p:stCondLst>
+                        <p:cond delay="indefinite"/>
+                      </p:stCondLst>
+                      <p:childTnLst>
+                        <p:par>
+                          <p:cTn id="4" fill="hold">
+                            <p:stCondLst>
+                              <p:cond delay="0"/>
+                            </p:stCondLst>
+                            <p:childTnLst>
+                              <p:par>
+                                <p:cTn id="5" presetID="1" presetClass="entr" presetSubtype="0" fill="hold" grpId="0" nodeType="clickEffect">
+                                  <p:stCondLst>
+                                    <p:cond delay="0"/>
+                                  </p:stCondLst>
+                                  <p:childTnLst>
+                                    <p:set>
+                                      <p:cBhvr>
+                                        <p:cTn id="6" dur="1" fill="hold">
+                                          <p:stCondLst>
+                                            <p:cond delay="0"/>
+                                          </p:stCondLst>
+                                        </p:cTn>
+                                        <p:tgtEl>
+                                          <p:spTgt spid="3">
+                                            <p:txEl>
+                                              <p:pRg st="0" end="0"/>
+                                            </p:txEl>
+                                          </p:spTgt>
+                                        </p:tgtEl>
+                                        <p:attrNameLst>
+                                          <p:attrName>style.visibility</p:attrName>
+                                        </p:attrNameLst>
+                                      </p:cBhvr>
+                                      <p:to>
+                                        <p:strVal val="visible"/>
+                                      </p:to>
+                                    </p:set>
+                                  </p:childTnLst>
+                                </p:cTn>
+                              </p:par>
+                            </p:childTnLst>
+                          </p:cTn>
+                        </p:par>
+                      </p:childTnLst>
+                    </p:cTn>
+                  </p:par>
+                  <p:par>
+                    <p:cTn id="7" fill="hold">
+                      <p:stCondLst>
+                        <p:cond delay="indefinite"/>
+                      </p:stCondLst>
+                      <p:childTnLst>
+                        <p:par>
+                          <p:cTn id="8" fill="hold">
+                            <p:stCondLst>
+                              <p:cond delay="0"/>
+                            </p:stCondLst>
+                            <p:childTnLst>
+                              <p:par>
+                                <p:cTn id="9" presetID="1" presetClass="entr" presetSubtype="0" fill="hold" grpId="0" nodeType="clickEffect">
+                                  <p:stCondLst>
+                                    <p:cond delay="0"/>
+                                  </p:stCondLst>
+                                  <p:childTnLst>
+                                    <p:set>
+                                      <p:cBhvr>
+                                        <p:cTn id="10" dur="1" fill="hold">
+                                          <p:stCondLst>
+                                            <p:cond delay="0"/>
+                                          </p:stCondLst>
+                                        </p:cTn>
+                                        <p:tgtEl>
+                                          <p:spTgt spid="3">
+                                            <p:txEl>
+                                              <p:pRg st="1" end="1"/>
+                                            </p:txEl>
+                                          </p:spTgt>
+                                        </p:tgtEl>
+                                        <p:attrNameLst>
+                                          <p:attrName>style.visibility</p:attrName>
+                                        </p:attrNameLst>
+                                      </p:cBhvr>
+                                      <p:to>
+                                        <p:strVal val="visible"/>
+                                      </p:to>
+                                    </p:set>
+                                  </p:childTnLst>
+                                </p:cTn>
+                              </p:par>
+                              <p:par>
+                                <p:cTn id="11" presetID="1" presetClass="entr" presetSubtype="0" fill="hold" grpId="0" nodeType="withEffect">
+                                  <p:stCondLst>
+                                    <p:cond delay="0"/>
+                                  </p:stCondLst>
+                                  <p:childTnLst>
+                                    <p:set>
+                                      <p:cBhvr>
+                                        <p:cTn id="12" dur="1" fill="hold">
+                                          <p:stCondLst>
+                                            <p:cond delay="0"/>
+                                          </p:stCondLst>
+                                        </p:cTn>
+                                        <p:tgtEl>
+                                          <p:spTgt spid="3">
+                                            <p:txEl>
+                                              <p:pRg st="2" end="2"/>
+                                            </p:txEl>
+                                          </p:spTgt>
+                                        </p:tgtEl>
+                                        <p:attrNameLst>
+                                          <p:attrName>style.visibility</p:attrName>
+                                        </p:attrNameLst>
+                                      </p:cBhvr>
+                                      <p:to>
+                                        <p:strVal val="visible"/>
+                                      </p:to>
+                                    </p:set>
+                                  </p:childTnLst>
+                                </p:cTn>
+                              </p:par>
+                            </p:childTnLst>
+                          </p:cTn>
+                        </p:par>
+                      </p:childTnLst>
+                    </p:cTn>
+                  </p:par>
+                </p:childTnLst>
+              </p:cTn>
+              <p:prevCondLst>
+                <p:cond evt="onPrev" delay="0">
+                  <p:tgtEl>
+                    <p:sldTgt/>
+                  </p:tgtEl>
+                </p:cond>
+              </p:prevCondLst>
+              <p:nextCondLst>
+                <p:cond evt="onNext" delay="0">
+                  <p:tgtEl>
+                    <p:sldTgt/>
+                  </p:tgtEl>
+                </p:cond>
+              </p:nextCondLst>
+            </p:seq>
+          </p:childTnLst>
+        </p:cTn>
+      </p:par>
+    </p:tnLst>
+    <p:bldLst>
+      <p:bldP spid="3" grpId="0" build="p"/>
+    </p:bldLst>
+  </p:timing>
+</p:sld>
+</file>
+
+<file path=ppt/slides/slide19.xml><?xml version="1.0" encoding="utf-8"?>
+<p:sld xmlns:a="http://schemas.openxmlformats.org/drawingml/2006/main" xmlns:r="http://schemas.openxmlformats.org/officeDocument/2006/relationships" xmlns:p="http://schemas.openxmlformats.org/presentationml/2006/main">
+  <p:cSld>
+    <p:spTree>
+      <p:nvGrpSpPr>
+        <p:cNvPr id="1" name=""/>
+        <p:cNvGrpSpPr/>
+        <p:nvPr/>
+      </p:nvGrpSpPr>
+      <p:grpSpPr>
+        <a:xfrm>
+          <a:off x="0" y="0"/>
+          <a:ext cx="0" cy="0"/>
+          <a:chOff x="0" y="0"/>
+          <a:chExt cx="0" cy="0"/>
+        </a:xfrm>
+      </p:grpSpPr>
+      <p:sp>
+        <p:nvSpPr>
+          <p:cNvPr id="2" name="Title 1">
+            <a:extLst>
+              <a:ext uri="{FF2B5EF4-FFF2-40B4-BE49-F238E27FC236}">
+                <a16:creationId xmlns:a16="http://schemas.microsoft.com/office/drawing/2014/main" id="{FDF64243-0948-4551-AC22-AA9E878DAA39}"/>
+              </a:ext>
+            </a:extLst>
+          </p:cNvPr>
+          <p:cNvSpPr>
+            <a:spLocks noGrp="1"/>
+          </p:cNvSpPr>
+          <p:nvPr>
+            <p:ph type="title"/>
+          </p:nvPr>
+        </p:nvSpPr>
+        <p:spPr/>
+        <p:txBody>
+          <a:bodyPr/>
+          <a:lstStyle/>
+          <a:p>
+            <a:r>
+              <a:rPr lang="en-US" dirty="0"/>
+              <a:t>Extras</a:t>
+            </a:r>
+          </a:p>
+        </p:txBody>
+      </p:sp>
+      <p:sp>
+        <p:nvSpPr>
+          <p:cNvPr id="3" name="Text Placeholder 2">
+            <a:extLst>
+              <a:ext uri="{FF2B5EF4-FFF2-40B4-BE49-F238E27FC236}">
+                <a16:creationId xmlns:a16="http://schemas.microsoft.com/office/drawing/2014/main" id="{06AAC7D4-7661-470F-BFBC-2E5991C117C6}"/>
+              </a:ext>
+            </a:extLst>
+          </p:cNvPr>
+          <p:cNvSpPr>
+            <a:spLocks noGrp="1"/>
+          </p:cNvSpPr>
+          <p:nvPr>
+            <p:ph type="body" idx="1"/>
+          </p:nvPr>
+        </p:nvSpPr>
+        <p:spPr/>
+        <p:txBody>
+          <a:bodyPr/>
+          <a:lstStyle/>
+          <a:p>
+            <a:endParaRPr lang="en-US"/>
+          </a:p>
+        </p:txBody>
+      </p:sp>
+    </p:spTree>
+    <p:extLst>
+      <p:ext uri="{BB962C8B-B14F-4D97-AF65-F5344CB8AC3E}">
+        <p14:creationId xmlns:p14="http://schemas.microsoft.com/office/powerpoint/2010/main" val="363863944"/>
+      </p:ext>
+    </p:extLst>
+  </p:cSld>
+  <p:clrMapOvr>
+    <a:masterClrMapping/>
+  </p:clrMapOvr>
+</p:sld>
+</file>
+
 <file path=ppt/slides/slide2.xml><?xml version="1.0" encoding="utf-8"?>
 <p:sld xmlns:a="http://schemas.openxmlformats.org/drawingml/2006/main" xmlns:r="http://schemas.openxmlformats.org/officeDocument/2006/relationships" xmlns:p="http://schemas.openxmlformats.org/presentationml/2006/main">
   <p:cSld>
@@ -5841,7 +8232,7 @@
           <p:cNvPr id="2" name="Title 1">
             <a:extLst>
               <a:ext uri="{FF2B5EF4-FFF2-40B4-BE49-F238E27FC236}">
-                <a16:creationId xmlns:a16="http://schemas.microsoft.com/office/drawing/2014/main" id="{6076D1AF-58C9-4F89-8C55-12E9B65B1D97}"/>
+                <a16:creationId xmlns:a16="http://schemas.microsoft.com/office/drawing/2014/main" id="{A68DE0D4-1BAC-4CBB-B20D-B8A7E553CCDB}"/>
               </a:ext>
             </a:extLst>
           </p:cNvPr>
@@ -5855,23 +8246,333 @@
         <p:spPr/>
         <p:txBody>
           <a:bodyPr>
-            <a:normAutofit/>
+            <a:normAutofit fontScale="90000"/>
           </a:bodyPr>
           <a:lstStyle/>
           <a:p>
             <a:r>
               <a:rPr lang="en-US" dirty="0"/>
-              <a:t>Transfer Learning</a:t>
-            </a:r>
-          </a:p>
-        </p:txBody>
-      </p:sp>
-      <p:sp>
-        <p:nvSpPr>
-          <p:cNvPr id="3" name="Content Placeholder 2">
-            <a:extLst>
-              <a:ext uri="{FF2B5EF4-FFF2-40B4-BE49-F238E27FC236}">
-                <a16:creationId xmlns:a16="http://schemas.microsoft.com/office/drawing/2014/main" id="{0B1DA794-5E92-4CCA-88A7-B32B2077C0B7}"/>
+              <a:t>The Motivation: Confidence / Accuracy Dissociation</a:t>
+            </a:r>
+          </a:p>
+        </p:txBody>
+      </p:sp>
+      <p:pic>
+        <p:nvPicPr>
+          <p:cNvPr id="1026" name="Picture 2" descr="Fig. 1">
+            <a:extLst>
+              <a:ext uri="{FF2B5EF4-FFF2-40B4-BE49-F238E27FC236}">
+                <a16:creationId xmlns:a16="http://schemas.microsoft.com/office/drawing/2014/main" id="{2A94D17D-6B72-4B90-AC6C-62CBABA3FD2F}"/>
+              </a:ext>
+            </a:extLst>
+          </p:cNvPr>
+          <p:cNvPicPr>
+            <a:picLocks noChangeAspect="1" noChangeArrowheads="1"/>
+          </p:cNvPicPr>
+          <p:nvPr/>
+        </p:nvPicPr>
+        <p:blipFill>
+          <a:blip r:embed="rId2">
+            <a:extLst>
+              <a:ext uri="{28A0092B-C50C-407E-A947-70E740481C1C}">
+                <a14:useLocalDpi xmlns:a14="http://schemas.microsoft.com/office/drawing/2010/main" val="0"/>
+              </a:ext>
+            </a:extLst>
+          </a:blip>
+          <a:srcRect/>
+          <a:stretch>
+            <a:fillRect/>
+          </a:stretch>
+        </p:blipFill>
+        <p:spPr bwMode="auto">
+          <a:xfrm>
+            <a:off x="504133" y="2411557"/>
+            <a:ext cx="6139295" cy="2034886"/>
+          </a:xfrm>
+          <a:prstGeom prst="rect">
+            <a:avLst/>
+          </a:prstGeom>
+          <a:noFill/>
+          <a:extLst>
+            <a:ext uri="{909E8E84-426E-40DD-AFC4-6F175D3DCCD1}">
+              <a14:hiddenFill xmlns:a14="http://schemas.microsoft.com/office/drawing/2010/main">
+                <a:solidFill>
+                  <a:srgbClr val="FFFFFF"/>
+                </a:solidFill>
+              </a14:hiddenFill>
+            </a:ext>
+          </a:extLst>
+        </p:spPr>
+      </p:pic>
+      <p:pic>
+        <p:nvPicPr>
+          <p:cNvPr id="5" name="Picture 4">
+            <a:extLst>
+              <a:ext uri="{FF2B5EF4-FFF2-40B4-BE49-F238E27FC236}">
+                <a16:creationId xmlns:a16="http://schemas.microsoft.com/office/drawing/2014/main" id="{1EC70DD5-A0BC-4F2B-A6AC-17CFE0DD8C07}"/>
+              </a:ext>
+            </a:extLst>
+          </p:cNvPr>
+          <p:cNvPicPr>
+            <a:picLocks noChangeAspect="1"/>
+          </p:cNvPicPr>
+          <p:nvPr/>
+        </p:nvPicPr>
+        <p:blipFill>
+          <a:blip r:embed="rId3"/>
+          <a:stretch>
+            <a:fillRect/>
+          </a:stretch>
+        </p:blipFill>
+        <p:spPr>
+          <a:xfrm>
+            <a:off x="7914550" y="2536696"/>
+            <a:ext cx="3647619" cy="3019048"/>
+          </a:xfrm>
+          <a:prstGeom prst="rect">
+            <a:avLst/>
+          </a:prstGeom>
+        </p:spPr>
+      </p:pic>
+      <p:sp>
+        <p:nvSpPr>
+          <p:cNvPr id="9" name="TextBox 8">
+            <a:extLst>
+              <a:ext uri="{FF2B5EF4-FFF2-40B4-BE49-F238E27FC236}">
+                <a16:creationId xmlns:a16="http://schemas.microsoft.com/office/drawing/2014/main" id="{64CAB73C-8189-428D-A716-0AD220FCEDC2}"/>
+              </a:ext>
+            </a:extLst>
+          </p:cNvPr>
+          <p:cNvSpPr txBox="1"/>
+          <p:nvPr/>
+        </p:nvSpPr>
+        <p:spPr>
+          <a:xfrm>
+            <a:off x="504133" y="4759559"/>
+            <a:ext cx="6894887" cy="923330"/>
+          </a:xfrm>
+          <a:prstGeom prst="rect">
+            <a:avLst/>
+          </a:prstGeom>
+          <a:noFill/>
+        </p:spPr>
+        <p:txBody>
+          <a:bodyPr wrap="square">
+            <a:spAutoFit/>
+          </a:bodyPr>
+          <a:lstStyle/>
+          <a:p>
+            <a:pPr marL="285750" indent="-285750">
+              <a:buFont typeface="Arial" panose="020B0604020202020204" pitchFamily="34" charset="0"/>
+              <a:buChar char="•"/>
+            </a:pPr>
+            <a:r>
+              <a:rPr lang="en-US" b="0" i="0" dirty="0">
+                <a:solidFill>
+                  <a:srgbClr val="333333"/>
+                </a:solidFill>
+                <a:effectLst/>
+                <a:latin typeface="Georgia" panose="02040502050405020303" pitchFamily="18" charset="0"/>
+              </a:rPr>
+              <a:t>Experiment: which side contained the grating? </a:t>
+            </a:r>
+          </a:p>
+          <a:p>
+            <a:pPr marL="285750" indent="-285750">
+              <a:buFont typeface="Arial" panose="020B0604020202020204" pitchFamily="34" charset="0"/>
+              <a:buChar char="•"/>
+            </a:pPr>
+            <a:r>
+              <a:rPr lang="en-US" b="0" i="0" dirty="0">
+                <a:solidFill>
+                  <a:srgbClr val="333333"/>
+                </a:solidFill>
+                <a:effectLst/>
+                <a:latin typeface="Georgia" panose="02040502050405020303" pitchFamily="18" charset="0"/>
+              </a:rPr>
+              <a:t>S1 stimulus: Constant contrast for grating on one side of screen</a:t>
+            </a:r>
+          </a:p>
+          <a:p>
+            <a:pPr marL="285750" indent="-285750">
+              <a:buFont typeface="Arial" panose="020B0604020202020204" pitchFamily="34" charset="0"/>
+              <a:buChar char="•"/>
+            </a:pPr>
+            <a:r>
+              <a:rPr lang="en-US" b="0" i="0" dirty="0">
+                <a:solidFill>
+                  <a:srgbClr val="333333"/>
+                </a:solidFill>
+                <a:effectLst/>
+                <a:latin typeface="Georgia" panose="02040502050405020303" pitchFamily="18" charset="0"/>
+              </a:rPr>
+              <a:t>S2 stimulus:</a:t>
+            </a:r>
+            <a:r>
+              <a:rPr lang="en-US" dirty="0"/>
+              <a:t> </a:t>
+            </a:r>
+            <a:r>
+              <a:rPr lang="en-US" b="0" i="0" dirty="0">
+                <a:solidFill>
+                  <a:srgbClr val="333333"/>
+                </a:solidFill>
+                <a:effectLst/>
+                <a:latin typeface="Georgia" panose="02040502050405020303" pitchFamily="18" charset="0"/>
+              </a:rPr>
+              <a:t>Varied contrast (5) on the other side</a:t>
+            </a:r>
+            <a:endParaRPr lang="en-US" dirty="0"/>
+          </a:p>
+        </p:txBody>
+      </p:sp>
+      <p:sp>
+        <p:nvSpPr>
+          <p:cNvPr id="11" name="TextBox 10">
+            <a:extLst>
+              <a:ext uri="{FF2B5EF4-FFF2-40B4-BE49-F238E27FC236}">
+                <a16:creationId xmlns:a16="http://schemas.microsoft.com/office/drawing/2014/main" id="{8F43B4C0-9BCE-4D78-8C29-43371A9BA5C8}"/>
+              </a:ext>
+            </a:extLst>
+          </p:cNvPr>
+          <p:cNvSpPr txBox="1"/>
+          <p:nvPr/>
+        </p:nvSpPr>
+        <p:spPr>
+          <a:xfrm>
+            <a:off x="6096000" y="6488668"/>
+            <a:ext cx="6096000" cy="369332"/>
+          </a:xfrm>
+          <a:prstGeom prst="rect">
+            <a:avLst/>
+          </a:prstGeom>
+          <a:noFill/>
+        </p:spPr>
+        <p:txBody>
+          <a:bodyPr wrap="square">
+            <a:spAutoFit/>
+          </a:bodyPr>
+          <a:lstStyle/>
+          <a:p>
+            <a:pPr algn="r"/>
+            <a:r>
+              <a:rPr lang="en-US" dirty="0"/>
+              <a:t>Maniscalco, Peters &amp; Lau, 2016</a:t>
+            </a:r>
+          </a:p>
+        </p:txBody>
+      </p:sp>
+    </p:spTree>
+    <p:extLst>
+      <p:ext uri="{BB962C8B-B14F-4D97-AF65-F5344CB8AC3E}">
+        <p14:creationId xmlns:p14="http://schemas.microsoft.com/office/powerpoint/2010/main" val="2205483535"/>
+      </p:ext>
+    </p:extLst>
+  </p:cSld>
+  <p:clrMapOvr>
+    <a:masterClrMapping/>
+  </p:clrMapOvr>
+  <p:timing>
+    <p:tnLst>
+      <p:par>
+        <p:cTn id="1" dur="indefinite" restart="never" nodeType="tmRoot">
+          <p:childTnLst>
+            <p:seq concurrent="1" nextAc="seek">
+              <p:cTn id="2" dur="indefinite" nodeType="mainSeq">
+                <p:childTnLst>
+                  <p:par>
+                    <p:cTn id="3" fill="hold">
+                      <p:stCondLst>
+                        <p:cond delay="indefinite"/>
+                      </p:stCondLst>
+                      <p:childTnLst>
+                        <p:par>
+                          <p:cTn id="4" fill="hold">
+                            <p:stCondLst>
+                              <p:cond delay="0"/>
+                            </p:stCondLst>
+                            <p:childTnLst>
+                              <p:par>
+                                <p:cTn id="5" presetID="1" presetClass="entr" presetSubtype="0" fill="hold" nodeType="clickEffect">
+                                  <p:stCondLst>
+                                    <p:cond delay="0"/>
+                                  </p:stCondLst>
+                                  <p:childTnLst>
+                                    <p:set>
+                                      <p:cBhvr>
+                                        <p:cTn id="6" dur="1" fill="hold">
+                                          <p:stCondLst>
+                                            <p:cond delay="0"/>
+                                          </p:stCondLst>
+                                        </p:cTn>
+                                        <p:tgtEl>
+                                          <p:spTgt spid="5"/>
+                                        </p:tgtEl>
+                                        <p:attrNameLst>
+                                          <p:attrName>style.visibility</p:attrName>
+                                        </p:attrNameLst>
+                                      </p:cBhvr>
+                                      <p:to>
+                                        <p:strVal val="visible"/>
+                                      </p:to>
+                                    </p:set>
+                                  </p:childTnLst>
+                                </p:cTn>
+                              </p:par>
+                            </p:childTnLst>
+                          </p:cTn>
+                        </p:par>
+                      </p:childTnLst>
+                    </p:cTn>
+                  </p:par>
+                </p:childTnLst>
+              </p:cTn>
+              <p:prevCondLst>
+                <p:cond evt="onPrev" delay="0">
+                  <p:tgtEl>
+                    <p:sldTgt/>
+                  </p:tgtEl>
+                </p:cond>
+              </p:prevCondLst>
+              <p:nextCondLst>
+                <p:cond evt="onNext" delay="0">
+                  <p:tgtEl>
+                    <p:sldTgt/>
+                  </p:tgtEl>
+                </p:cond>
+              </p:nextCondLst>
+            </p:seq>
+          </p:childTnLst>
+        </p:cTn>
+      </p:par>
+    </p:tnLst>
+  </p:timing>
+</p:sld>
+</file>
+
+<file path=ppt/slides/slide20.xml><?xml version="1.0" encoding="utf-8"?>
+<p:sld xmlns:a="http://schemas.openxmlformats.org/drawingml/2006/main" xmlns:r="http://schemas.openxmlformats.org/officeDocument/2006/relationships" xmlns:p="http://schemas.openxmlformats.org/presentationml/2006/main">
+  <p:cSld>
+    <p:spTree>
+      <p:nvGrpSpPr>
+        <p:cNvPr id="1" name=""/>
+        <p:cNvGrpSpPr/>
+        <p:nvPr/>
+      </p:nvGrpSpPr>
+      <p:grpSpPr>
+        <a:xfrm>
+          <a:off x="0" y="0"/>
+          <a:ext cx="0" cy="0"/>
+          <a:chOff x="0" y="0"/>
+          <a:chExt cx="0" cy="0"/>
+        </a:xfrm>
+      </p:grpSpPr>
+      <p:sp>
+        <p:nvSpPr>
+          <p:cNvPr id="2" name="Title 1">
+            <a:extLst>
+              <a:ext uri="{FF2B5EF4-FFF2-40B4-BE49-F238E27FC236}">
+                <a16:creationId xmlns:a16="http://schemas.microsoft.com/office/drawing/2014/main" id="{B102782D-20EE-4F01-AB9E-5450133235AA}"/>
               </a:ext>
             </a:extLst>
           </p:cNvPr>
@@ -5879,35 +8580,236 @@
             <a:spLocks noGrp="1"/>
           </p:cNvSpPr>
           <p:nvPr>
-            <p:ph idx="1"/>
-          </p:nvPr>
-        </p:nvSpPr>
-        <p:spPr>
-          <a:xfrm>
-            <a:off x="1115567" y="2478023"/>
-            <a:ext cx="5493661" cy="3727795"/>
-          </a:xfrm>
-        </p:spPr>
+            <p:ph type="title"/>
+          </p:nvPr>
+        </p:nvSpPr>
+        <p:spPr/>
         <p:txBody>
           <a:bodyPr>
-            <a:normAutofit/>
+            <a:normAutofit fontScale="90000"/>
           </a:bodyPr>
           <a:lstStyle/>
           <a:p>
             <a:r>
               <a:rPr lang="en-US" dirty="0"/>
-              <a:t>Transfer knowledge from one domain to another</a:t>
-            </a:r>
-          </a:p>
-          <a:p>
-            <a:pPr lvl="1"/>
+              <a:t>Recent Report of Same Dissociation in Neural Network</a:t>
+            </a:r>
+          </a:p>
+        </p:txBody>
+      </p:sp>
+      <p:pic>
+        <p:nvPicPr>
+          <p:cNvPr id="7" name="Picture 6">
+            <a:extLst>
+              <a:ext uri="{FF2B5EF4-FFF2-40B4-BE49-F238E27FC236}">
+                <a16:creationId xmlns:a16="http://schemas.microsoft.com/office/drawing/2014/main" id="{0A53B92F-FECA-4724-B0BD-0A22B090D4D0}"/>
+              </a:ext>
+            </a:extLst>
+          </p:cNvPr>
+          <p:cNvPicPr>
+            <a:picLocks noChangeAspect="1"/>
+          </p:cNvPicPr>
+          <p:nvPr/>
+        </p:nvPicPr>
+        <p:blipFill>
+          <a:blip r:embed="rId2">
+            <a:extLst>
+              <a:ext uri="{28A0092B-C50C-407E-A947-70E740481C1C}">
+                <a14:useLocalDpi xmlns:a14="http://schemas.microsoft.com/office/drawing/2010/main" val="0"/>
+              </a:ext>
+            </a:extLst>
+          </a:blip>
+          <a:srcRect/>
+          <a:stretch/>
+        </p:blipFill>
+        <p:spPr>
+          <a:xfrm>
+            <a:off x="4919355" y="2770532"/>
+            <a:ext cx="3542009" cy="2816616"/>
+          </a:xfrm>
+          <a:prstGeom prst="rect">
+            <a:avLst/>
+          </a:prstGeom>
+        </p:spPr>
+      </p:pic>
+      <p:sp>
+        <p:nvSpPr>
+          <p:cNvPr id="8" name="TextBox 7">
+            <a:extLst>
+              <a:ext uri="{FF2B5EF4-FFF2-40B4-BE49-F238E27FC236}">
+                <a16:creationId xmlns:a16="http://schemas.microsoft.com/office/drawing/2014/main" id="{AE909420-76AF-4C27-B26F-06CC9BDE422E}"/>
+              </a:ext>
+            </a:extLst>
+          </p:cNvPr>
+          <p:cNvSpPr txBox="1"/>
+          <p:nvPr/>
+        </p:nvSpPr>
+        <p:spPr>
+          <a:xfrm>
+            <a:off x="726829" y="4663818"/>
+            <a:ext cx="3916713" cy="923330"/>
+          </a:xfrm>
+          <a:prstGeom prst="rect">
+            <a:avLst/>
+          </a:prstGeom>
+          <a:noFill/>
+        </p:spPr>
+        <p:txBody>
+          <a:bodyPr wrap="none" rtlCol="0">
+            <a:spAutoFit/>
+          </a:bodyPr>
+          <a:lstStyle/>
+          <a:p>
+            <a:pPr marL="285750" indent="-285750">
+              <a:buFont typeface="Arial" panose="020B0604020202020204" pitchFamily="34" charset="0"/>
+              <a:buChar char="•"/>
+            </a:pPr>
+            <a:r>
+              <a:rPr lang="en-US" dirty="0"/>
+              <a:t>2-choice MNIST (</a:t>
+            </a:r>
             <a:r>
               <a:rPr lang="en-US" dirty="0" err="1"/>
               <a:t>ie</a:t>
             </a:r>
             <a:r>
               <a:rPr lang="en-US" dirty="0"/>
-              <a:t>: trained weights in a particular neural network architecture</a:t>
+              <a:t>: 3 &amp; 9)</a:t>
+            </a:r>
+          </a:p>
+          <a:p>
+            <a:pPr marL="285750" indent="-285750">
+              <a:buFont typeface="Arial" panose="020B0604020202020204" pitchFamily="34" charset="0"/>
+              <a:buChar char="•"/>
+            </a:pPr>
+            <a:r>
+              <a:rPr lang="en-US" dirty="0"/>
+              <a:t>5 contrast values used</a:t>
+            </a:r>
+          </a:p>
+          <a:p>
+            <a:pPr marL="742950" lvl="1" indent="-285750">
+              <a:buFont typeface="Arial" panose="020B0604020202020204" pitchFamily="34" charset="0"/>
+              <a:buChar char="•"/>
+            </a:pPr>
+            <a:r>
+              <a:rPr lang="en-US" dirty="0"/>
+              <a:t>0.05,  0.16, 0.36, 0.58 &amp; 0.81</a:t>
+            </a:r>
+          </a:p>
+        </p:txBody>
+      </p:sp>
+      <p:pic>
+        <p:nvPicPr>
+          <p:cNvPr id="10" name="Picture 9">
+            <a:extLst>
+              <a:ext uri="{FF2B5EF4-FFF2-40B4-BE49-F238E27FC236}">
+                <a16:creationId xmlns:a16="http://schemas.microsoft.com/office/drawing/2014/main" id="{18873364-9636-4079-8201-F53044C4FBE7}"/>
+              </a:ext>
+            </a:extLst>
+          </p:cNvPr>
+          <p:cNvPicPr>
+            <a:picLocks noChangeAspect="1"/>
+          </p:cNvPicPr>
+          <p:nvPr/>
+        </p:nvPicPr>
+        <p:blipFill>
+          <a:blip r:embed="rId3"/>
+          <a:stretch>
+            <a:fillRect/>
+          </a:stretch>
+        </p:blipFill>
+        <p:spPr>
+          <a:xfrm>
+            <a:off x="726829" y="2418860"/>
+            <a:ext cx="2569700" cy="2015979"/>
+          </a:xfrm>
+          <a:prstGeom prst="rect">
+            <a:avLst/>
+          </a:prstGeom>
+        </p:spPr>
+      </p:pic>
+      <p:sp>
+        <p:nvSpPr>
+          <p:cNvPr id="11" name="TextBox 10">
+            <a:extLst>
+              <a:ext uri="{FF2B5EF4-FFF2-40B4-BE49-F238E27FC236}">
+                <a16:creationId xmlns:a16="http://schemas.microsoft.com/office/drawing/2014/main" id="{E2F1AFEF-925A-45C6-AA13-FEC19C08DA82}"/>
+              </a:ext>
+            </a:extLst>
+          </p:cNvPr>
+          <p:cNvSpPr txBox="1"/>
+          <p:nvPr/>
+        </p:nvSpPr>
+        <p:spPr>
+          <a:xfrm>
+            <a:off x="6096000" y="6488668"/>
+            <a:ext cx="6096000" cy="369332"/>
+          </a:xfrm>
+          <a:prstGeom prst="rect">
+            <a:avLst/>
+          </a:prstGeom>
+          <a:noFill/>
+        </p:spPr>
+        <p:txBody>
+          <a:bodyPr wrap="square">
+            <a:spAutoFit/>
+          </a:bodyPr>
+          <a:lstStyle/>
+          <a:p>
+            <a:pPr algn="r"/>
+            <a:r>
+              <a:rPr lang="en-US" dirty="0"/>
+              <a:t>Webb et al., 2021 (Preprint)</a:t>
+            </a:r>
+          </a:p>
+        </p:txBody>
+      </p:sp>
+      <p:sp>
+        <p:nvSpPr>
+          <p:cNvPr id="12" name="TextBox 11">
+            <a:extLst>
+              <a:ext uri="{FF2B5EF4-FFF2-40B4-BE49-F238E27FC236}">
+                <a16:creationId xmlns:a16="http://schemas.microsoft.com/office/drawing/2014/main" id="{44446467-4AFE-47C0-A8C2-FD71C2751D23}"/>
+              </a:ext>
+            </a:extLst>
+          </p:cNvPr>
+          <p:cNvSpPr txBox="1"/>
+          <p:nvPr/>
+        </p:nvSpPr>
+        <p:spPr>
+          <a:xfrm>
+            <a:off x="8737177" y="2682240"/>
+            <a:ext cx="3127164" cy="2308324"/>
+          </a:xfrm>
+          <a:prstGeom prst="rect">
+            <a:avLst/>
+          </a:prstGeom>
+          <a:noFill/>
+        </p:spPr>
+        <p:txBody>
+          <a:bodyPr wrap="square" rtlCol="0">
+            <a:spAutoFit/>
+          </a:bodyPr>
+          <a:lstStyle/>
+          <a:p>
+            <a:pPr marL="285750" indent="-285750">
+              <a:buFont typeface="Arial" panose="020B0604020202020204" pitchFamily="34" charset="0"/>
+              <a:buChar char="•"/>
+            </a:pPr>
+            <a:r>
+              <a:rPr lang="en-US" dirty="0"/>
+              <a:t>This dissociation is across fixed noise and contrast levels </a:t>
+            </a:r>
+          </a:p>
+          <a:p>
+            <a:pPr marL="285750" indent="-285750">
+              <a:buFont typeface="Arial" panose="020B0604020202020204" pitchFamily="34" charset="0"/>
+              <a:buChar char="•"/>
+            </a:pPr>
+            <a:r>
+              <a:rPr lang="en-US" dirty="0"/>
+              <a:t>Followed up with PCA analysis showing network dependence on shared variable between decision &amp; confidence</a:t>
             </a:r>
           </a:p>
         </p:txBody>
@@ -5915,7 +8817,7 @@
     </p:spTree>
     <p:extLst>
       <p:ext uri="{BB962C8B-B14F-4D97-AF65-F5344CB8AC3E}">
-        <p14:creationId xmlns:p14="http://schemas.microsoft.com/office/powerpoint/2010/main" val="644418184"/>
+        <p14:creationId xmlns:p14="http://schemas.microsoft.com/office/powerpoint/2010/main" val="3586242655"/>
       </p:ext>
     </p:extLst>
   </p:cSld>
@@ -5947,7 +8849,7 @@
           <p:cNvPr id="2" name="Title 1">
             <a:extLst>
               <a:ext uri="{FF2B5EF4-FFF2-40B4-BE49-F238E27FC236}">
-                <a16:creationId xmlns:a16="http://schemas.microsoft.com/office/drawing/2014/main" id="{6076D1AF-58C9-4F89-8C55-12E9B65B1D97}"/>
+                <a16:creationId xmlns:a16="http://schemas.microsoft.com/office/drawing/2014/main" id="{6553A3D6-B135-4E30-8C2D-AD2D9AE7BA0E}"/>
               </a:ext>
             </a:extLst>
           </p:cNvPr>
@@ -5960,59 +8862,215 @@
         </p:nvSpPr>
         <p:spPr/>
         <p:txBody>
-          <a:bodyPr>
-            <a:normAutofit/>
+          <a:bodyPr/>
+          <a:lstStyle/>
+          <a:p>
+            <a:r>
+              <a:rPr lang="en-US" dirty="0"/>
+              <a:t>Our Experiment</a:t>
+            </a:r>
+          </a:p>
+        </p:txBody>
+      </p:sp>
+      <p:sp>
+        <p:nvSpPr>
+          <p:cNvPr id="4" name="Rectangle 3">
+            <a:extLst>
+              <a:ext uri="{FF2B5EF4-FFF2-40B4-BE49-F238E27FC236}">
+                <a16:creationId xmlns:a16="http://schemas.microsoft.com/office/drawing/2014/main" id="{E0C7C9E2-5744-4BFA-8F7E-F7DEE8B18352}"/>
+              </a:ext>
+            </a:extLst>
+          </p:cNvPr>
+          <p:cNvSpPr/>
+          <p:nvPr/>
+        </p:nvSpPr>
+        <p:spPr>
+          <a:xfrm>
+            <a:off x="944880" y="3185160"/>
+            <a:ext cx="1783080" cy="1699260"/>
+          </a:xfrm>
+          <a:prstGeom prst="rect">
+            <a:avLst/>
+          </a:prstGeom>
+          <a:noFill/>
+          <a:ln>
+            <a:solidFill>
+              <a:schemeClr val="tx1"/>
+            </a:solidFill>
+          </a:ln>
+        </p:spPr>
+        <p:style>
+          <a:lnRef idx="2">
+            <a:schemeClr val="accent1">
+              <a:shade val="50000"/>
+            </a:schemeClr>
+          </a:lnRef>
+          <a:fillRef idx="1">
+            <a:schemeClr val="accent1"/>
+          </a:fillRef>
+          <a:effectRef idx="0">
+            <a:schemeClr val="accent1"/>
+          </a:effectRef>
+          <a:fontRef idx="minor">
+            <a:schemeClr val="lt1"/>
+          </a:fontRef>
+        </p:style>
+        <p:txBody>
+          <a:bodyPr rtlCol="0" anchor="ctr"/>
+          <a:lstStyle/>
+          <a:p>
+            <a:pPr algn="ctr"/>
+            <a:endParaRPr lang="en-US"/>
+          </a:p>
+        </p:txBody>
+      </p:sp>
+      <p:sp>
+        <p:nvSpPr>
+          <p:cNvPr id="5" name="Plus Sign 4">
+            <a:extLst>
+              <a:ext uri="{FF2B5EF4-FFF2-40B4-BE49-F238E27FC236}">
+                <a16:creationId xmlns:a16="http://schemas.microsoft.com/office/drawing/2014/main" id="{4C11A07D-4B90-40FB-85B6-22EDCD2584F1}"/>
+              </a:ext>
+            </a:extLst>
+          </p:cNvPr>
+          <p:cNvSpPr/>
+          <p:nvPr/>
+        </p:nvSpPr>
+        <p:spPr>
+          <a:xfrm>
+            <a:off x="1726970" y="3935290"/>
+            <a:ext cx="218900" cy="199000"/>
+          </a:xfrm>
+          <a:prstGeom prst="mathPlus">
+            <a:avLst/>
+          </a:prstGeom>
+          <a:solidFill>
+            <a:schemeClr val="tx1"/>
+          </a:solidFill>
+          <a:ln>
+            <a:solidFill>
+              <a:schemeClr val="tx1"/>
+            </a:solidFill>
+          </a:ln>
+        </p:spPr>
+        <p:style>
+          <a:lnRef idx="2">
+            <a:schemeClr val="accent1">
+              <a:shade val="50000"/>
+            </a:schemeClr>
+          </a:lnRef>
+          <a:fillRef idx="1">
+            <a:schemeClr val="accent1"/>
+          </a:fillRef>
+          <a:effectRef idx="0">
+            <a:schemeClr val="accent1"/>
+          </a:effectRef>
+          <a:fontRef idx="minor">
+            <a:schemeClr val="lt1"/>
+          </a:fontRef>
+        </p:style>
+        <p:txBody>
+          <a:bodyPr rtlCol="0" anchor="ctr"/>
+          <a:lstStyle/>
+          <a:p>
+            <a:pPr algn="ctr"/>
+            <a:endParaRPr lang="en-US"/>
+          </a:p>
+        </p:txBody>
+      </p:sp>
+      <p:sp>
+        <p:nvSpPr>
+          <p:cNvPr id="6" name="TextBox 5">
+            <a:extLst>
+              <a:ext uri="{FF2B5EF4-FFF2-40B4-BE49-F238E27FC236}">
+                <a16:creationId xmlns:a16="http://schemas.microsoft.com/office/drawing/2014/main" id="{69CF40DC-25D5-43AA-8627-83982DC98C2A}"/>
+              </a:ext>
+            </a:extLst>
+          </p:cNvPr>
+          <p:cNvSpPr txBox="1"/>
+          <p:nvPr/>
+        </p:nvSpPr>
+        <p:spPr>
+          <a:xfrm>
+            <a:off x="1462279" y="5181600"/>
+            <a:ext cx="748282" cy="369332"/>
+          </a:xfrm>
+          <a:prstGeom prst="rect">
+            <a:avLst/>
+          </a:prstGeom>
+          <a:noFill/>
+        </p:spPr>
+        <p:txBody>
+          <a:bodyPr wrap="none" rtlCol="0">
+            <a:spAutoFit/>
           </a:bodyPr>
           <a:lstStyle/>
           <a:p>
             <a:r>
               <a:rPr lang="en-US" dirty="0"/>
-              <a:t>Transfer Learning</a:t>
-            </a:r>
-          </a:p>
-        </p:txBody>
-      </p:sp>
-      <p:sp>
-        <p:nvSpPr>
-          <p:cNvPr id="3" name="Content Placeholder 2">
-            <a:extLst>
-              <a:ext uri="{FF2B5EF4-FFF2-40B4-BE49-F238E27FC236}">
-                <a16:creationId xmlns:a16="http://schemas.microsoft.com/office/drawing/2014/main" id="{0B1DA794-5E92-4CCA-88A7-B32B2077C0B7}"/>
-              </a:ext>
-            </a:extLst>
-          </p:cNvPr>
-          <p:cNvSpPr>
-            <a:spLocks noGrp="1"/>
-          </p:cNvSpPr>
-          <p:nvPr>
-            <p:ph idx="1"/>
-          </p:nvPr>
-        </p:nvSpPr>
-        <p:spPr>
-          <a:xfrm>
-            <a:off x="1115567" y="2478023"/>
-            <a:ext cx="4659945" cy="3727795"/>
-          </a:xfrm>
-        </p:spPr>
-        <p:txBody>
-          <a:bodyPr>
-            <a:normAutofit/>
-          </a:bodyPr>
-          <a:lstStyle/>
-          <a:p>
-            <a:r>
-              <a:rPr lang="en-US" dirty="0"/>
-              <a:t>Step 1: Setup architecture</a:t>
-            </a:r>
+              <a:t>fixate</a:t>
+            </a:r>
+          </a:p>
+        </p:txBody>
+      </p:sp>
+      <p:sp>
+        <p:nvSpPr>
+          <p:cNvPr id="7" name="Arrow: Right 6">
+            <a:extLst>
+              <a:ext uri="{FF2B5EF4-FFF2-40B4-BE49-F238E27FC236}">
+                <a16:creationId xmlns:a16="http://schemas.microsoft.com/office/drawing/2014/main" id="{840C20F0-6969-4E6C-8461-54FB3337EE79}"/>
+              </a:ext>
+            </a:extLst>
+          </p:cNvPr>
+          <p:cNvSpPr/>
+          <p:nvPr/>
+        </p:nvSpPr>
+        <p:spPr>
+          <a:xfrm>
+            <a:off x="3093720" y="3792474"/>
+            <a:ext cx="978408" cy="484632"/>
+          </a:xfrm>
+          <a:prstGeom prst="rightArrow">
+            <a:avLst/>
+          </a:prstGeom>
+          <a:noFill/>
+          <a:ln>
+            <a:solidFill>
+              <a:schemeClr val="tx1"/>
+            </a:solidFill>
+          </a:ln>
+        </p:spPr>
+        <p:style>
+          <a:lnRef idx="2">
+            <a:schemeClr val="accent1">
+              <a:shade val="50000"/>
+            </a:schemeClr>
+          </a:lnRef>
+          <a:fillRef idx="1">
+            <a:schemeClr val="accent1"/>
+          </a:fillRef>
+          <a:effectRef idx="0">
+            <a:schemeClr val="accent1"/>
+          </a:effectRef>
+          <a:fontRef idx="minor">
+            <a:schemeClr val="lt1"/>
+          </a:fontRef>
+        </p:style>
+        <p:txBody>
+          <a:bodyPr rtlCol="0" anchor="ctr"/>
+          <a:lstStyle/>
+          <a:p>
+            <a:pPr algn="ctr"/>
+            <a:endParaRPr lang="en-US"/>
           </a:p>
         </p:txBody>
       </p:sp>
       <p:pic>
         <p:nvPicPr>
-          <p:cNvPr id="22" name="Graphic 21">
-            <a:extLst>
-              <a:ext uri="{FF2B5EF4-FFF2-40B4-BE49-F238E27FC236}">
-                <a16:creationId xmlns:a16="http://schemas.microsoft.com/office/drawing/2014/main" id="{141E7829-5479-4DA3-AE10-7629A51538D8}"/>
+          <p:cNvPr id="10" name="Picture 9" descr="A picture containing nature&#10;&#10;Description automatically generated">
+            <a:extLst>
+              <a:ext uri="{FF2B5EF4-FFF2-40B4-BE49-F238E27FC236}">
+                <a16:creationId xmlns:a16="http://schemas.microsoft.com/office/drawing/2014/main" id="{2E7F9E29-8455-4331-8B3C-4479511375A8}"/>
               </a:ext>
             </a:extLst>
           </p:cNvPr>
@@ -6027,9 +9085,6 @@
               <a:ext uri="{28A0092B-C50C-407E-A947-70E740481C1C}">
                 <a14:useLocalDpi xmlns:a14="http://schemas.microsoft.com/office/drawing/2010/main" val="0"/>
               </a:ext>
-              <a:ext uri="{96DAC541-7B7A-43D3-8B79-37D633B846F1}">
-                <asvg:svgBlip xmlns:asvg="http://schemas.microsoft.com/office/drawing/2016/SVG/main" r:embed="rId3"/>
-              </a:ext>
             </a:extLst>
           </a:blip>
           <a:stretch>
@@ -6038,20 +9093,144 @@
         </p:blipFill>
         <p:spPr>
           <a:xfrm>
-            <a:off x="6403866" y="2432158"/>
-            <a:ext cx="5343525" cy="3819525"/>
+            <a:off x="4567874" y="2222805"/>
+            <a:ext cx="1437002" cy="1437002"/>
           </a:xfrm>
           <a:prstGeom prst="rect">
             <a:avLst/>
           </a:prstGeom>
         </p:spPr>
       </p:pic>
-      <p:sp>
-        <p:nvSpPr>
-          <p:cNvPr id="4" name="TextBox 3">
-            <a:extLst>
-              <a:ext uri="{FF2B5EF4-FFF2-40B4-BE49-F238E27FC236}">
-                <a16:creationId xmlns:a16="http://schemas.microsoft.com/office/drawing/2014/main" id="{5B50F59A-6E1D-4018-A5D5-A54B96A75237}"/>
+      <p:pic>
+        <p:nvPicPr>
+          <p:cNvPr id="12" name="Picture 11" descr="A picture containing silhouette&#10;&#10;Description automatically generated">
+            <a:extLst>
+              <a:ext uri="{FF2B5EF4-FFF2-40B4-BE49-F238E27FC236}">
+                <a16:creationId xmlns:a16="http://schemas.microsoft.com/office/drawing/2014/main" id="{984A753F-A716-497A-BBB1-C0DC100E7433}"/>
+              </a:ext>
+            </a:extLst>
+          </p:cNvPr>
+          <p:cNvPicPr>
+            <a:picLocks noChangeAspect="1"/>
+          </p:cNvPicPr>
+          <p:nvPr/>
+        </p:nvPicPr>
+        <p:blipFill>
+          <a:blip r:embed="rId3">
+            <a:extLst>
+              <a:ext uri="{28A0092B-C50C-407E-A947-70E740481C1C}">
+                <a14:useLocalDpi xmlns:a14="http://schemas.microsoft.com/office/drawing/2010/main" val="0"/>
+              </a:ext>
+            </a:extLst>
+          </a:blip>
+          <a:stretch>
+            <a:fillRect/>
+          </a:stretch>
+        </p:blipFill>
+        <p:spPr>
+          <a:xfrm>
+            <a:off x="4567874" y="3744598"/>
+            <a:ext cx="1437002" cy="1437002"/>
+          </a:xfrm>
+          <a:prstGeom prst="rect">
+            <a:avLst/>
+          </a:prstGeom>
+        </p:spPr>
+      </p:pic>
+      <p:pic>
+        <p:nvPicPr>
+          <p:cNvPr id="14" name="Picture 13">
+            <a:extLst>
+              <a:ext uri="{FF2B5EF4-FFF2-40B4-BE49-F238E27FC236}">
+                <a16:creationId xmlns:a16="http://schemas.microsoft.com/office/drawing/2014/main" id="{0601E03C-75C1-46ED-B218-45B278BAD6D5}"/>
+              </a:ext>
+            </a:extLst>
+          </p:cNvPr>
+          <p:cNvPicPr>
+            <a:picLocks noChangeAspect="1"/>
+          </p:cNvPicPr>
+          <p:nvPr/>
+        </p:nvPicPr>
+        <p:blipFill>
+          <a:blip r:embed="rId4">
+            <a:extLst>
+              <a:ext uri="{28A0092B-C50C-407E-A947-70E740481C1C}">
+                <a14:useLocalDpi xmlns:a14="http://schemas.microsoft.com/office/drawing/2010/main" val="0"/>
+              </a:ext>
+            </a:extLst>
+          </a:blip>
+          <a:stretch>
+            <a:fillRect/>
+          </a:stretch>
+        </p:blipFill>
+        <p:spPr>
+          <a:xfrm>
+            <a:off x="4567874" y="5266391"/>
+            <a:ext cx="1437002" cy="1437002"/>
+          </a:xfrm>
+          <a:prstGeom prst="rect">
+            <a:avLst/>
+          </a:prstGeom>
+        </p:spPr>
+      </p:pic>
+      <p:sp>
+        <p:nvSpPr>
+          <p:cNvPr id="15" name="Arrow: Right 14">
+            <a:extLst>
+              <a:ext uri="{FF2B5EF4-FFF2-40B4-BE49-F238E27FC236}">
+                <a16:creationId xmlns:a16="http://schemas.microsoft.com/office/drawing/2014/main" id="{B1CBA1E2-1707-4A81-A351-5EBC748F2EF4}"/>
+              </a:ext>
+            </a:extLst>
+          </p:cNvPr>
+          <p:cNvSpPr/>
+          <p:nvPr/>
+        </p:nvSpPr>
+        <p:spPr>
+          <a:xfrm>
+            <a:off x="6500622" y="3792474"/>
+            <a:ext cx="978408" cy="484632"/>
+          </a:xfrm>
+          <a:prstGeom prst="rightArrow">
+            <a:avLst/>
+          </a:prstGeom>
+          <a:noFill/>
+          <a:ln>
+            <a:solidFill>
+              <a:schemeClr val="tx1"/>
+            </a:solidFill>
+          </a:ln>
+        </p:spPr>
+        <p:style>
+          <a:lnRef idx="2">
+            <a:schemeClr val="accent1">
+              <a:shade val="50000"/>
+            </a:schemeClr>
+          </a:lnRef>
+          <a:fillRef idx="1">
+            <a:schemeClr val="accent1"/>
+          </a:fillRef>
+          <a:effectRef idx="0">
+            <a:schemeClr val="accent1"/>
+          </a:effectRef>
+          <a:fontRef idx="minor">
+            <a:schemeClr val="lt1"/>
+          </a:fontRef>
+        </p:style>
+        <p:txBody>
+          <a:bodyPr rtlCol="0" anchor="ctr"/>
+          <a:lstStyle/>
+          <a:p>
+            <a:pPr algn="ctr"/>
+            <a:endParaRPr lang="en-US"/>
+          </a:p>
+        </p:txBody>
+      </p:sp>
+      <p:sp>
+        <p:nvSpPr>
+          <p:cNvPr id="16" name="TextBox 15">
+            <a:extLst>
+              <a:ext uri="{FF2B5EF4-FFF2-40B4-BE49-F238E27FC236}">
+                <a16:creationId xmlns:a16="http://schemas.microsoft.com/office/drawing/2014/main" id="{34F6E63C-5B11-493C-822E-67D2F7DD5706}"/>
               </a:ext>
             </a:extLst>
           </p:cNvPr>
@@ -6060,8 +9239,8 @@
         </p:nvSpPr>
         <p:spPr>
           <a:xfrm>
-            <a:off x="6463632" y="6418726"/>
-            <a:ext cx="731290" cy="369332"/>
+            <a:off x="7746255" y="3573125"/>
+            <a:ext cx="1580703" cy="1200329"/>
           </a:xfrm>
           <a:prstGeom prst="rect">
             <a:avLst/>
@@ -6069,24 +9248,76 @@
           <a:noFill/>
         </p:spPr>
         <p:txBody>
-          <a:bodyPr wrap="none" rtlCol="0">
+          <a:bodyPr wrap="square" rtlCol="0">
             <a:spAutoFit/>
           </a:bodyPr>
           <a:lstStyle/>
           <a:p>
             <a:r>
               <a:rPr lang="en-US" dirty="0"/>
-              <a:t>input</a:t>
-            </a:r>
-          </a:p>
-        </p:txBody>
-      </p:sp>
-      <p:sp>
-        <p:nvSpPr>
-          <p:cNvPr id="6" name="TextBox 5">
-            <a:extLst>
-              <a:ext uri="{FF2B5EF4-FFF2-40B4-BE49-F238E27FC236}">
-                <a16:creationId xmlns:a16="http://schemas.microsoft.com/office/drawing/2014/main" id="{4969D3EC-FF06-4DCB-940E-B778967B4F91}"/>
+              <a:t>Clockwise or counterclockwise from 45 degrees?</a:t>
+            </a:r>
+          </a:p>
+        </p:txBody>
+      </p:sp>
+      <p:sp>
+        <p:nvSpPr>
+          <p:cNvPr id="17" name="Arrow: Right 16">
+            <a:extLst>
+              <a:ext uri="{FF2B5EF4-FFF2-40B4-BE49-F238E27FC236}">
+                <a16:creationId xmlns:a16="http://schemas.microsoft.com/office/drawing/2014/main" id="{A826DE56-4756-4885-9984-C7BFE1DFBA3C}"/>
+              </a:ext>
+            </a:extLst>
+          </p:cNvPr>
+          <p:cNvSpPr/>
+          <p:nvPr/>
+        </p:nvSpPr>
+        <p:spPr>
+          <a:xfrm>
+            <a:off x="9594183" y="3744598"/>
+            <a:ext cx="978408" cy="484632"/>
+          </a:xfrm>
+          <a:prstGeom prst="rightArrow">
+            <a:avLst/>
+          </a:prstGeom>
+          <a:noFill/>
+          <a:ln>
+            <a:solidFill>
+              <a:schemeClr val="tx1"/>
+            </a:solidFill>
+          </a:ln>
+        </p:spPr>
+        <p:style>
+          <a:lnRef idx="2">
+            <a:schemeClr val="accent1">
+              <a:shade val="50000"/>
+            </a:schemeClr>
+          </a:lnRef>
+          <a:fillRef idx="1">
+            <a:schemeClr val="accent1"/>
+          </a:fillRef>
+          <a:effectRef idx="0">
+            <a:schemeClr val="accent1"/>
+          </a:effectRef>
+          <a:fontRef idx="minor">
+            <a:schemeClr val="lt1"/>
+          </a:fontRef>
+        </p:style>
+        <p:txBody>
+          <a:bodyPr rtlCol="0" anchor="ctr"/>
+          <a:lstStyle/>
+          <a:p>
+            <a:pPr algn="ctr"/>
+            <a:endParaRPr lang="en-US"/>
+          </a:p>
+        </p:txBody>
+      </p:sp>
+      <p:sp>
+        <p:nvSpPr>
+          <p:cNvPr id="18" name="TextBox 17">
+            <a:extLst>
+              <a:ext uri="{FF2B5EF4-FFF2-40B4-BE49-F238E27FC236}">
+                <a16:creationId xmlns:a16="http://schemas.microsoft.com/office/drawing/2014/main" id="{21937E31-D85E-4912-8FD4-6A42CAA1C8B6}"/>
               </a:ext>
             </a:extLst>
           </p:cNvPr>
@@ -6095,8 +9326,8 @@
         </p:nvSpPr>
         <p:spPr>
           <a:xfrm>
-            <a:off x="8606589" y="6418726"/>
-            <a:ext cx="938077" cy="369332"/>
+            <a:off x="10611297" y="3802248"/>
+            <a:ext cx="1580703" cy="369332"/>
           </a:xfrm>
           <a:prstGeom prst="rect">
             <a:avLst/>
@@ -6104,24 +9335,24 @@
           <a:noFill/>
         </p:spPr>
         <p:txBody>
-          <a:bodyPr wrap="none" rtlCol="0">
+          <a:bodyPr wrap="square" rtlCol="0">
             <a:spAutoFit/>
           </a:bodyPr>
           <a:lstStyle/>
           <a:p>
             <a:r>
               <a:rPr lang="en-US" dirty="0"/>
-              <a:t>hidden</a:t>
-            </a:r>
-          </a:p>
-        </p:txBody>
-      </p:sp>
-      <p:sp>
-        <p:nvSpPr>
-          <p:cNvPr id="7" name="TextBox 6">
-            <a:extLst>
-              <a:ext uri="{FF2B5EF4-FFF2-40B4-BE49-F238E27FC236}">
-                <a16:creationId xmlns:a16="http://schemas.microsoft.com/office/drawing/2014/main" id="{51B1BB35-FBB9-4E04-BB01-9AD3F7370799}"/>
+              <a:t>Decision?</a:t>
+            </a:r>
+          </a:p>
+        </p:txBody>
+      </p:sp>
+      <p:sp>
+        <p:nvSpPr>
+          <p:cNvPr id="19" name="TextBox 18">
+            <a:extLst>
+              <a:ext uri="{FF2B5EF4-FFF2-40B4-BE49-F238E27FC236}">
+                <a16:creationId xmlns:a16="http://schemas.microsoft.com/office/drawing/2014/main" id="{4A4F4CD6-6389-4813-9DD4-66798DEE49B4}"/>
               </a:ext>
             </a:extLst>
           </p:cNvPr>
@@ -6130,8 +9361,8 @@
         </p:nvSpPr>
         <p:spPr>
           <a:xfrm>
-            <a:off x="10956333" y="6418726"/>
-            <a:ext cx="888385" cy="369332"/>
+            <a:off x="7653619" y="5181600"/>
+            <a:ext cx="4079835" cy="1477328"/>
           </a:xfrm>
           <a:prstGeom prst="rect">
             <a:avLst/>
@@ -6144,9 +9375,53 @@
           </a:bodyPr>
           <a:lstStyle/>
           <a:p>
-            <a:r>
-              <a:rPr lang="en-US" dirty="0"/>
-              <a:t>output</a:t>
+            <a:pPr marL="285750" indent="-285750">
+              <a:buFont typeface="Arial" panose="020B0604020202020204" pitchFamily="34" charset="0"/>
+              <a:buChar char="•"/>
+            </a:pPr>
+            <a:r>
+              <a:rPr lang="en-US" dirty="0"/>
+              <a:t>3 tilts for behavioral, 6 for model</a:t>
+            </a:r>
+          </a:p>
+          <a:p>
+            <a:pPr marL="742950" lvl="1" indent="-285750">
+              <a:buFont typeface="Arial" panose="020B0604020202020204" pitchFamily="34" charset="0"/>
+              <a:buChar char="•"/>
+            </a:pPr>
+            <a:r>
+              <a:rPr lang="en-US" dirty="0"/>
+              <a:t>little, medium, a lot</a:t>
+            </a:r>
+          </a:p>
+          <a:p>
+            <a:pPr marL="285750" indent="-285750">
+              <a:buFont typeface="Arial" panose="020B0604020202020204" pitchFamily="34" charset="0"/>
+              <a:buChar char="•"/>
+            </a:pPr>
+            <a:r>
+              <a:rPr lang="en-US" dirty="0"/>
+              <a:t>3 contrasts for both</a:t>
+            </a:r>
+          </a:p>
+          <a:p>
+            <a:pPr marL="742950" lvl="1" indent="-285750">
+              <a:buFont typeface="Arial" panose="020B0604020202020204" pitchFamily="34" charset="0"/>
+              <a:buChar char="•"/>
+            </a:pPr>
+            <a:r>
+              <a:rPr lang="en-US" dirty="0"/>
+              <a:t>0.35, 0.45, 1</a:t>
+            </a:r>
+          </a:p>
+          <a:p>
+            <a:pPr marL="285750" indent="-285750">
+              <a:buFont typeface="Arial" panose="020B0604020202020204" pitchFamily="34" charset="0"/>
+              <a:buChar char="•"/>
+            </a:pPr>
+            <a:r>
+              <a:rPr lang="en-US" dirty="0"/>
+              <a:t>Pictured: medium tilt, all contrasts </a:t>
             </a:r>
           </a:p>
         </p:txBody>
@@ -6154,13 +9429,91 @@
     </p:spTree>
     <p:extLst>
       <p:ext uri="{BB962C8B-B14F-4D97-AF65-F5344CB8AC3E}">
-        <p14:creationId xmlns:p14="http://schemas.microsoft.com/office/powerpoint/2010/main" val="3525840083"/>
+        <p14:creationId xmlns:p14="http://schemas.microsoft.com/office/powerpoint/2010/main" val="2940502556"/>
       </p:ext>
     </p:extLst>
   </p:cSld>
   <p:clrMapOvr>
     <a:masterClrMapping/>
   </p:clrMapOvr>
+  <p:timing>
+    <p:tnLst>
+      <p:par>
+        <p:cTn id="1" dur="indefinite" restart="never" nodeType="tmRoot">
+          <p:childTnLst>
+            <p:seq concurrent="1" nextAc="seek">
+              <p:cTn id="2" dur="indefinite" nodeType="mainSeq">
+                <p:childTnLst>
+                  <p:par>
+                    <p:cTn id="3" fill="hold">
+                      <p:stCondLst>
+                        <p:cond delay="indefinite"/>
+                      </p:stCondLst>
+                      <p:childTnLst>
+                        <p:par>
+                          <p:cTn id="4" fill="hold">
+                            <p:stCondLst>
+                              <p:cond delay="0"/>
+                            </p:stCondLst>
+                            <p:childTnLst>
+                              <p:par>
+                                <p:cTn id="5" presetID="1" presetClass="entr" presetSubtype="0" fill="hold" grpId="0" nodeType="clickEffect">
+                                  <p:stCondLst>
+                                    <p:cond delay="0"/>
+                                  </p:stCondLst>
+                                  <p:childTnLst>
+                                    <p:set>
+                                      <p:cBhvr>
+                                        <p:cTn id="6" dur="1" fill="hold">
+                                          <p:stCondLst>
+                                            <p:cond delay="0"/>
+                                          </p:stCondLst>
+                                        </p:cTn>
+                                        <p:tgtEl>
+                                          <p:spTgt spid="19"/>
+                                        </p:tgtEl>
+                                        <p:attrNameLst>
+                                          <p:attrName>style.visibility</p:attrName>
+                                        </p:attrNameLst>
+                                      </p:cBhvr>
+                                      <p:to>
+                                        <p:strVal val="visible"/>
+                                      </p:to>
+                                    </p:set>
+                                  </p:childTnLst>
+                                </p:cTn>
+                              </p:par>
+                            </p:childTnLst>
+                          </p:cTn>
+                        </p:par>
+                      </p:childTnLst>
+                    </p:cTn>
+                  </p:par>
+                </p:childTnLst>
+              </p:cTn>
+              <p:prevCondLst>
+                <p:cond evt="onPrev" delay="0">
+                  <p:tgtEl>
+                    <p:sldTgt/>
+                  </p:tgtEl>
+                </p:cond>
+              </p:prevCondLst>
+              <p:nextCondLst>
+                <p:cond evt="onNext" delay="0">
+                  <p:tgtEl>
+                    <p:sldTgt/>
+                  </p:tgtEl>
+                </p:cond>
+              </p:nextCondLst>
+            </p:seq>
+          </p:childTnLst>
+        </p:cTn>
+      </p:par>
+    </p:tnLst>
+    <p:bldLst>
+      <p:bldP spid="19" grpId="0"/>
+    </p:bldLst>
+  </p:timing>
 </p:sld>
 </file>
 
@@ -6186,7 +9539,7 @@
           <p:cNvPr id="2" name="Title 1">
             <a:extLst>
               <a:ext uri="{FF2B5EF4-FFF2-40B4-BE49-F238E27FC236}">
-                <a16:creationId xmlns:a16="http://schemas.microsoft.com/office/drawing/2014/main" id="{6076D1AF-58C9-4F89-8C55-12E9B65B1D97}"/>
+                <a16:creationId xmlns:a16="http://schemas.microsoft.com/office/drawing/2014/main" id="{016A51A3-0F2B-4124-846A-5168C275BE5F}"/>
               </a:ext>
             </a:extLst>
           </p:cNvPr>
@@ -6199,91 +9552,37 @@
         </p:nvSpPr>
         <p:spPr/>
         <p:txBody>
-          <a:bodyPr>
-            <a:normAutofit/>
-          </a:bodyPr>
-          <a:lstStyle/>
-          <a:p>
-            <a:r>
-              <a:rPr lang="en-US" dirty="0"/>
-              <a:t>Transfer Learning</a:t>
-            </a:r>
-          </a:p>
-        </p:txBody>
-      </p:sp>
-      <p:sp>
-        <p:nvSpPr>
-          <p:cNvPr id="3" name="Content Placeholder 2">
-            <a:extLst>
-              <a:ext uri="{FF2B5EF4-FFF2-40B4-BE49-F238E27FC236}">
-                <a16:creationId xmlns:a16="http://schemas.microsoft.com/office/drawing/2014/main" id="{0B1DA794-5E92-4CCA-88A7-B32B2077C0B7}"/>
-              </a:ext>
-            </a:extLst>
-          </p:cNvPr>
-          <p:cNvSpPr>
-            <a:spLocks noGrp="1"/>
-          </p:cNvSpPr>
-          <p:nvPr>
-            <p:ph idx="1"/>
-          </p:nvPr>
-        </p:nvSpPr>
-        <p:spPr>
-          <a:xfrm>
-            <a:off x="1115567" y="2478023"/>
-            <a:ext cx="4659945" cy="3727795"/>
-          </a:xfrm>
-        </p:spPr>
-        <p:txBody>
-          <a:bodyPr>
-            <a:normAutofit/>
-          </a:bodyPr>
-          <a:lstStyle/>
-          <a:p>
-            <a:r>
-              <a:rPr lang="en-US" dirty="0"/>
-              <a:t>Step 2: Train weights on dataset (</a:t>
-            </a:r>
-            <a:r>
-              <a:rPr lang="en-US" dirty="0" err="1"/>
-              <a:t>ie</a:t>
-            </a:r>
-            <a:r>
-              <a:rPr lang="en-US" dirty="0"/>
-              <a:t>: </a:t>
-            </a:r>
-            <a:r>
-              <a:rPr lang="en-US" dirty="0" err="1"/>
-              <a:t>Imagenet</a:t>
-            </a:r>
-            <a:r>
-              <a:rPr lang="en-US" dirty="0"/>
-              <a:t>)</a:t>
+          <a:bodyPr/>
+          <a:lstStyle/>
+          <a:p>
+            <a:r>
+              <a:rPr lang="en-US" dirty="0"/>
+              <a:t>Behavioral Results</a:t>
             </a:r>
           </a:p>
         </p:txBody>
       </p:sp>
       <p:pic>
         <p:nvPicPr>
-          <p:cNvPr id="22" name="Graphic 21">
-            <a:extLst>
-              <a:ext uri="{FF2B5EF4-FFF2-40B4-BE49-F238E27FC236}">
-                <a16:creationId xmlns:a16="http://schemas.microsoft.com/office/drawing/2014/main" id="{141E7829-5479-4DA3-AE10-7629A51538D8}"/>
+          <p:cNvPr id="5" name="Content Placeholder 4">
+            <a:extLst>
+              <a:ext uri="{FF2B5EF4-FFF2-40B4-BE49-F238E27FC236}">
+                <a16:creationId xmlns:a16="http://schemas.microsoft.com/office/drawing/2014/main" id="{89C45733-9F75-4520-8DB9-4846943016CD}"/>
               </a:ext>
             </a:extLst>
           </p:cNvPr>
           <p:cNvPicPr>
-            <a:picLocks noChangeAspect="1"/>
+            <a:picLocks noGrp="1" noChangeAspect="1"/>
           </p:cNvPicPr>
-          <p:nvPr/>
+          <p:nvPr>
+            <p:ph idx="1"/>
+          </p:nvPr>
         </p:nvPicPr>
         <p:blipFill>
           <a:blip r:embed="rId2">
             <a:extLst>
               <a:ext uri="{28A0092B-C50C-407E-A947-70E740481C1C}">
                 <a14:useLocalDpi xmlns:a14="http://schemas.microsoft.com/office/drawing/2010/main" val="0"/>
-              </a:ext>
-              <a:ext uri="{96DAC541-7B7A-43D3-8B79-37D633B846F1}">
-                <asvg:svgBlip xmlns:asvg="http://schemas.microsoft.com/office/drawing/2016/SVG/main" r:embed="rId3"/>
               </a:ext>
             </a:extLst>
           </a:blip>
@@ -6292,123 +9591,15 @@
         </p:blipFill>
         <p:spPr>
           <a:xfrm>
-            <a:off x="6403866" y="2432158"/>
-            <a:ext cx="5343525" cy="3819525"/>
-          </a:xfrm>
-          <a:prstGeom prst="rect">
-            <a:avLst/>
-          </a:prstGeom>
+            <a:off x="1981688" y="2090207"/>
+            <a:ext cx="8436585" cy="4469875"/>
+          </a:xfrm>
         </p:spPr>
       </p:pic>
-      <p:sp>
-        <p:nvSpPr>
-          <p:cNvPr id="5" name="TextBox 4">
-            <a:extLst>
-              <a:ext uri="{FF2B5EF4-FFF2-40B4-BE49-F238E27FC236}">
-                <a16:creationId xmlns:a16="http://schemas.microsoft.com/office/drawing/2014/main" id="{F3389D98-E32A-458A-9520-CBCCAD786DA5}"/>
-              </a:ext>
-            </a:extLst>
-          </p:cNvPr>
-          <p:cNvSpPr txBox="1"/>
-          <p:nvPr/>
-        </p:nvSpPr>
-        <p:spPr>
-          <a:xfrm>
-            <a:off x="6463632" y="6418726"/>
-            <a:ext cx="731290" cy="369332"/>
-          </a:xfrm>
-          <a:prstGeom prst="rect">
-            <a:avLst/>
-          </a:prstGeom>
-          <a:noFill/>
-        </p:spPr>
-        <p:txBody>
-          <a:bodyPr wrap="none" rtlCol="0">
-            <a:spAutoFit/>
-          </a:bodyPr>
-          <a:lstStyle/>
-          <a:p>
-            <a:r>
-              <a:rPr lang="en-US" dirty="0"/>
-              <a:t>input</a:t>
-            </a:r>
-          </a:p>
-        </p:txBody>
-      </p:sp>
-      <p:sp>
-        <p:nvSpPr>
-          <p:cNvPr id="6" name="TextBox 5">
-            <a:extLst>
-              <a:ext uri="{FF2B5EF4-FFF2-40B4-BE49-F238E27FC236}">
-                <a16:creationId xmlns:a16="http://schemas.microsoft.com/office/drawing/2014/main" id="{F024FF01-46D8-489E-AB57-3510B421080B}"/>
-              </a:ext>
-            </a:extLst>
-          </p:cNvPr>
-          <p:cNvSpPr txBox="1"/>
-          <p:nvPr/>
-        </p:nvSpPr>
-        <p:spPr>
-          <a:xfrm>
-            <a:off x="8606589" y="6418726"/>
-            <a:ext cx="938077" cy="369332"/>
-          </a:xfrm>
-          <a:prstGeom prst="rect">
-            <a:avLst/>
-          </a:prstGeom>
-          <a:noFill/>
-        </p:spPr>
-        <p:txBody>
-          <a:bodyPr wrap="none" rtlCol="0">
-            <a:spAutoFit/>
-          </a:bodyPr>
-          <a:lstStyle/>
-          <a:p>
-            <a:r>
-              <a:rPr lang="en-US" dirty="0"/>
-              <a:t>hidden</a:t>
-            </a:r>
-          </a:p>
-        </p:txBody>
-      </p:sp>
-      <p:sp>
-        <p:nvSpPr>
-          <p:cNvPr id="7" name="TextBox 6">
-            <a:extLst>
-              <a:ext uri="{FF2B5EF4-FFF2-40B4-BE49-F238E27FC236}">
-                <a16:creationId xmlns:a16="http://schemas.microsoft.com/office/drawing/2014/main" id="{E0B252F0-8491-428B-941F-1D54E6534B3A}"/>
-              </a:ext>
-            </a:extLst>
-          </p:cNvPr>
-          <p:cNvSpPr txBox="1"/>
-          <p:nvPr/>
-        </p:nvSpPr>
-        <p:spPr>
-          <a:xfrm>
-            <a:off x="10956333" y="6418726"/>
-            <a:ext cx="888385" cy="369332"/>
-          </a:xfrm>
-          <a:prstGeom prst="rect">
-            <a:avLst/>
-          </a:prstGeom>
-          <a:noFill/>
-        </p:spPr>
-        <p:txBody>
-          <a:bodyPr wrap="none" rtlCol="0">
-            <a:spAutoFit/>
-          </a:bodyPr>
-          <a:lstStyle/>
-          <a:p>
-            <a:r>
-              <a:rPr lang="en-US" dirty="0"/>
-              <a:t>output</a:t>
-            </a:r>
-          </a:p>
-        </p:txBody>
-      </p:sp>
     </p:spTree>
     <p:extLst>
       <p:ext uri="{BB962C8B-B14F-4D97-AF65-F5344CB8AC3E}">
-        <p14:creationId xmlns:p14="http://schemas.microsoft.com/office/powerpoint/2010/main" val="106270499"/>
+        <p14:creationId xmlns:p14="http://schemas.microsoft.com/office/powerpoint/2010/main" val="2594993225"/>
       </p:ext>
     </p:extLst>
   </p:cSld>
@@ -6440,7 +9631,7 @@
           <p:cNvPr id="2" name="Title 1">
             <a:extLst>
               <a:ext uri="{FF2B5EF4-FFF2-40B4-BE49-F238E27FC236}">
-                <a16:creationId xmlns:a16="http://schemas.microsoft.com/office/drawing/2014/main" id="{6076D1AF-58C9-4F89-8C55-12E9B65B1D97}"/>
+                <a16:creationId xmlns:a16="http://schemas.microsoft.com/office/drawing/2014/main" id="{016A51A3-0F2B-4124-846A-5168C275BE5F}"/>
               </a:ext>
             </a:extLst>
           </p:cNvPr>
@@ -6453,75 +9644,37 @@
         </p:nvSpPr>
         <p:spPr/>
         <p:txBody>
-          <a:bodyPr>
-            <a:normAutofit/>
-          </a:bodyPr>
-          <a:lstStyle/>
-          <a:p>
-            <a:r>
-              <a:rPr lang="en-US" dirty="0"/>
-              <a:t>Transfer Learning</a:t>
-            </a:r>
-          </a:p>
-        </p:txBody>
-      </p:sp>
-      <p:sp>
-        <p:nvSpPr>
-          <p:cNvPr id="3" name="Content Placeholder 2">
-            <a:extLst>
-              <a:ext uri="{FF2B5EF4-FFF2-40B4-BE49-F238E27FC236}">
-                <a16:creationId xmlns:a16="http://schemas.microsoft.com/office/drawing/2014/main" id="{0B1DA794-5E92-4CCA-88A7-B32B2077C0B7}"/>
-              </a:ext>
-            </a:extLst>
-          </p:cNvPr>
-          <p:cNvSpPr>
-            <a:spLocks noGrp="1"/>
-          </p:cNvSpPr>
-          <p:nvPr>
-            <p:ph idx="1"/>
-          </p:nvPr>
-        </p:nvSpPr>
-        <p:spPr>
-          <a:xfrm>
-            <a:off x="1115567" y="2478023"/>
-            <a:ext cx="4659945" cy="3727795"/>
-          </a:xfrm>
-        </p:spPr>
-        <p:txBody>
-          <a:bodyPr>
-            <a:normAutofit/>
-          </a:bodyPr>
-          <a:lstStyle/>
-          <a:p>
-            <a:r>
-              <a:rPr lang="en-US" dirty="0"/>
-              <a:t>Step 3: Freeze learned weights and replace last layer</a:t>
+          <a:bodyPr/>
+          <a:lstStyle/>
+          <a:p>
+            <a:r>
+              <a:rPr lang="en-US" dirty="0"/>
+              <a:t>Behavioral Results</a:t>
             </a:r>
           </a:p>
         </p:txBody>
       </p:sp>
       <p:pic>
         <p:nvPicPr>
-          <p:cNvPr id="22" name="Graphic 21">
-            <a:extLst>
-              <a:ext uri="{FF2B5EF4-FFF2-40B4-BE49-F238E27FC236}">
-                <a16:creationId xmlns:a16="http://schemas.microsoft.com/office/drawing/2014/main" id="{141E7829-5479-4DA3-AE10-7629A51538D8}"/>
+          <p:cNvPr id="5" name="Content Placeholder 4">
+            <a:extLst>
+              <a:ext uri="{FF2B5EF4-FFF2-40B4-BE49-F238E27FC236}">
+                <a16:creationId xmlns:a16="http://schemas.microsoft.com/office/drawing/2014/main" id="{89C45733-9F75-4520-8DB9-4846943016CD}"/>
               </a:ext>
             </a:extLst>
           </p:cNvPr>
           <p:cNvPicPr>
-            <a:picLocks noChangeAspect="1"/>
+            <a:picLocks noGrp="1" noChangeAspect="1"/>
           </p:cNvPicPr>
-          <p:nvPr/>
+          <p:nvPr>
+            <p:ph idx="1"/>
+          </p:nvPr>
         </p:nvPicPr>
         <p:blipFill>
           <a:blip r:embed="rId2">
             <a:extLst>
               <a:ext uri="{28A0092B-C50C-407E-A947-70E740481C1C}">
                 <a14:useLocalDpi xmlns:a14="http://schemas.microsoft.com/office/drawing/2010/main" val="0"/>
-              </a:ext>
-              <a:ext uri="{96DAC541-7B7A-43D3-8B79-37D633B846F1}">
-                <asvg:svgBlip xmlns:asvg="http://schemas.microsoft.com/office/drawing/2016/SVG/main" r:embed="rId3"/>
               </a:ext>
             </a:extLst>
           </a:blip>
@@ -6530,123 +9683,15 @@
         </p:blipFill>
         <p:spPr>
           <a:xfrm>
-            <a:off x="6403866" y="2432158"/>
-            <a:ext cx="5343525" cy="3819525"/>
-          </a:xfrm>
-          <a:prstGeom prst="rect">
-            <a:avLst/>
-          </a:prstGeom>
+            <a:off x="1981688" y="2090207"/>
+            <a:ext cx="8436585" cy="4469874"/>
+          </a:xfrm>
         </p:spPr>
       </p:pic>
-      <p:sp>
-        <p:nvSpPr>
-          <p:cNvPr id="5" name="TextBox 4">
-            <a:extLst>
-              <a:ext uri="{FF2B5EF4-FFF2-40B4-BE49-F238E27FC236}">
-                <a16:creationId xmlns:a16="http://schemas.microsoft.com/office/drawing/2014/main" id="{3701D964-2EE4-4447-AB0C-A42E6CA0F4A1}"/>
-              </a:ext>
-            </a:extLst>
-          </p:cNvPr>
-          <p:cNvSpPr txBox="1"/>
-          <p:nvPr/>
-        </p:nvSpPr>
-        <p:spPr>
-          <a:xfrm>
-            <a:off x="6463632" y="6418726"/>
-            <a:ext cx="731290" cy="369332"/>
-          </a:xfrm>
-          <a:prstGeom prst="rect">
-            <a:avLst/>
-          </a:prstGeom>
-          <a:noFill/>
-        </p:spPr>
-        <p:txBody>
-          <a:bodyPr wrap="none" rtlCol="0">
-            <a:spAutoFit/>
-          </a:bodyPr>
-          <a:lstStyle/>
-          <a:p>
-            <a:r>
-              <a:rPr lang="en-US" dirty="0"/>
-              <a:t>input</a:t>
-            </a:r>
-          </a:p>
-        </p:txBody>
-      </p:sp>
-      <p:sp>
-        <p:nvSpPr>
-          <p:cNvPr id="6" name="TextBox 5">
-            <a:extLst>
-              <a:ext uri="{FF2B5EF4-FFF2-40B4-BE49-F238E27FC236}">
-                <a16:creationId xmlns:a16="http://schemas.microsoft.com/office/drawing/2014/main" id="{3DE0638A-64C6-42D5-8FB0-FC3F3B90070C}"/>
-              </a:ext>
-            </a:extLst>
-          </p:cNvPr>
-          <p:cNvSpPr txBox="1"/>
-          <p:nvPr/>
-        </p:nvSpPr>
-        <p:spPr>
-          <a:xfrm>
-            <a:off x="8606589" y="6418726"/>
-            <a:ext cx="938077" cy="369332"/>
-          </a:xfrm>
-          <a:prstGeom prst="rect">
-            <a:avLst/>
-          </a:prstGeom>
-          <a:noFill/>
-        </p:spPr>
-        <p:txBody>
-          <a:bodyPr wrap="none" rtlCol="0">
-            <a:spAutoFit/>
-          </a:bodyPr>
-          <a:lstStyle/>
-          <a:p>
-            <a:r>
-              <a:rPr lang="en-US" dirty="0"/>
-              <a:t>hidden</a:t>
-            </a:r>
-          </a:p>
-        </p:txBody>
-      </p:sp>
-      <p:sp>
-        <p:nvSpPr>
-          <p:cNvPr id="7" name="TextBox 6">
-            <a:extLst>
-              <a:ext uri="{FF2B5EF4-FFF2-40B4-BE49-F238E27FC236}">
-                <a16:creationId xmlns:a16="http://schemas.microsoft.com/office/drawing/2014/main" id="{BDC80B9B-5DFF-4BAB-A93B-228D6BF79AC5}"/>
-              </a:ext>
-            </a:extLst>
-          </p:cNvPr>
-          <p:cNvSpPr txBox="1"/>
-          <p:nvPr/>
-        </p:nvSpPr>
-        <p:spPr>
-          <a:xfrm>
-            <a:off x="10956333" y="6418726"/>
-            <a:ext cx="888385" cy="369332"/>
-          </a:xfrm>
-          <a:prstGeom prst="rect">
-            <a:avLst/>
-          </a:prstGeom>
-          <a:noFill/>
-        </p:spPr>
-        <p:txBody>
-          <a:bodyPr wrap="none" rtlCol="0">
-            <a:spAutoFit/>
-          </a:bodyPr>
-          <a:lstStyle/>
-          <a:p>
-            <a:r>
-              <a:rPr lang="en-US" dirty="0"/>
-              <a:t>output</a:t>
-            </a:r>
-          </a:p>
-        </p:txBody>
-      </p:sp>
     </p:spTree>
     <p:extLst>
       <p:ext uri="{BB962C8B-B14F-4D97-AF65-F5344CB8AC3E}">
-        <p14:creationId xmlns:p14="http://schemas.microsoft.com/office/powerpoint/2010/main" val="2602533626"/>
+        <p14:creationId xmlns:p14="http://schemas.microsoft.com/office/powerpoint/2010/main" val="3522581955"/>
       </p:ext>
     </p:extLst>
   </p:cSld>
@@ -6698,7 +9743,7 @@
           <a:p>
             <a:r>
               <a:rPr lang="en-US" dirty="0"/>
-              <a:t>Transfer Learning</a:t>
+              <a:t>Model Choice: Transfer Learning</a:t>
             </a:r>
           </a:p>
         </p:txBody>
@@ -6722,7 +9767,7 @@
         <p:spPr>
           <a:xfrm>
             <a:off x="1115567" y="2478023"/>
-            <a:ext cx="4659945" cy="3727795"/>
+            <a:ext cx="10474453" cy="3727795"/>
           </a:xfrm>
         </p:spPr>
         <p:txBody>
@@ -6733,166 +9778,24 @@
           <a:p>
             <a:r>
               <a:rPr lang="en-US" dirty="0"/>
-              <a:t>Step 4: Train weights between last layer on dataset from new domain (</a:t>
-            </a:r>
+              <a:t>Transfer knowledge from one domain to another</a:t>
+            </a:r>
+          </a:p>
+          <a:p>
+            <a:pPr lvl="1"/>
             <a:r>
               <a:rPr lang="en-US" dirty="0" err="1"/>
               <a:t>ie</a:t>
             </a:r>
             <a:r>
               <a:rPr lang="en-US" dirty="0"/>
-              <a:t>: </a:t>
-            </a:r>
-            <a:r>
-              <a:rPr lang="en-US" dirty="0" err="1"/>
-              <a:t>Gabors</a:t>
-            </a:r>
-            <a:r>
-              <a:rPr lang="en-US" dirty="0"/>
-              <a:t>)</a:t>
-            </a:r>
-          </a:p>
-        </p:txBody>
-      </p:sp>
-      <p:pic>
-        <p:nvPicPr>
-          <p:cNvPr id="22" name="Graphic 21">
-            <a:extLst>
-              <a:ext uri="{FF2B5EF4-FFF2-40B4-BE49-F238E27FC236}">
-                <a16:creationId xmlns:a16="http://schemas.microsoft.com/office/drawing/2014/main" id="{141E7829-5479-4DA3-AE10-7629A51538D8}"/>
-              </a:ext>
-            </a:extLst>
-          </p:cNvPr>
-          <p:cNvPicPr>
-            <a:picLocks noChangeAspect="1"/>
-          </p:cNvPicPr>
-          <p:nvPr/>
-        </p:nvPicPr>
-        <p:blipFill>
-          <a:blip r:embed="rId2">
-            <a:extLst>
-              <a:ext uri="{28A0092B-C50C-407E-A947-70E740481C1C}">
-                <a14:useLocalDpi xmlns:a14="http://schemas.microsoft.com/office/drawing/2010/main" val="0"/>
-              </a:ext>
-              <a:ext uri="{96DAC541-7B7A-43D3-8B79-37D633B846F1}">
-                <asvg:svgBlip xmlns:asvg="http://schemas.microsoft.com/office/drawing/2016/SVG/main" r:embed="rId3"/>
-              </a:ext>
-            </a:extLst>
-          </a:blip>
-          <a:srcRect/>
-          <a:stretch/>
-        </p:blipFill>
-        <p:spPr>
-          <a:xfrm>
-            <a:off x="6403866" y="2432158"/>
-            <a:ext cx="5343525" cy="3819525"/>
-          </a:xfrm>
-          <a:prstGeom prst="rect">
-            <a:avLst/>
-          </a:prstGeom>
-        </p:spPr>
-      </p:pic>
-      <p:sp>
-        <p:nvSpPr>
-          <p:cNvPr id="5" name="TextBox 4">
-            <a:extLst>
-              <a:ext uri="{FF2B5EF4-FFF2-40B4-BE49-F238E27FC236}">
-                <a16:creationId xmlns:a16="http://schemas.microsoft.com/office/drawing/2014/main" id="{3701D964-2EE4-4447-AB0C-A42E6CA0F4A1}"/>
-              </a:ext>
-            </a:extLst>
-          </p:cNvPr>
-          <p:cNvSpPr txBox="1"/>
-          <p:nvPr/>
-        </p:nvSpPr>
-        <p:spPr>
-          <a:xfrm>
-            <a:off x="6463632" y="6418726"/>
-            <a:ext cx="731290" cy="369332"/>
-          </a:xfrm>
-          <a:prstGeom prst="rect">
-            <a:avLst/>
-          </a:prstGeom>
-          <a:noFill/>
-        </p:spPr>
-        <p:txBody>
-          <a:bodyPr wrap="none" rtlCol="0">
-            <a:spAutoFit/>
-          </a:bodyPr>
-          <a:lstStyle/>
-          <a:p>
-            <a:r>
-              <a:rPr lang="en-US" dirty="0"/>
-              <a:t>input</a:t>
-            </a:r>
-          </a:p>
-        </p:txBody>
-      </p:sp>
-      <p:sp>
-        <p:nvSpPr>
-          <p:cNvPr id="6" name="TextBox 5">
-            <a:extLst>
-              <a:ext uri="{FF2B5EF4-FFF2-40B4-BE49-F238E27FC236}">
-                <a16:creationId xmlns:a16="http://schemas.microsoft.com/office/drawing/2014/main" id="{3DE0638A-64C6-42D5-8FB0-FC3F3B90070C}"/>
-              </a:ext>
-            </a:extLst>
-          </p:cNvPr>
-          <p:cNvSpPr txBox="1"/>
-          <p:nvPr/>
-        </p:nvSpPr>
-        <p:spPr>
-          <a:xfrm>
-            <a:off x="8606589" y="6418726"/>
-            <a:ext cx="938077" cy="369332"/>
-          </a:xfrm>
-          <a:prstGeom prst="rect">
-            <a:avLst/>
-          </a:prstGeom>
-          <a:noFill/>
-        </p:spPr>
-        <p:txBody>
-          <a:bodyPr wrap="none" rtlCol="0">
-            <a:spAutoFit/>
-          </a:bodyPr>
-          <a:lstStyle/>
-          <a:p>
-            <a:r>
-              <a:rPr lang="en-US" dirty="0"/>
-              <a:t>hidden</a:t>
-            </a:r>
-          </a:p>
-        </p:txBody>
-      </p:sp>
-      <p:sp>
-        <p:nvSpPr>
-          <p:cNvPr id="7" name="TextBox 6">
-            <a:extLst>
-              <a:ext uri="{FF2B5EF4-FFF2-40B4-BE49-F238E27FC236}">
-                <a16:creationId xmlns:a16="http://schemas.microsoft.com/office/drawing/2014/main" id="{BDC80B9B-5DFF-4BAB-A93B-228D6BF79AC5}"/>
-              </a:ext>
-            </a:extLst>
-          </p:cNvPr>
-          <p:cNvSpPr txBox="1"/>
-          <p:nvPr/>
-        </p:nvSpPr>
-        <p:spPr>
-          <a:xfrm>
-            <a:off x="10956333" y="6418726"/>
-            <a:ext cx="888385" cy="369332"/>
-          </a:xfrm>
-          <a:prstGeom prst="rect">
-            <a:avLst/>
-          </a:prstGeom>
-          <a:noFill/>
-        </p:spPr>
-        <p:txBody>
-          <a:bodyPr wrap="none" rtlCol="0">
-            <a:spAutoFit/>
-          </a:bodyPr>
-          <a:lstStyle/>
-          <a:p>
-            <a:r>
-              <a:rPr lang="en-US" dirty="0"/>
-              <a:t>output</a:t>
+              <a:t>: trained weights in a particular neural network architecture</a:t>
+            </a:r>
+          </a:p>
+          <a:p>
+            <a:r>
+              <a:rPr lang="en-US" dirty="0"/>
+              <a:t>Transfer object recognition knowledge to Gabor discrimination task</a:t>
             </a:r>
           </a:p>
         </p:txBody>
@@ -6900,13 +9803,172 @@
     </p:spTree>
     <p:extLst>
       <p:ext uri="{BB962C8B-B14F-4D97-AF65-F5344CB8AC3E}">
-        <p14:creationId xmlns:p14="http://schemas.microsoft.com/office/powerpoint/2010/main" val="2196142897"/>
+        <p14:creationId xmlns:p14="http://schemas.microsoft.com/office/powerpoint/2010/main" val="644418184"/>
       </p:ext>
     </p:extLst>
   </p:cSld>
   <p:clrMapOvr>
     <a:masterClrMapping/>
   </p:clrMapOvr>
+  <p:timing>
+    <p:tnLst>
+      <p:par>
+        <p:cTn id="1" dur="indefinite" restart="never" nodeType="tmRoot">
+          <p:childTnLst>
+            <p:seq concurrent="1" nextAc="seek">
+              <p:cTn id="2" dur="indefinite" nodeType="mainSeq">
+                <p:childTnLst>
+                  <p:par>
+                    <p:cTn id="3" fill="hold">
+                      <p:stCondLst>
+                        <p:cond delay="indefinite"/>
+                      </p:stCondLst>
+                      <p:childTnLst>
+                        <p:par>
+                          <p:cTn id="4" fill="hold">
+                            <p:stCondLst>
+                              <p:cond delay="0"/>
+                            </p:stCondLst>
+                            <p:childTnLst>
+                              <p:par>
+                                <p:cTn id="5" presetID="1" presetClass="entr" presetSubtype="0" fill="hold" nodeType="clickEffect">
+                                  <p:stCondLst>
+                                    <p:cond delay="0"/>
+                                  </p:stCondLst>
+                                  <p:childTnLst>
+                                    <p:set>
+                                      <p:cBhvr>
+                                        <p:cTn id="6" dur="1" fill="hold">
+                                          <p:stCondLst>
+                                            <p:cond delay="0"/>
+                                          </p:stCondLst>
+                                        </p:cTn>
+                                        <p:tgtEl>
+                                          <p:spTgt spid="3">
+                                            <p:txEl>
+                                              <p:pRg st="0" end="0"/>
+                                            </p:txEl>
+                                          </p:spTgt>
+                                        </p:tgtEl>
+                                        <p:attrNameLst>
+                                          <p:attrName>style.visibility</p:attrName>
+                                        </p:attrNameLst>
+                                      </p:cBhvr>
+                                      <p:to>
+                                        <p:strVal val="visible"/>
+                                      </p:to>
+                                    </p:set>
+                                  </p:childTnLst>
+                                </p:cTn>
+                              </p:par>
+                              <p:par>
+                                <p:cTn id="7" presetID="1" presetClass="entr" presetSubtype="0" fill="hold" nodeType="withEffect">
+                                  <p:stCondLst>
+                                    <p:cond delay="0"/>
+                                  </p:stCondLst>
+                                  <p:childTnLst>
+                                    <p:set>
+                                      <p:cBhvr>
+                                        <p:cTn id="8" dur="1" fill="hold">
+                                          <p:stCondLst>
+                                            <p:cond delay="0"/>
+                                          </p:stCondLst>
+                                        </p:cTn>
+                                        <p:tgtEl>
+                                          <p:spTgt spid="3">
+                                            <p:txEl>
+                                              <p:pRg st="1" end="1"/>
+                                            </p:txEl>
+                                          </p:spTgt>
+                                        </p:tgtEl>
+                                        <p:attrNameLst>
+                                          <p:attrName>style.visibility</p:attrName>
+                                        </p:attrNameLst>
+                                      </p:cBhvr>
+                                      <p:to>
+                                        <p:strVal val="visible"/>
+                                      </p:to>
+                                    </p:set>
+                                  </p:childTnLst>
+                                </p:cTn>
+                              </p:par>
+                            </p:childTnLst>
+                          </p:cTn>
+                        </p:par>
+                      </p:childTnLst>
+                    </p:cTn>
+                  </p:par>
+                  <p:par>
+                    <p:cTn id="9" fill="hold">
+                      <p:stCondLst>
+                        <p:cond delay="indefinite"/>
+                      </p:stCondLst>
+                      <p:childTnLst>
+                        <p:par>
+                          <p:cTn id="10" fill="hold">
+                            <p:stCondLst>
+                              <p:cond delay="0"/>
+                            </p:stCondLst>
+                            <p:childTnLst>
+                              <p:par>
+                                <p:cTn id="11" presetID="1" presetClass="entr" presetSubtype="0" fill="hold" nodeType="clickEffect">
+                                  <p:stCondLst>
+                                    <p:cond delay="0"/>
+                                  </p:stCondLst>
+                                  <p:childTnLst>
+                                    <p:set>
+                                      <p:cBhvr>
+                                        <p:cTn id="12" dur="1" fill="hold">
+                                          <p:stCondLst>
+                                            <p:cond delay="0"/>
+                                          </p:stCondLst>
+                                        </p:cTn>
+                                        <p:tgtEl>
+                                          <p:spTgt spid="3">
+                                            <p:txEl>
+                                              <p:pRg st="2" end="2"/>
+                                            </p:txEl>
+                                          </p:spTgt>
+                                        </p:tgtEl>
+                                        <p:attrNameLst>
+                                          <p:attrName>style.visibility</p:attrName>
+                                        </p:attrNameLst>
+                                      </p:cBhvr>
+                                      <p:to>
+                                        <p:strVal val="visible"/>
+                                      </p:to>
+                                    </p:set>
+                                  </p:childTnLst>
+                                </p:cTn>
+                              </p:par>
+                            </p:childTnLst>
+                          </p:cTn>
+                        </p:par>
+                      </p:childTnLst>
+                    </p:cTn>
+                  </p:par>
+                </p:childTnLst>
+              </p:cTn>
+              <p:prevCondLst>
+                <p:cond evt="onPrev" delay="0">
+                  <p:tgtEl>
+                    <p:sldTgt/>
+                  </p:tgtEl>
+                </p:cond>
+              </p:prevCondLst>
+              <p:nextCondLst>
+                <p:cond evt="onNext" delay="0">
+                  <p:tgtEl>
+                    <p:sldTgt/>
+                  </p:tgtEl>
+                </p:cond>
+              </p:nextCondLst>
+            </p:seq>
+          </p:childTnLst>
+        </p:cTn>
+      </p:par>
+    </p:tnLst>
+  </p:timing>
 </p:sld>
 </file>
 
@@ -6932,7 +9994,7 @@
           <p:cNvPr id="2" name="Title 1">
             <a:extLst>
               <a:ext uri="{FF2B5EF4-FFF2-40B4-BE49-F238E27FC236}">
-                <a16:creationId xmlns:a16="http://schemas.microsoft.com/office/drawing/2014/main" id="{93F85C50-FB4E-4342-900E-07C934C69A79}"/>
+                <a16:creationId xmlns:a16="http://schemas.microsoft.com/office/drawing/2014/main" id="{6076D1AF-58C9-4F89-8C55-12E9B65B1D97}"/>
               </a:ext>
             </a:extLst>
           </p:cNvPr>
@@ -6945,7 +10007,9 @@
         </p:nvSpPr>
         <p:spPr/>
         <p:txBody>
-          <a:bodyPr/>
+          <a:bodyPr>
+            <a:normAutofit/>
+          </a:bodyPr>
           <a:lstStyle/>
           <a:p>
             <a:r>
@@ -6960,7 +10024,7 @@
           <p:cNvPr id="3" name="Content Placeholder 2">
             <a:extLst>
               <a:ext uri="{FF2B5EF4-FFF2-40B4-BE49-F238E27FC236}">
-                <a16:creationId xmlns:a16="http://schemas.microsoft.com/office/drawing/2014/main" id="{68039544-971D-4147-AE89-18DD26507232}"/>
+                <a16:creationId xmlns:a16="http://schemas.microsoft.com/office/drawing/2014/main" id="{0B1DA794-5E92-4CCA-88A7-B32B2077C0B7}"/>
               </a:ext>
             </a:extLst>
           </p:cNvPr>
@@ -6971,58 +10035,165 @@
             <p:ph idx="1"/>
           </p:nvPr>
         </p:nvSpPr>
-        <p:spPr/>
-        <p:txBody>
-          <a:bodyPr/>
-          <a:lstStyle/>
-          <a:p>
-            <a:r>
-              <a:rPr lang="en-US" dirty="0"/>
-              <a:t>MobileNetV2 (Sandler et al., 2018)</a:t>
-            </a:r>
-          </a:p>
-          <a:p>
-            <a:pPr lvl="1"/>
-            <a:r>
-              <a:rPr lang="en-US" dirty="0"/>
-              <a:t>Base layers trained on </a:t>
-            </a:r>
-            <a:r>
-              <a:rPr lang="en-US" dirty="0" err="1"/>
-              <a:t>Imagenet</a:t>
-            </a:r>
-            <a:endParaRPr lang="en-US" dirty="0"/>
-          </a:p>
-          <a:p>
-            <a:r>
-              <a:rPr lang="en-US"/>
-              <a:t>VGG16 </a:t>
-            </a:r>
-            <a:endParaRPr lang="en-US" dirty="0"/>
-          </a:p>
-          <a:p>
-            <a:pPr lvl="1"/>
-            <a:r>
-              <a:rPr lang="en-US" dirty="0"/>
-              <a:t>Base layers trained on </a:t>
-            </a:r>
-            <a:r>
-              <a:rPr lang="en-US" dirty="0" err="1"/>
-              <a:t>Imagenet</a:t>
-            </a:r>
-            <a:endParaRPr lang="en-US" dirty="0"/>
-          </a:p>
-          <a:p>
-            <a:r>
-              <a:rPr lang="en-US" dirty="0"/>
-              <a:t>Vanilla CNN</a:t>
-            </a:r>
-          </a:p>
-          <a:p>
-            <a:pPr lvl="1"/>
-            <a:r>
-              <a:rPr lang="en-US" dirty="0"/>
-              <a:t>Base layers trained on CIFAR10</a:t>
+        <p:spPr>
+          <a:xfrm>
+            <a:off x="1115567" y="2478023"/>
+            <a:ext cx="4659945" cy="3727795"/>
+          </a:xfrm>
+        </p:spPr>
+        <p:txBody>
+          <a:bodyPr>
+            <a:normAutofit/>
+          </a:bodyPr>
+          <a:lstStyle/>
+          <a:p>
+            <a:r>
+              <a:rPr lang="en-US" dirty="0"/>
+              <a:t>Step 1: Setup architecture</a:t>
+            </a:r>
+          </a:p>
+        </p:txBody>
+      </p:sp>
+      <p:pic>
+        <p:nvPicPr>
+          <p:cNvPr id="22" name="Graphic 21">
+            <a:extLst>
+              <a:ext uri="{FF2B5EF4-FFF2-40B4-BE49-F238E27FC236}">
+                <a16:creationId xmlns:a16="http://schemas.microsoft.com/office/drawing/2014/main" id="{141E7829-5479-4DA3-AE10-7629A51538D8}"/>
+              </a:ext>
+            </a:extLst>
+          </p:cNvPr>
+          <p:cNvPicPr>
+            <a:picLocks noChangeAspect="1"/>
+          </p:cNvPicPr>
+          <p:nvPr/>
+        </p:nvPicPr>
+        <p:blipFill>
+          <a:blip r:embed="rId2">
+            <a:extLst>
+              <a:ext uri="{28A0092B-C50C-407E-A947-70E740481C1C}">
+                <a14:useLocalDpi xmlns:a14="http://schemas.microsoft.com/office/drawing/2010/main" val="0"/>
+              </a:ext>
+              <a:ext uri="{96DAC541-7B7A-43D3-8B79-37D633B846F1}">
+                <asvg:svgBlip xmlns:asvg="http://schemas.microsoft.com/office/drawing/2016/SVG/main" r:embed="rId3"/>
+              </a:ext>
+            </a:extLst>
+          </a:blip>
+          <a:stretch>
+            <a:fillRect/>
+          </a:stretch>
+        </p:blipFill>
+        <p:spPr>
+          <a:xfrm>
+            <a:off x="6403866" y="2432158"/>
+            <a:ext cx="5343525" cy="3819525"/>
+          </a:xfrm>
+          <a:prstGeom prst="rect">
+            <a:avLst/>
+          </a:prstGeom>
+        </p:spPr>
+      </p:pic>
+      <p:sp>
+        <p:nvSpPr>
+          <p:cNvPr id="4" name="TextBox 3">
+            <a:extLst>
+              <a:ext uri="{FF2B5EF4-FFF2-40B4-BE49-F238E27FC236}">
+                <a16:creationId xmlns:a16="http://schemas.microsoft.com/office/drawing/2014/main" id="{5B50F59A-6E1D-4018-A5D5-A54B96A75237}"/>
+              </a:ext>
+            </a:extLst>
+          </p:cNvPr>
+          <p:cNvSpPr txBox="1"/>
+          <p:nvPr/>
+        </p:nvSpPr>
+        <p:spPr>
+          <a:xfrm>
+            <a:off x="6463632" y="6418726"/>
+            <a:ext cx="731290" cy="369332"/>
+          </a:xfrm>
+          <a:prstGeom prst="rect">
+            <a:avLst/>
+          </a:prstGeom>
+          <a:noFill/>
+        </p:spPr>
+        <p:txBody>
+          <a:bodyPr wrap="none" rtlCol="0">
+            <a:spAutoFit/>
+          </a:bodyPr>
+          <a:lstStyle/>
+          <a:p>
+            <a:r>
+              <a:rPr lang="en-US" dirty="0"/>
+              <a:t>input</a:t>
+            </a:r>
+          </a:p>
+        </p:txBody>
+      </p:sp>
+      <p:sp>
+        <p:nvSpPr>
+          <p:cNvPr id="6" name="TextBox 5">
+            <a:extLst>
+              <a:ext uri="{FF2B5EF4-FFF2-40B4-BE49-F238E27FC236}">
+                <a16:creationId xmlns:a16="http://schemas.microsoft.com/office/drawing/2014/main" id="{4969D3EC-FF06-4DCB-940E-B778967B4F91}"/>
+              </a:ext>
+            </a:extLst>
+          </p:cNvPr>
+          <p:cNvSpPr txBox="1"/>
+          <p:nvPr/>
+        </p:nvSpPr>
+        <p:spPr>
+          <a:xfrm>
+            <a:off x="8606589" y="6418726"/>
+            <a:ext cx="938077" cy="369332"/>
+          </a:xfrm>
+          <a:prstGeom prst="rect">
+            <a:avLst/>
+          </a:prstGeom>
+          <a:noFill/>
+        </p:spPr>
+        <p:txBody>
+          <a:bodyPr wrap="none" rtlCol="0">
+            <a:spAutoFit/>
+          </a:bodyPr>
+          <a:lstStyle/>
+          <a:p>
+            <a:r>
+              <a:rPr lang="en-US" dirty="0"/>
+              <a:t>hidden</a:t>
+            </a:r>
+          </a:p>
+        </p:txBody>
+      </p:sp>
+      <p:sp>
+        <p:nvSpPr>
+          <p:cNvPr id="7" name="TextBox 6">
+            <a:extLst>
+              <a:ext uri="{FF2B5EF4-FFF2-40B4-BE49-F238E27FC236}">
+                <a16:creationId xmlns:a16="http://schemas.microsoft.com/office/drawing/2014/main" id="{51B1BB35-FBB9-4E04-BB01-9AD3F7370799}"/>
+              </a:ext>
+            </a:extLst>
+          </p:cNvPr>
+          <p:cNvSpPr txBox="1"/>
+          <p:nvPr/>
+        </p:nvSpPr>
+        <p:spPr>
+          <a:xfrm>
+            <a:off x="10956333" y="6418726"/>
+            <a:ext cx="888385" cy="369332"/>
+          </a:xfrm>
+          <a:prstGeom prst="rect">
+            <a:avLst/>
+          </a:prstGeom>
+          <a:noFill/>
+        </p:spPr>
+        <p:txBody>
+          <a:bodyPr wrap="none" rtlCol="0">
+            <a:spAutoFit/>
+          </a:bodyPr>
+          <a:lstStyle/>
+          <a:p>
+            <a:r>
+              <a:rPr lang="en-US" dirty="0"/>
+              <a:t>output</a:t>
             </a:r>
           </a:p>
         </p:txBody>
@@ -7030,7 +10201,7 @@
     </p:spTree>
     <p:extLst>
       <p:ext uri="{BB962C8B-B14F-4D97-AF65-F5344CB8AC3E}">
-        <p14:creationId xmlns:p14="http://schemas.microsoft.com/office/powerpoint/2010/main" val="1965114540"/>
+        <p14:creationId xmlns:p14="http://schemas.microsoft.com/office/powerpoint/2010/main" val="3525840083"/>
       </p:ext>
     </p:extLst>
   </p:cSld>
@@ -7062,7 +10233,7 @@
           <p:cNvPr id="2" name="Title 1">
             <a:extLst>
               <a:ext uri="{FF2B5EF4-FFF2-40B4-BE49-F238E27FC236}">
-                <a16:creationId xmlns:a16="http://schemas.microsoft.com/office/drawing/2014/main" id="{016A51A3-0F2B-4124-846A-5168C275BE5F}"/>
+                <a16:creationId xmlns:a16="http://schemas.microsoft.com/office/drawing/2014/main" id="{6076D1AF-58C9-4F89-8C55-12E9B65B1D97}"/>
               </a:ext>
             </a:extLst>
           </p:cNvPr>
@@ -7075,37 +10246,91 @@
         </p:nvSpPr>
         <p:spPr/>
         <p:txBody>
-          <a:bodyPr/>
-          <a:lstStyle/>
-          <a:p>
-            <a:r>
-              <a:rPr lang="en-US" dirty="0"/>
-              <a:t>Behavioral Results</a:t>
+          <a:bodyPr>
+            <a:normAutofit/>
+          </a:bodyPr>
+          <a:lstStyle/>
+          <a:p>
+            <a:r>
+              <a:rPr lang="en-US" dirty="0"/>
+              <a:t>Transfer Learning</a:t>
+            </a:r>
+          </a:p>
+        </p:txBody>
+      </p:sp>
+      <p:sp>
+        <p:nvSpPr>
+          <p:cNvPr id="3" name="Content Placeholder 2">
+            <a:extLst>
+              <a:ext uri="{FF2B5EF4-FFF2-40B4-BE49-F238E27FC236}">
+                <a16:creationId xmlns:a16="http://schemas.microsoft.com/office/drawing/2014/main" id="{0B1DA794-5E92-4CCA-88A7-B32B2077C0B7}"/>
+              </a:ext>
+            </a:extLst>
+          </p:cNvPr>
+          <p:cNvSpPr>
+            <a:spLocks noGrp="1"/>
+          </p:cNvSpPr>
+          <p:nvPr>
+            <p:ph idx="1"/>
+          </p:nvPr>
+        </p:nvSpPr>
+        <p:spPr>
+          <a:xfrm>
+            <a:off x="1115567" y="2478023"/>
+            <a:ext cx="4659945" cy="3727795"/>
+          </a:xfrm>
+        </p:spPr>
+        <p:txBody>
+          <a:bodyPr>
+            <a:normAutofit/>
+          </a:bodyPr>
+          <a:lstStyle/>
+          <a:p>
+            <a:r>
+              <a:rPr lang="en-US" dirty="0"/>
+              <a:t>Step 2: Train weights on dataset (</a:t>
+            </a:r>
+            <a:r>
+              <a:rPr lang="en-US" dirty="0" err="1"/>
+              <a:t>ie</a:t>
+            </a:r>
+            <a:r>
+              <a:rPr lang="en-US" dirty="0"/>
+              <a:t>: </a:t>
+            </a:r>
+            <a:r>
+              <a:rPr lang="en-US" dirty="0" err="1"/>
+              <a:t>Imagenet</a:t>
+            </a:r>
+            <a:r>
+              <a:rPr lang="en-US" dirty="0"/>
+              <a:t>)</a:t>
             </a:r>
           </a:p>
         </p:txBody>
       </p:sp>
       <p:pic>
         <p:nvPicPr>
-          <p:cNvPr id="5" name="Content Placeholder 4">
-            <a:extLst>
-              <a:ext uri="{FF2B5EF4-FFF2-40B4-BE49-F238E27FC236}">
-                <a16:creationId xmlns:a16="http://schemas.microsoft.com/office/drawing/2014/main" id="{89C45733-9F75-4520-8DB9-4846943016CD}"/>
+          <p:cNvPr id="22" name="Graphic 21">
+            <a:extLst>
+              <a:ext uri="{FF2B5EF4-FFF2-40B4-BE49-F238E27FC236}">
+                <a16:creationId xmlns:a16="http://schemas.microsoft.com/office/drawing/2014/main" id="{141E7829-5479-4DA3-AE10-7629A51538D8}"/>
               </a:ext>
             </a:extLst>
           </p:cNvPr>
           <p:cNvPicPr>
-            <a:picLocks noGrp="1" noChangeAspect="1"/>
+            <a:picLocks noChangeAspect="1"/>
           </p:cNvPicPr>
-          <p:nvPr>
-            <p:ph idx="1"/>
-          </p:nvPr>
+          <p:nvPr/>
         </p:nvPicPr>
         <p:blipFill>
           <a:blip r:embed="rId2">
             <a:extLst>
               <a:ext uri="{28A0092B-C50C-407E-A947-70E740481C1C}">
                 <a14:useLocalDpi xmlns:a14="http://schemas.microsoft.com/office/drawing/2010/main" val="0"/>
+              </a:ext>
+              <a:ext uri="{96DAC541-7B7A-43D3-8B79-37D633B846F1}">
+                <asvg:svgBlip xmlns:asvg="http://schemas.microsoft.com/office/drawing/2016/SVG/main" r:embed="rId3"/>
               </a:ext>
             </a:extLst>
           </a:blip>
@@ -7114,15 +10339,123 @@
         </p:blipFill>
         <p:spPr>
           <a:xfrm>
-            <a:off x="1981688" y="2090207"/>
-            <a:ext cx="8436585" cy="4469875"/>
-          </a:xfrm>
+            <a:off x="6403866" y="2432158"/>
+            <a:ext cx="5343525" cy="3819525"/>
+          </a:xfrm>
+          <a:prstGeom prst="rect">
+            <a:avLst/>
+          </a:prstGeom>
         </p:spPr>
       </p:pic>
+      <p:sp>
+        <p:nvSpPr>
+          <p:cNvPr id="5" name="TextBox 4">
+            <a:extLst>
+              <a:ext uri="{FF2B5EF4-FFF2-40B4-BE49-F238E27FC236}">
+                <a16:creationId xmlns:a16="http://schemas.microsoft.com/office/drawing/2014/main" id="{F3389D98-E32A-458A-9520-CBCCAD786DA5}"/>
+              </a:ext>
+            </a:extLst>
+          </p:cNvPr>
+          <p:cNvSpPr txBox="1"/>
+          <p:nvPr/>
+        </p:nvSpPr>
+        <p:spPr>
+          <a:xfrm>
+            <a:off x="6463632" y="6418726"/>
+            <a:ext cx="731290" cy="369332"/>
+          </a:xfrm>
+          <a:prstGeom prst="rect">
+            <a:avLst/>
+          </a:prstGeom>
+          <a:noFill/>
+        </p:spPr>
+        <p:txBody>
+          <a:bodyPr wrap="none" rtlCol="0">
+            <a:spAutoFit/>
+          </a:bodyPr>
+          <a:lstStyle/>
+          <a:p>
+            <a:r>
+              <a:rPr lang="en-US" dirty="0"/>
+              <a:t>input</a:t>
+            </a:r>
+          </a:p>
+        </p:txBody>
+      </p:sp>
+      <p:sp>
+        <p:nvSpPr>
+          <p:cNvPr id="6" name="TextBox 5">
+            <a:extLst>
+              <a:ext uri="{FF2B5EF4-FFF2-40B4-BE49-F238E27FC236}">
+                <a16:creationId xmlns:a16="http://schemas.microsoft.com/office/drawing/2014/main" id="{F024FF01-46D8-489E-AB57-3510B421080B}"/>
+              </a:ext>
+            </a:extLst>
+          </p:cNvPr>
+          <p:cNvSpPr txBox="1"/>
+          <p:nvPr/>
+        </p:nvSpPr>
+        <p:spPr>
+          <a:xfrm>
+            <a:off x="8606589" y="6418726"/>
+            <a:ext cx="938077" cy="369332"/>
+          </a:xfrm>
+          <a:prstGeom prst="rect">
+            <a:avLst/>
+          </a:prstGeom>
+          <a:noFill/>
+        </p:spPr>
+        <p:txBody>
+          <a:bodyPr wrap="none" rtlCol="0">
+            <a:spAutoFit/>
+          </a:bodyPr>
+          <a:lstStyle/>
+          <a:p>
+            <a:r>
+              <a:rPr lang="en-US" dirty="0"/>
+              <a:t>hidden</a:t>
+            </a:r>
+          </a:p>
+        </p:txBody>
+      </p:sp>
+      <p:sp>
+        <p:nvSpPr>
+          <p:cNvPr id="7" name="TextBox 6">
+            <a:extLst>
+              <a:ext uri="{FF2B5EF4-FFF2-40B4-BE49-F238E27FC236}">
+                <a16:creationId xmlns:a16="http://schemas.microsoft.com/office/drawing/2014/main" id="{E0B252F0-8491-428B-941F-1D54E6534B3A}"/>
+              </a:ext>
+            </a:extLst>
+          </p:cNvPr>
+          <p:cNvSpPr txBox="1"/>
+          <p:nvPr/>
+        </p:nvSpPr>
+        <p:spPr>
+          <a:xfrm>
+            <a:off x="10956333" y="6418726"/>
+            <a:ext cx="888385" cy="369332"/>
+          </a:xfrm>
+          <a:prstGeom prst="rect">
+            <a:avLst/>
+          </a:prstGeom>
+          <a:noFill/>
+        </p:spPr>
+        <p:txBody>
+          <a:bodyPr wrap="none" rtlCol="0">
+            <a:spAutoFit/>
+          </a:bodyPr>
+          <a:lstStyle/>
+          <a:p>
+            <a:r>
+              <a:rPr lang="en-US" dirty="0"/>
+              <a:t>output</a:t>
+            </a:r>
+          </a:p>
+        </p:txBody>
+      </p:sp>
     </p:spTree>
     <p:extLst>
       <p:ext uri="{BB962C8B-B14F-4D97-AF65-F5344CB8AC3E}">
-        <p14:creationId xmlns:p14="http://schemas.microsoft.com/office/powerpoint/2010/main" val="2594993225"/>
+        <p14:creationId xmlns:p14="http://schemas.microsoft.com/office/powerpoint/2010/main" val="106270499"/>
       </p:ext>
     </p:extLst>
   </p:cSld>
@@ -7154,7 +10487,7 @@
           <p:cNvPr id="2" name="Title 1">
             <a:extLst>
               <a:ext uri="{FF2B5EF4-FFF2-40B4-BE49-F238E27FC236}">
-                <a16:creationId xmlns:a16="http://schemas.microsoft.com/office/drawing/2014/main" id="{016A51A3-0F2B-4124-846A-5168C275BE5F}"/>
+                <a16:creationId xmlns:a16="http://schemas.microsoft.com/office/drawing/2014/main" id="{6076D1AF-58C9-4F89-8C55-12E9B65B1D97}"/>
               </a:ext>
             </a:extLst>
           </p:cNvPr>
@@ -7167,37 +10500,75 @@
         </p:nvSpPr>
         <p:spPr/>
         <p:txBody>
-          <a:bodyPr/>
-          <a:lstStyle/>
-          <a:p>
-            <a:r>
-              <a:rPr lang="en-US" dirty="0"/>
-              <a:t>Behavioral Results</a:t>
+          <a:bodyPr>
+            <a:normAutofit/>
+          </a:bodyPr>
+          <a:lstStyle/>
+          <a:p>
+            <a:r>
+              <a:rPr lang="en-US" dirty="0"/>
+              <a:t>Transfer Learning</a:t>
+            </a:r>
+          </a:p>
+        </p:txBody>
+      </p:sp>
+      <p:sp>
+        <p:nvSpPr>
+          <p:cNvPr id="3" name="Content Placeholder 2">
+            <a:extLst>
+              <a:ext uri="{FF2B5EF4-FFF2-40B4-BE49-F238E27FC236}">
+                <a16:creationId xmlns:a16="http://schemas.microsoft.com/office/drawing/2014/main" id="{0B1DA794-5E92-4CCA-88A7-B32B2077C0B7}"/>
+              </a:ext>
+            </a:extLst>
+          </p:cNvPr>
+          <p:cNvSpPr>
+            <a:spLocks noGrp="1"/>
+          </p:cNvSpPr>
+          <p:nvPr>
+            <p:ph idx="1"/>
+          </p:nvPr>
+        </p:nvSpPr>
+        <p:spPr>
+          <a:xfrm>
+            <a:off x="1115567" y="2478023"/>
+            <a:ext cx="4659945" cy="3727795"/>
+          </a:xfrm>
+        </p:spPr>
+        <p:txBody>
+          <a:bodyPr>
+            <a:normAutofit/>
+          </a:bodyPr>
+          <a:lstStyle/>
+          <a:p>
+            <a:r>
+              <a:rPr lang="en-US" dirty="0"/>
+              <a:t>Step 3: Freeze learned weights and replace last layer</a:t>
             </a:r>
           </a:p>
         </p:txBody>
       </p:sp>
       <p:pic>
         <p:nvPicPr>
-          <p:cNvPr id="5" name="Content Placeholder 4">
-            <a:extLst>
-              <a:ext uri="{FF2B5EF4-FFF2-40B4-BE49-F238E27FC236}">
-                <a16:creationId xmlns:a16="http://schemas.microsoft.com/office/drawing/2014/main" id="{89C45733-9F75-4520-8DB9-4846943016CD}"/>
+          <p:cNvPr id="22" name="Graphic 21">
+            <a:extLst>
+              <a:ext uri="{FF2B5EF4-FFF2-40B4-BE49-F238E27FC236}">
+                <a16:creationId xmlns:a16="http://schemas.microsoft.com/office/drawing/2014/main" id="{141E7829-5479-4DA3-AE10-7629A51538D8}"/>
               </a:ext>
             </a:extLst>
           </p:cNvPr>
           <p:cNvPicPr>
-            <a:picLocks noGrp="1" noChangeAspect="1"/>
+            <a:picLocks noChangeAspect="1"/>
           </p:cNvPicPr>
-          <p:nvPr>
-            <p:ph idx="1"/>
-          </p:nvPr>
+          <p:nvPr/>
         </p:nvPicPr>
         <p:blipFill>
           <a:blip r:embed="rId2">
             <a:extLst>
               <a:ext uri="{28A0092B-C50C-407E-A947-70E740481C1C}">
                 <a14:useLocalDpi xmlns:a14="http://schemas.microsoft.com/office/drawing/2010/main" val="0"/>
+              </a:ext>
+              <a:ext uri="{96DAC541-7B7A-43D3-8B79-37D633B846F1}">
+                <asvg:svgBlip xmlns:asvg="http://schemas.microsoft.com/office/drawing/2016/SVG/main" r:embed="rId3"/>
               </a:ext>
             </a:extLst>
           </a:blip>
@@ -7206,15 +10577,123 @@
         </p:blipFill>
         <p:spPr>
           <a:xfrm>
-            <a:off x="1981688" y="2090207"/>
-            <a:ext cx="8436585" cy="4469874"/>
-          </a:xfrm>
+            <a:off x="6403866" y="2432158"/>
+            <a:ext cx="5343525" cy="3819525"/>
+          </a:xfrm>
+          <a:prstGeom prst="rect">
+            <a:avLst/>
+          </a:prstGeom>
         </p:spPr>
       </p:pic>
+      <p:sp>
+        <p:nvSpPr>
+          <p:cNvPr id="5" name="TextBox 4">
+            <a:extLst>
+              <a:ext uri="{FF2B5EF4-FFF2-40B4-BE49-F238E27FC236}">
+                <a16:creationId xmlns:a16="http://schemas.microsoft.com/office/drawing/2014/main" id="{3701D964-2EE4-4447-AB0C-A42E6CA0F4A1}"/>
+              </a:ext>
+            </a:extLst>
+          </p:cNvPr>
+          <p:cNvSpPr txBox="1"/>
+          <p:nvPr/>
+        </p:nvSpPr>
+        <p:spPr>
+          <a:xfrm>
+            <a:off x="6463632" y="6418726"/>
+            <a:ext cx="731290" cy="369332"/>
+          </a:xfrm>
+          <a:prstGeom prst="rect">
+            <a:avLst/>
+          </a:prstGeom>
+          <a:noFill/>
+        </p:spPr>
+        <p:txBody>
+          <a:bodyPr wrap="none" rtlCol="0">
+            <a:spAutoFit/>
+          </a:bodyPr>
+          <a:lstStyle/>
+          <a:p>
+            <a:r>
+              <a:rPr lang="en-US" dirty="0"/>
+              <a:t>input</a:t>
+            </a:r>
+          </a:p>
+        </p:txBody>
+      </p:sp>
+      <p:sp>
+        <p:nvSpPr>
+          <p:cNvPr id="6" name="TextBox 5">
+            <a:extLst>
+              <a:ext uri="{FF2B5EF4-FFF2-40B4-BE49-F238E27FC236}">
+                <a16:creationId xmlns:a16="http://schemas.microsoft.com/office/drawing/2014/main" id="{3DE0638A-64C6-42D5-8FB0-FC3F3B90070C}"/>
+              </a:ext>
+            </a:extLst>
+          </p:cNvPr>
+          <p:cNvSpPr txBox="1"/>
+          <p:nvPr/>
+        </p:nvSpPr>
+        <p:spPr>
+          <a:xfrm>
+            <a:off x="8606589" y="6418726"/>
+            <a:ext cx="938077" cy="369332"/>
+          </a:xfrm>
+          <a:prstGeom prst="rect">
+            <a:avLst/>
+          </a:prstGeom>
+          <a:noFill/>
+        </p:spPr>
+        <p:txBody>
+          <a:bodyPr wrap="none" rtlCol="0">
+            <a:spAutoFit/>
+          </a:bodyPr>
+          <a:lstStyle/>
+          <a:p>
+            <a:r>
+              <a:rPr lang="en-US" dirty="0"/>
+              <a:t>hidden</a:t>
+            </a:r>
+          </a:p>
+        </p:txBody>
+      </p:sp>
+      <p:sp>
+        <p:nvSpPr>
+          <p:cNvPr id="7" name="TextBox 6">
+            <a:extLst>
+              <a:ext uri="{FF2B5EF4-FFF2-40B4-BE49-F238E27FC236}">
+                <a16:creationId xmlns:a16="http://schemas.microsoft.com/office/drawing/2014/main" id="{BDC80B9B-5DFF-4BAB-A93B-228D6BF79AC5}"/>
+              </a:ext>
+            </a:extLst>
+          </p:cNvPr>
+          <p:cNvSpPr txBox="1"/>
+          <p:nvPr/>
+        </p:nvSpPr>
+        <p:spPr>
+          <a:xfrm>
+            <a:off x="10956333" y="6418726"/>
+            <a:ext cx="888385" cy="369332"/>
+          </a:xfrm>
+          <a:prstGeom prst="rect">
+            <a:avLst/>
+          </a:prstGeom>
+          <a:noFill/>
+        </p:spPr>
+        <p:txBody>
+          <a:bodyPr wrap="none" rtlCol="0">
+            <a:spAutoFit/>
+          </a:bodyPr>
+          <a:lstStyle/>
+          <a:p>
+            <a:r>
+              <a:rPr lang="en-US" dirty="0"/>
+              <a:t>output</a:t>
+            </a:r>
+          </a:p>
+        </p:txBody>
+      </p:sp>
     </p:spTree>
     <p:extLst>
       <p:ext uri="{BB962C8B-B14F-4D97-AF65-F5344CB8AC3E}">
-        <p14:creationId xmlns:p14="http://schemas.microsoft.com/office/powerpoint/2010/main" val="3522581955"/>
+        <p14:creationId xmlns:p14="http://schemas.microsoft.com/office/powerpoint/2010/main" val="2602533626"/>
       </p:ext>
     </p:extLst>
   </p:cSld>
